--- a/Figures/POSTER.pptx
+++ b/Figures/POSTER.pptx
@@ -2,18 +2,18 @@
 <file path=ppt/presentation.xml><?xml version="1.0" encoding="utf-8"?>
 <p:presentation xmlns:a="http://schemas.openxmlformats.org/drawingml/2006/main" xmlns:r="http://schemas.openxmlformats.org/officeDocument/2006/relationships" xmlns:p="http://schemas.openxmlformats.org/presentationml/2006/main" saveSubsetFonts="1">
   <p:sldMasterIdLst>
-    <p:sldMasterId id="2147483648" r:id="rId1"/>
+    <p:sldMasterId id="2147483660" r:id="rId1"/>
   </p:sldMasterIdLst>
   <p:sldIdLst>
     <p:sldId id="256" r:id="rId2"/>
   </p:sldIdLst>
-  <p:sldSz cx="12192000" cy="6858000"/>
+  <p:sldSz cx="43891200" cy="32918400"/>
   <p:notesSz cx="6858000" cy="9144000"/>
   <p:defaultTextStyle>
     <a:defPPr>
       <a:defRPr lang="en-US"/>
     </a:defPPr>
-    <a:lvl1pPr marL="0" algn="l" defTabSz="914400" rtl="0" eaLnBrk="1" latinLnBrk="0" hangingPunct="1">
+    <a:lvl1pPr marL="0" algn="l" defTabSz="457200" rtl="0" eaLnBrk="1" latinLnBrk="0" hangingPunct="1">
       <a:defRPr sz="1800" kern="1200">
         <a:solidFill>
           <a:schemeClr val="tx1"/>
@@ -23,7 +23,7 @@
         <a:cs typeface="+mn-cs"/>
       </a:defRPr>
     </a:lvl1pPr>
-    <a:lvl2pPr marL="457200" algn="l" defTabSz="914400" rtl="0" eaLnBrk="1" latinLnBrk="0" hangingPunct="1">
+    <a:lvl2pPr marL="457200" algn="l" defTabSz="457200" rtl="0" eaLnBrk="1" latinLnBrk="0" hangingPunct="1">
       <a:defRPr sz="1800" kern="1200">
         <a:solidFill>
           <a:schemeClr val="tx1"/>
@@ -33,7 +33,7 @@
         <a:cs typeface="+mn-cs"/>
       </a:defRPr>
     </a:lvl2pPr>
-    <a:lvl3pPr marL="914400" algn="l" defTabSz="914400" rtl="0" eaLnBrk="1" latinLnBrk="0" hangingPunct="1">
+    <a:lvl3pPr marL="914400" algn="l" defTabSz="457200" rtl="0" eaLnBrk="1" latinLnBrk="0" hangingPunct="1">
       <a:defRPr sz="1800" kern="1200">
         <a:solidFill>
           <a:schemeClr val="tx1"/>
@@ -43,7 +43,7 @@
         <a:cs typeface="+mn-cs"/>
       </a:defRPr>
     </a:lvl3pPr>
-    <a:lvl4pPr marL="1371600" algn="l" defTabSz="914400" rtl="0" eaLnBrk="1" latinLnBrk="0" hangingPunct="1">
+    <a:lvl4pPr marL="1371600" algn="l" defTabSz="457200" rtl="0" eaLnBrk="1" latinLnBrk="0" hangingPunct="1">
       <a:defRPr sz="1800" kern="1200">
         <a:solidFill>
           <a:schemeClr val="tx1"/>
@@ -53,7 +53,7 @@
         <a:cs typeface="+mn-cs"/>
       </a:defRPr>
     </a:lvl4pPr>
-    <a:lvl5pPr marL="1828800" algn="l" defTabSz="914400" rtl="0" eaLnBrk="1" latinLnBrk="0" hangingPunct="1">
+    <a:lvl5pPr marL="1828800" algn="l" defTabSz="457200" rtl="0" eaLnBrk="1" latinLnBrk="0" hangingPunct="1">
       <a:defRPr sz="1800" kern="1200">
         <a:solidFill>
           <a:schemeClr val="tx1"/>
@@ -63,7 +63,7 @@
         <a:cs typeface="+mn-cs"/>
       </a:defRPr>
     </a:lvl5pPr>
-    <a:lvl6pPr marL="2286000" algn="l" defTabSz="914400" rtl="0" eaLnBrk="1" latinLnBrk="0" hangingPunct="1">
+    <a:lvl6pPr marL="2286000" algn="l" defTabSz="457200" rtl="0" eaLnBrk="1" latinLnBrk="0" hangingPunct="1">
       <a:defRPr sz="1800" kern="1200">
         <a:solidFill>
           <a:schemeClr val="tx1"/>
@@ -73,7 +73,7 @@
         <a:cs typeface="+mn-cs"/>
       </a:defRPr>
     </a:lvl6pPr>
-    <a:lvl7pPr marL="2743200" algn="l" defTabSz="914400" rtl="0" eaLnBrk="1" latinLnBrk="0" hangingPunct="1">
+    <a:lvl7pPr marL="2743200" algn="l" defTabSz="457200" rtl="0" eaLnBrk="1" latinLnBrk="0" hangingPunct="1">
       <a:defRPr sz="1800" kern="1200">
         <a:solidFill>
           <a:schemeClr val="tx1"/>
@@ -83,7 +83,7 @@
         <a:cs typeface="+mn-cs"/>
       </a:defRPr>
     </a:lvl7pPr>
-    <a:lvl8pPr marL="3200400" algn="l" defTabSz="914400" rtl="0" eaLnBrk="1" latinLnBrk="0" hangingPunct="1">
+    <a:lvl8pPr marL="3200400" algn="l" defTabSz="457200" rtl="0" eaLnBrk="1" latinLnBrk="0" hangingPunct="1">
       <a:defRPr sz="1800" kern="1200">
         <a:solidFill>
           <a:schemeClr val="tx1"/>
@@ -93,7 +93,7 @@
         <a:cs typeface="+mn-cs"/>
       </a:defRPr>
     </a:lvl8pPr>
-    <a:lvl9pPr marL="3657600" algn="l" defTabSz="914400" rtl="0" eaLnBrk="1" latinLnBrk="0" hangingPunct="1">
+    <a:lvl9pPr marL="3657600" algn="l" defTabSz="457200" rtl="0" eaLnBrk="1" latinLnBrk="0" hangingPunct="1">
       <a:defRPr sz="1800" kern="1200">
         <a:solidFill>
           <a:schemeClr val="tx1"/>
@@ -104,6 +104,11 @@
       </a:defRPr>
     </a:lvl9pPr>
   </p:defaultTextStyle>
+  <p:extLst>
+    <p:ext uri="{EFAFB233-063F-42B5-8137-9DF3F51BA10A}">
+      <p15:sldGuideLst xmlns:p15="http://schemas.microsoft.com/office/powerpoint/2012/main"/>
+    </p:ext>
+  </p:extLst>
 </p:presentation>
 </file>
 
@@ -126,13 +131,7 @@
       </p:grpSpPr>
       <p:sp>
         <p:nvSpPr>
-          <p:cNvPr id="2" name="Title 1">
-            <a:extLst>
-              <a:ext uri="{FF2B5EF4-FFF2-40B4-BE49-F238E27FC236}">
-                <a16:creationId xmlns:a16="http://schemas.microsoft.com/office/drawing/2014/main" id="{FB616978-D4B4-4701-9E04-856D5120AFF3}"/>
-              </a:ext>
-            </a:extLst>
-          </p:cNvPr>
+          <p:cNvPr id="2" name="Title 1"/>
           <p:cNvSpPr>
             <a:spLocks noGrp="1"/>
           </p:cNvSpPr>
@@ -142,15 +141,15 @@
         </p:nvSpPr>
         <p:spPr>
           <a:xfrm>
-            <a:off x="1524000" y="1122363"/>
-            <a:ext cx="9144000" cy="2387600"/>
+            <a:off x="3291840" y="5387342"/>
+            <a:ext cx="37307520" cy="11460480"/>
           </a:xfrm>
         </p:spPr>
         <p:txBody>
           <a:bodyPr anchor="b"/>
           <a:lstStyle>
             <a:lvl1pPr algn="ctr">
-              <a:defRPr sz="6000"/>
+              <a:defRPr sz="28800"/>
             </a:lvl1pPr>
           </a:lstStyle>
           <a:p>
@@ -158,18 +157,13 @@
               <a:rPr lang="en-US"/>
               <a:t>Click to edit Master title style</a:t>
             </a:r>
-          </a:p>
-        </p:txBody>
-      </p:sp>
-      <p:sp>
-        <p:nvSpPr>
-          <p:cNvPr id="3" name="Subtitle 2">
-            <a:extLst>
-              <a:ext uri="{FF2B5EF4-FFF2-40B4-BE49-F238E27FC236}">
-                <a16:creationId xmlns:a16="http://schemas.microsoft.com/office/drawing/2014/main" id="{A141DA7B-4682-4C6F-8298-FF1E70B13684}"/>
-              </a:ext>
-            </a:extLst>
-          </p:cNvPr>
+            <a:endParaRPr lang="en-US" dirty="0"/>
+          </a:p>
+        </p:txBody>
+      </p:sp>
+      <p:sp>
+        <p:nvSpPr>
+          <p:cNvPr id="3" name="Subtitle 2"/>
           <p:cNvSpPr>
             <a:spLocks noGrp="1"/>
           </p:cNvSpPr>
@@ -179,8 +173,8 @@
         </p:nvSpPr>
         <p:spPr>
           <a:xfrm>
-            <a:off x="1524000" y="3602038"/>
-            <a:ext cx="9144000" cy="1655762"/>
+            <a:off x="5486400" y="17289782"/>
+            <a:ext cx="32918400" cy="7947658"/>
           </a:xfrm>
         </p:spPr>
         <p:txBody>
@@ -188,39 +182,39 @@
           <a:lstStyle>
             <a:lvl1pPr marL="0" indent="0" algn="ctr">
               <a:buNone/>
-              <a:defRPr sz="2400"/>
+              <a:defRPr sz="11520"/>
             </a:lvl1pPr>
-            <a:lvl2pPr marL="457200" indent="0" algn="ctr">
-              <a:buNone/>
-              <a:defRPr sz="2000"/>
+            <a:lvl2pPr marL="2194560" indent="0" algn="ctr">
+              <a:buNone/>
+              <a:defRPr sz="9600"/>
             </a:lvl2pPr>
-            <a:lvl3pPr marL="914400" indent="0" algn="ctr">
-              <a:buNone/>
-              <a:defRPr sz="1800"/>
+            <a:lvl3pPr marL="4389120" indent="0" algn="ctr">
+              <a:buNone/>
+              <a:defRPr sz="8640"/>
             </a:lvl3pPr>
-            <a:lvl4pPr marL="1371600" indent="0" algn="ctr">
-              <a:buNone/>
-              <a:defRPr sz="1600"/>
+            <a:lvl4pPr marL="6583680" indent="0" algn="ctr">
+              <a:buNone/>
+              <a:defRPr sz="7680"/>
             </a:lvl4pPr>
-            <a:lvl5pPr marL="1828800" indent="0" algn="ctr">
-              <a:buNone/>
-              <a:defRPr sz="1600"/>
+            <a:lvl5pPr marL="8778240" indent="0" algn="ctr">
+              <a:buNone/>
+              <a:defRPr sz="7680"/>
             </a:lvl5pPr>
-            <a:lvl6pPr marL="2286000" indent="0" algn="ctr">
-              <a:buNone/>
-              <a:defRPr sz="1600"/>
+            <a:lvl6pPr marL="10972800" indent="0" algn="ctr">
+              <a:buNone/>
+              <a:defRPr sz="7680"/>
             </a:lvl6pPr>
-            <a:lvl7pPr marL="2743200" indent="0" algn="ctr">
-              <a:buNone/>
-              <a:defRPr sz="1600"/>
+            <a:lvl7pPr marL="13167360" indent="0" algn="ctr">
+              <a:buNone/>
+              <a:defRPr sz="7680"/>
             </a:lvl7pPr>
-            <a:lvl8pPr marL="3200400" indent="0" algn="ctr">
-              <a:buNone/>
-              <a:defRPr sz="1600"/>
+            <a:lvl8pPr marL="15361920" indent="0" algn="ctr">
+              <a:buNone/>
+              <a:defRPr sz="7680"/>
             </a:lvl8pPr>
-            <a:lvl9pPr marL="3657600" indent="0" algn="ctr">
-              <a:buNone/>
-              <a:defRPr sz="1600"/>
+            <a:lvl9pPr marL="17556480" indent="0" algn="ctr">
+              <a:buNone/>
+              <a:defRPr sz="7680"/>
             </a:lvl9pPr>
           </a:lstStyle>
           <a:p>
@@ -228,18 +222,13 @@
               <a:rPr lang="en-US"/>
               <a:t>Click to edit Master subtitle style</a:t>
             </a:r>
-          </a:p>
-        </p:txBody>
-      </p:sp>
-      <p:sp>
-        <p:nvSpPr>
-          <p:cNvPr id="4" name="Date Placeholder 3">
-            <a:extLst>
-              <a:ext uri="{FF2B5EF4-FFF2-40B4-BE49-F238E27FC236}">
-                <a16:creationId xmlns:a16="http://schemas.microsoft.com/office/drawing/2014/main" id="{35F0A720-0F8B-429D-9461-DC7236356CDC}"/>
-              </a:ext>
-            </a:extLst>
-          </p:cNvPr>
+            <a:endParaRPr lang="en-US" dirty="0"/>
+          </a:p>
+        </p:txBody>
+      </p:sp>
+      <p:sp>
+        <p:nvSpPr>
+          <p:cNvPr id="4" name="Date Placeholder 3"/>
           <p:cNvSpPr>
             <a:spLocks noGrp="1"/>
           </p:cNvSpPr>
@@ -254,7 +243,7 @@
           <a:p>
             <a:fld id="{45811606-6EB3-40EA-A205-684587E5725D}" type="datetimeFigureOut">
               <a:rPr lang="en-US" smtClean="0"/>
-              <a:t>12/4/2021</a:t>
+              <a:t>12/7/2021</a:t>
             </a:fld>
             <a:endParaRPr lang="en-US"/>
           </a:p>
@@ -262,13 +251,7 @@
       </p:sp>
       <p:sp>
         <p:nvSpPr>
-          <p:cNvPr id="5" name="Footer Placeholder 4">
-            <a:extLst>
-              <a:ext uri="{FF2B5EF4-FFF2-40B4-BE49-F238E27FC236}">
-                <a16:creationId xmlns:a16="http://schemas.microsoft.com/office/drawing/2014/main" id="{35E0F633-28FE-435B-9F0E-2B664A52BDBE}"/>
-              </a:ext>
-            </a:extLst>
-          </p:cNvPr>
+          <p:cNvPr id="5" name="Footer Placeholder 4"/>
           <p:cNvSpPr>
             <a:spLocks noGrp="1"/>
           </p:cNvSpPr>
@@ -287,13 +270,7 @@
       </p:sp>
       <p:sp>
         <p:nvSpPr>
-          <p:cNvPr id="6" name="Slide Number Placeholder 5">
-            <a:extLst>
-              <a:ext uri="{FF2B5EF4-FFF2-40B4-BE49-F238E27FC236}">
-                <a16:creationId xmlns:a16="http://schemas.microsoft.com/office/drawing/2014/main" id="{107BECE2-EB58-419B-B157-BC2DD3833DDA}"/>
-              </a:ext>
-            </a:extLst>
-          </p:cNvPr>
+          <p:cNvPr id="6" name="Slide Number Placeholder 5"/>
           <p:cNvSpPr>
             <a:spLocks noGrp="1"/>
           </p:cNvSpPr>
@@ -317,7 +294,7 @@
     </p:spTree>
     <p:extLst>
       <p:ext uri="{BB962C8B-B14F-4D97-AF65-F5344CB8AC3E}">
-        <p14:creationId xmlns:p14="http://schemas.microsoft.com/office/powerpoint/2010/main" val="415210069"/>
+        <p14:creationId xmlns:p14="http://schemas.microsoft.com/office/powerpoint/2010/main" val="1537959628"/>
       </p:ext>
     </p:extLst>
   </p:cSld>
@@ -346,13 +323,7 @@
       </p:grpSpPr>
       <p:sp>
         <p:nvSpPr>
-          <p:cNvPr id="2" name="Title 1">
-            <a:extLst>
-              <a:ext uri="{FF2B5EF4-FFF2-40B4-BE49-F238E27FC236}">
-                <a16:creationId xmlns:a16="http://schemas.microsoft.com/office/drawing/2014/main" id="{C6F5FF87-B427-4BBC-AA80-17F1B9FCEEDE}"/>
-              </a:ext>
-            </a:extLst>
-          </p:cNvPr>
+          <p:cNvPr id="2" name="Title 1"/>
           <p:cNvSpPr>
             <a:spLocks noGrp="1"/>
           </p:cNvSpPr>
@@ -369,18 +340,13 @@
               <a:rPr lang="en-US"/>
               <a:t>Click to edit Master title style</a:t>
             </a:r>
-          </a:p>
-        </p:txBody>
-      </p:sp>
-      <p:sp>
-        <p:nvSpPr>
-          <p:cNvPr id="3" name="Vertical Text Placeholder 2">
-            <a:extLst>
-              <a:ext uri="{FF2B5EF4-FFF2-40B4-BE49-F238E27FC236}">
-                <a16:creationId xmlns:a16="http://schemas.microsoft.com/office/drawing/2014/main" id="{1B6464F2-E3D3-4A2E-8B00-274AF0CA93F5}"/>
-              </a:ext>
-            </a:extLst>
-          </p:cNvPr>
+            <a:endParaRPr lang="en-US" dirty="0"/>
+          </a:p>
+        </p:txBody>
+      </p:sp>
+      <p:sp>
+        <p:nvSpPr>
+          <p:cNvPr id="3" name="Vertical Text Placeholder 2"/>
           <p:cNvSpPr>
             <a:spLocks noGrp="1"/>
           </p:cNvSpPr>
@@ -426,18 +392,13 @@
               <a:rPr lang="en-US"/>
               <a:t>Fifth level</a:t>
             </a:r>
-          </a:p>
-        </p:txBody>
-      </p:sp>
-      <p:sp>
-        <p:nvSpPr>
-          <p:cNvPr id="4" name="Date Placeholder 3">
-            <a:extLst>
-              <a:ext uri="{FF2B5EF4-FFF2-40B4-BE49-F238E27FC236}">
-                <a16:creationId xmlns:a16="http://schemas.microsoft.com/office/drawing/2014/main" id="{EEAD0CB9-9B57-41E7-BDA8-16C5E917244B}"/>
-              </a:ext>
-            </a:extLst>
-          </p:cNvPr>
+            <a:endParaRPr lang="en-US" dirty="0"/>
+          </a:p>
+        </p:txBody>
+      </p:sp>
+      <p:sp>
+        <p:nvSpPr>
+          <p:cNvPr id="4" name="Date Placeholder 3"/>
           <p:cNvSpPr>
             <a:spLocks noGrp="1"/>
           </p:cNvSpPr>
@@ -452,7 +413,7 @@
           <a:p>
             <a:fld id="{45811606-6EB3-40EA-A205-684587E5725D}" type="datetimeFigureOut">
               <a:rPr lang="en-US" smtClean="0"/>
-              <a:t>12/4/2021</a:t>
+              <a:t>12/7/2021</a:t>
             </a:fld>
             <a:endParaRPr lang="en-US"/>
           </a:p>
@@ -460,13 +421,7 @@
       </p:sp>
       <p:sp>
         <p:nvSpPr>
-          <p:cNvPr id="5" name="Footer Placeholder 4">
-            <a:extLst>
-              <a:ext uri="{FF2B5EF4-FFF2-40B4-BE49-F238E27FC236}">
-                <a16:creationId xmlns:a16="http://schemas.microsoft.com/office/drawing/2014/main" id="{595FA6A3-E230-48BA-95E2-F5788C928AF9}"/>
-              </a:ext>
-            </a:extLst>
-          </p:cNvPr>
+          <p:cNvPr id="5" name="Footer Placeholder 4"/>
           <p:cNvSpPr>
             <a:spLocks noGrp="1"/>
           </p:cNvSpPr>
@@ -485,13 +440,7 @@
       </p:sp>
       <p:sp>
         <p:nvSpPr>
-          <p:cNvPr id="6" name="Slide Number Placeholder 5">
-            <a:extLst>
-              <a:ext uri="{FF2B5EF4-FFF2-40B4-BE49-F238E27FC236}">
-                <a16:creationId xmlns:a16="http://schemas.microsoft.com/office/drawing/2014/main" id="{C912B4E5-623B-43F8-A6A9-32868459AB26}"/>
-              </a:ext>
-            </a:extLst>
-          </p:cNvPr>
+          <p:cNvPr id="6" name="Slide Number Placeholder 5"/>
           <p:cNvSpPr>
             <a:spLocks noGrp="1"/>
           </p:cNvSpPr>
@@ -515,7 +464,7 @@
     </p:spTree>
     <p:extLst>
       <p:ext uri="{BB962C8B-B14F-4D97-AF65-F5344CB8AC3E}">
-        <p14:creationId xmlns:p14="http://schemas.microsoft.com/office/powerpoint/2010/main" val="3576875075"/>
+        <p14:creationId xmlns:p14="http://schemas.microsoft.com/office/powerpoint/2010/main" val="2253370322"/>
       </p:ext>
     </p:extLst>
   </p:cSld>
@@ -544,13 +493,7 @@
       </p:grpSpPr>
       <p:sp>
         <p:nvSpPr>
-          <p:cNvPr id="2" name="Vertical Title 1">
-            <a:extLst>
-              <a:ext uri="{FF2B5EF4-FFF2-40B4-BE49-F238E27FC236}">
-                <a16:creationId xmlns:a16="http://schemas.microsoft.com/office/drawing/2014/main" id="{CCD3BD05-E653-4B07-BD4E-69C5F0E0DA6A}"/>
-              </a:ext>
-            </a:extLst>
-          </p:cNvPr>
+          <p:cNvPr id="2" name="Vertical Title 1"/>
           <p:cNvSpPr>
             <a:spLocks noGrp="1"/>
           </p:cNvSpPr>
@@ -560,8 +503,8 @@
         </p:nvSpPr>
         <p:spPr>
           <a:xfrm>
-            <a:off x="8724900" y="365125"/>
-            <a:ext cx="2628900" cy="5811838"/>
+            <a:off x="31409642" y="1752600"/>
+            <a:ext cx="9464040" cy="27896822"/>
           </a:xfrm>
         </p:spPr>
         <p:txBody>
@@ -572,18 +515,13 @@
               <a:rPr lang="en-US"/>
               <a:t>Click to edit Master title style</a:t>
             </a:r>
-          </a:p>
-        </p:txBody>
-      </p:sp>
-      <p:sp>
-        <p:nvSpPr>
-          <p:cNvPr id="3" name="Vertical Text Placeholder 2">
-            <a:extLst>
-              <a:ext uri="{FF2B5EF4-FFF2-40B4-BE49-F238E27FC236}">
-                <a16:creationId xmlns:a16="http://schemas.microsoft.com/office/drawing/2014/main" id="{42DA7715-ED98-4CEF-BADE-CD226D4163C3}"/>
-              </a:ext>
-            </a:extLst>
-          </p:cNvPr>
+            <a:endParaRPr lang="en-US" dirty="0"/>
+          </a:p>
+        </p:txBody>
+      </p:sp>
+      <p:sp>
+        <p:nvSpPr>
+          <p:cNvPr id="3" name="Vertical Text Placeholder 2"/>
           <p:cNvSpPr>
             <a:spLocks noGrp="1"/>
           </p:cNvSpPr>
@@ -593,8 +531,8 @@
         </p:nvSpPr>
         <p:spPr>
           <a:xfrm>
-            <a:off x="838200" y="365125"/>
-            <a:ext cx="7734300" cy="5811838"/>
+            <a:off x="3017522" y="1752600"/>
+            <a:ext cx="27843480" cy="27896822"/>
           </a:xfrm>
         </p:spPr>
         <p:txBody>
@@ -634,18 +572,13 @@
               <a:rPr lang="en-US"/>
               <a:t>Fifth level</a:t>
             </a:r>
-          </a:p>
-        </p:txBody>
-      </p:sp>
-      <p:sp>
-        <p:nvSpPr>
-          <p:cNvPr id="4" name="Date Placeholder 3">
-            <a:extLst>
-              <a:ext uri="{FF2B5EF4-FFF2-40B4-BE49-F238E27FC236}">
-                <a16:creationId xmlns:a16="http://schemas.microsoft.com/office/drawing/2014/main" id="{A3539D04-9A32-4743-91DE-804AD3BB1E82}"/>
-              </a:ext>
-            </a:extLst>
-          </p:cNvPr>
+            <a:endParaRPr lang="en-US" dirty="0"/>
+          </a:p>
+        </p:txBody>
+      </p:sp>
+      <p:sp>
+        <p:nvSpPr>
+          <p:cNvPr id="4" name="Date Placeholder 3"/>
           <p:cNvSpPr>
             <a:spLocks noGrp="1"/>
           </p:cNvSpPr>
@@ -660,7 +593,7 @@
           <a:p>
             <a:fld id="{45811606-6EB3-40EA-A205-684587E5725D}" type="datetimeFigureOut">
               <a:rPr lang="en-US" smtClean="0"/>
-              <a:t>12/4/2021</a:t>
+              <a:t>12/7/2021</a:t>
             </a:fld>
             <a:endParaRPr lang="en-US"/>
           </a:p>
@@ -668,13 +601,7 @@
       </p:sp>
       <p:sp>
         <p:nvSpPr>
-          <p:cNvPr id="5" name="Footer Placeholder 4">
-            <a:extLst>
-              <a:ext uri="{FF2B5EF4-FFF2-40B4-BE49-F238E27FC236}">
-                <a16:creationId xmlns:a16="http://schemas.microsoft.com/office/drawing/2014/main" id="{D60DB91D-D1FB-48D6-9250-076166CB879A}"/>
-              </a:ext>
-            </a:extLst>
-          </p:cNvPr>
+          <p:cNvPr id="5" name="Footer Placeholder 4"/>
           <p:cNvSpPr>
             <a:spLocks noGrp="1"/>
           </p:cNvSpPr>
@@ -693,13 +620,7 @@
       </p:sp>
       <p:sp>
         <p:nvSpPr>
-          <p:cNvPr id="6" name="Slide Number Placeholder 5">
-            <a:extLst>
-              <a:ext uri="{FF2B5EF4-FFF2-40B4-BE49-F238E27FC236}">
-                <a16:creationId xmlns:a16="http://schemas.microsoft.com/office/drawing/2014/main" id="{49C98504-90ED-426B-98D9-3BB763877C4C}"/>
-              </a:ext>
-            </a:extLst>
-          </p:cNvPr>
+          <p:cNvPr id="6" name="Slide Number Placeholder 5"/>
           <p:cNvSpPr>
             <a:spLocks noGrp="1"/>
           </p:cNvSpPr>
@@ -723,7 +644,7 @@
     </p:spTree>
     <p:extLst>
       <p:ext uri="{BB962C8B-B14F-4D97-AF65-F5344CB8AC3E}">
-        <p14:creationId xmlns:p14="http://schemas.microsoft.com/office/powerpoint/2010/main" val="3293550612"/>
+        <p14:creationId xmlns:p14="http://schemas.microsoft.com/office/powerpoint/2010/main" val="2674559588"/>
       </p:ext>
     </p:extLst>
   </p:cSld>
@@ -752,13 +673,7 @@
       </p:grpSpPr>
       <p:sp>
         <p:nvSpPr>
-          <p:cNvPr id="2" name="Title 1">
-            <a:extLst>
-              <a:ext uri="{FF2B5EF4-FFF2-40B4-BE49-F238E27FC236}">
-                <a16:creationId xmlns:a16="http://schemas.microsoft.com/office/drawing/2014/main" id="{8F8855B5-014B-482C-8B8F-54D87AD31572}"/>
-              </a:ext>
-            </a:extLst>
-          </p:cNvPr>
+          <p:cNvPr id="2" name="Title 1"/>
           <p:cNvSpPr>
             <a:spLocks noGrp="1"/>
           </p:cNvSpPr>
@@ -775,18 +690,13 @@
               <a:rPr lang="en-US"/>
               <a:t>Click to edit Master title style</a:t>
             </a:r>
-          </a:p>
-        </p:txBody>
-      </p:sp>
-      <p:sp>
-        <p:nvSpPr>
-          <p:cNvPr id="3" name="Content Placeholder 2">
-            <a:extLst>
-              <a:ext uri="{FF2B5EF4-FFF2-40B4-BE49-F238E27FC236}">
-                <a16:creationId xmlns:a16="http://schemas.microsoft.com/office/drawing/2014/main" id="{D98E848D-C954-4DF0-9115-4D49E4913615}"/>
-              </a:ext>
-            </a:extLst>
-          </p:cNvPr>
+            <a:endParaRPr lang="en-US" dirty="0"/>
+          </a:p>
+        </p:txBody>
+      </p:sp>
+      <p:sp>
+        <p:nvSpPr>
+          <p:cNvPr id="3" name="Content Placeholder 2"/>
           <p:cNvSpPr>
             <a:spLocks noGrp="1"/>
           </p:cNvSpPr>
@@ -832,18 +742,13 @@
               <a:rPr lang="en-US"/>
               <a:t>Fifth level</a:t>
             </a:r>
-          </a:p>
-        </p:txBody>
-      </p:sp>
-      <p:sp>
-        <p:nvSpPr>
-          <p:cNvPr id="4" name="Date Placeholder 3">
-            <a:extLst>
-              <a:ext uri="{FF2B5EF4-FFF2-40B4-BE49-F238E27FC236}">
-                <a16:creationId xmlns:a16="http://schemas.microsoft.com/office/drawing/2014/main" id="{EC32CED6-E909-414F-8F2D-F5CE6F15E7E3}"/>
-              </a:ext>
-            </a:extLst>
-          </p:cNvPr>
+            <a:endParaRPr lang="en-US" dirty="0"/>
+          </a:p>
+        </p:txBody>
+      </p:sp>
+      <p:sp>
+        <p:nvSpPr>
+          <p:cNvPr id="4" name="Date Placeholder 3"/>
           <p:cNvSpPr>
             <a:spLocks noGrp="1"/>
           </p:cNvSpPr>
@@ -858,7 +763,7 @@
           <a:p>
             <a:fld id="{45811606-6EB3-40EA-A205-684587E5725D}" type="datetimeFigureOut">
               <a:rPr lang="en-US" smtClean="0"/>
-              <a:t>12/4/2021</a:t>
+              <a:t>12/7/2021</a:t>
             </a:fld>
             <a:endParaRPr lang="en-US"/>
           </a:p>
@@ -866,13 +771,7 @@
       </p:sp>
       <p:sp>
         <p:nvSpPr>
-          <p:cNvPr id="5" name="Footer Placeholder 4">
-            <a:extLst>
-              <a:ext uri="{FF2B5EF4-FFF2-40B4-BE49-F238E27FC236}">
-                <a16:creationId xmlns:a16="http://schemas.microsoft.com/office/drawing/2014/main" id="{611840DB-F967-4D80-A59B-B77A06BFAE95}"/>
-              </a:ext>
-            </a:extLst>
-          </p:cNvPr>
+          <p:cNvPr id="5" name="Footer Placeholder 4"/>
           <p:cNvSpPr>
             <a:spLocks noGrp="1"/>
           </p:cNvSpPr>
@@ -891,13 +790,7 @@
       </p:sp>
       <p:sp>
         <p:nvSpPr>
-          <p:cNvPr id="6" name="Slide Number Placeholder 5">
-            <a:extLst>
-              <a:ext uri="{FF2B5EF4-FFF2-40B4-BE49-F238E27FC236}">
-                <a16:creationId xmlns:a16="http://schemas.microsoft.com/office/drawing/2014/main" id="{735D5B60-DBEA-408E-8842-C78DAFDBD6CE}"/>
-              </a:ext>
-            </a:extLst>
-          </p:cNvPr>
+          <p:cNvPr id="6" name="Slide Number Placeholder 5"/>
           <p:cNvSpPr>
             <a:spLocks noGrp="1"/>
           </p:cNvSpPr>
@@ -921,7 +814,7 @@
     </p:spTree>
     <p:extLst>
       <p:ext uri="{BB962C8B-B14F-4D97-AF65-F5344CB8AC3E}">
-        <p14:creationId xmlns:p14="http://schemas.microsoft.com/office/powerpoint/2010/main" val="2575760827"/>
+        <p14:creationId xmlns:p14="http://schemas.microsoft.com/office/powerpoint/2010/main" val="1798715021"/>
       </p:ext>
     </p:extLst>
   </p:cSld>
@@ -950,13 +843,7 @@
       </p:grpSpPr>
       <p:sp>
         <p:nvSpPr>
-          <p:cNvPr id="2" name="Title 1">
-            <a:extLst>
-              <a:ext uri="{FF2B5EF4-FFF2-40B4-BE49-F238E27FC236}">
-                <a16:creationId xmlns:a16="http://schemas.microsoft.com/office/drawing/2014/main" id="{B3402923-0532-4E7A-818C-6B8FAD648727}"/>
-              </a:ext>
-            </a:extLst>
-          </p:cNvPr>
+          <p:cNvPr id="2" name="Title 1"/>
           <p:cNvSpPr>
             <a:spLocks noGrp="1"/>
           </p:cNvSpPr>
@@ -966,15 +853,15 @@
         </p:nvSpPr>
         <p:spPr>
           <a:xfrm>
-            <a:off x="831850" y="1709738"/>
-            <a:ext cx="10515600" cy="2852737"/>
+            <a:off x="2994662" y="8206749"/>
+            <a:ext cx="37856160" cy="13693138"/>
           </a:xfrm>
         </p:spPr>
         <p:txBody>
           <a:bodyPr anchor="b"/>
           <a:lstStyle>
             <a:lvl1pPr>
-              <a:defRPr sz="6000"/>
+              <a:defRPr sz="28800"/>
             </a:lvl1pPr>
           </a:lstStyle>
           <a:p>
@@ -982,18 +869,13 @@
               <a:rPr lang="en-US"/>
               <a:t>Click to edit Master title style</a:t>
             </a:r>
-          </a:p>
-        </p:txBody>
-      </p:sp>
-      <p:sp>
-        <p:nvSpPr>
-          <p:cNvPr id="3" name="Text Placeholder 2">
-            <a:extLst>
-              <a:ext uri="{FF2B5EF4-FFF2-40B4-BE49-F238E27FC236}">
-                <a16:creationId xmlns:a16="http://schemas.microsoft.com/office/drawing/2014/main" id="{5E879E4F-1977-4FEB-87CE-D38DFE30E769}"/>
-              </a:ext>
-            </a:extLst>
-          </p:cNvPr>
+            <a:endParaRPr lang="en-US" dirty="0"/>
+          </a:p>
+        </p:txBody>
+      </p:sp>
+      <p:sp>
+        <p:nvSpPr>
+          <p:cNvPr id="3" name="Text Placeholder 2"/>
           <p:cNvSpPr>
             <a:spLocks noGrp="1"/>
           </p:cNvSpPr>
@@ -1003,8 +885,8 @@
         </p:nvSpPr>
         <p:spPr>
           <a:xfrm>
-            <a:off x="831850" y="4589463"/>
-            <a:ext cx="10515600" cy="1500187"/>
+            <a:off x="2994662" y="22029429"/>
+            <a:ext cx="37856160" cy="7200898"/>
           </a:xfrm>
         </p:spPr>
         <p:txBody>
@@ -1012,93 +894,91 @@
           <a:lstStyle>
             <a:lvl1pPr marL="0" indent="0">
               <a:buNone/>
-              <a:defRPr sz="2400">
+              <a:defRPr sz="11520">
+                <a:solidFill>
+                  <a:schemeClr val="tx1"/>
+                </a:solidFill>
+              </a:defRPr>
+            </a:lvl1pPr>
+            <a:lvl2pPr marL="2194560" indent="0">
+              <a:buNone/>
+              <a:defRPr sz="9600">
                 <a:solidFill>
                   <a:schemeClr val="tx1">
                     <a:tint val="75000"/>
                   </a:schemeClr>
                 </a:solidFill>
               </a:defRPr>
-            </a:lvl1pPr>
-            <a:lvl2pPr marL="457200" indent="0">
-              <a:buNone/>
-              <a:defRPr sz="2000">
+            </a:lvl2pPr>
+            <a:lvl3pPr marL="4389120" indent="0">
+              <a:buNone/>
+              <a:defRPr sz="8640">
                 <a:solidFill>
                   <a:schemeClr val="tx1">
                     <a:tint val="75000"/>
                   </a:schemeClr>
                 </a:solidFill>
               </a:defRPr>
-            </a:lvl2pPr>
-            <a:lvl3pPr marL="914400" indent="0">
-              <a:buNone/>
-              <a:defRPr sz="1800">
+            </a:lvl3pPr>
+            <a:lvl4pPr marL="6583680" indent="0">
+              <a:buNone/>
+              <a:defRPr sz="7680">
                 <a:solidFill>
                   <a:schemeClr val="tx1">
                     <a:tint val="75000"/>
                   </a:schemeClr>
                 </a:solidFill>
               </a:defRPr>
-            </a:lvl3pPr>
-            <a:lvl4pPr marL="1371600" indent="0">
-              <a:buNone/>
-              <a:defRPr sz="1600">
+            </a:lvl4pPr>
+            <a:lvl5pPr marL="8778240" indent="0">
+              <a:buNone/>
+              <a:defRPr sz="7680">
                 <a:solidFill>
                   <a:schemeClr val="tx1">
                     <a:tint val="75000"/>
                   </a:schemeClr>
                 </a:solidFill>
               </a:defRPr>
-            </a:lvl4pPr>
-            <a:lvl5pPr marL="1828800" indent="0">
-              <a:buNone/>
-              <a:defRPr sz="1600">
+            </a:lvl5pPr>
+            <a:lvl6pPr marL="10972800" indent="0">
+              <a:buNone/>
+              <a:defRPr sz="7680">
                 <a:solidFill>
                   <a:schemeClr val="tx1">
                     <a:tint val="75000"/>
                   </a:schemeClr>
                 </a:solidFill>
               </a:defRPr>
-            </a:lvl5pPr>
-            <a:lvl6pPr marL="2286000" indent="0">
-              <a:buNone/>
-              <a:defRPr sz="1600">
+            </a:lvl6pPr>
+            <a:lvl7pPr marL="13167360" indent="0">
+              <a:buNone/>
+              <a:defRPr sz="7680">
                 <a:solidFill>
                   <a:schemeClr val="tx1">
                     <a:tint val="75000"/>
                   </a:schemeClr>
                 </a:solidFill>
               </a:defRPr>
-            </a:lvl6pPr>
-            <a:lvl7pPr marL="2743200" indent="0">
-              <a:buNone/>
-              <a:defRPr sz="1600">
+            </a:lvl7pPr>
+            <a:lvl8pPr marL="15361920" indent="0">
+              <a:buNone/>
+              <a:defRPr sz="7680">
                 <a:solidFill>
                   <a:schemeClr val="tx1">
                     <a:tint val="75000"/>
                   </a:schemeClr>
                 </a:solidFill>
               </a:defRPr>
-            </a:lvl7pPr>
-            <a:lvl8pPr marL="3200400" indent="0">
-              <a:buNone/>
-              <a:defRPr sz="1600">
+            </a:lvl8pPr>
+            <a:lvl9pPr marL="17556480" indent="0">
+              <a:buNone/>
+              <a:defRPr sz="7680">
                 <a:solidFill>
                   <a:schemeClr val="tx1">
                     <a:tint val="75000"/>
                   </a:schemeClr>
                 </a:solidFill>
               </a:defRPr>
-            </a:lvl8pPr>
-            <a:lvl9pPr marL="3657600" indent="0">
-              <a:buNone/>
-              <a:defRPr sz="1600">
-                <a:solidFill>
-                  <a:schemeClr val="tx1">
-                    <a:tint val="75000"/>
-                  </a:schemeClr>
-                </a:solidFill>
-              </a:defRPr>
             </a:lvl9pPr>
           </a:lstStyle>
           <a:p>
@@ -1112,13 +992,7 @@
       </p:sp>
       <p:sp>
         <p:nvSpPr>
-          <p:cNvPr id="4" name="Date Placeholder 3">
-            <a:extLst>
-              <a:ext uri="{FF2B5EF4-FFF2-40B4-BE49-F238E27FC236}">
-                <a16:creationId xmlns:a16="http://schemas.microsoft.com/office/drawing/2014/main" id="{50636D28-629D-4A25-B0F3-4D8B2F5E4555}"/>
-              </a:ext>
-            </a:extLst>
-          </p:cNvPr>
+          <p:cNvPr id="4" name="Date Placeholder 3"/>
           <p:cNvSpPr>
             <a:spLocks noGrp="1"/>
           </p:cNvSpPr>
@@ -1133,7 +1007,7 @@
           <a:p>
             <a:fld id="{45811606-6EB3-40EA-A205-684587E5725D}" type="datetimeFigureOut">
               <a:rPr lang="en-US" smtClean="0"/>
-              <a:t>12/4/2021</a:t>
+              <a:t>12/7/2021</a:t>
             </a:fld>
             <a:endParaRPr lang="en-US"/>
           </a:p>
@@ -1141,13 +1015,7 @@
       </p:sp>
       <p:sp>
         <p:nvSpPr>
-          <p:cNvPr id="5" name="Footer Placeholder 4">
-            <a:extLst>
-              <a:ext uri="{FF2B5EF4-FFF2-40B4-BE49-F238E27FC236}">
-                <a16:creationId xmlns:a16="http://schemas.microsoft.com/office/drawing/2014/main" id="{61FA7AAB-398B-4928-92FD-085CD6D201AA}"/>
-              </a:ext>
-            </a:extLst>
-          </p:cNvPr>
+          <p:cNvPr id="5" name="Footer Placeholder 4"/>
           <p:cNvSpPr>
             <a:spLocks noGrp="1"/>
           </p:cNvSpPr>
@@ -1166,13 +1034,7 @@
       </p:sp>
       <p:sp>
         <p:nvSpPr>
-          <p:cNvPr id="6" name="Slide Number Placeholder 5">
-            <a:extLst>
-              <a:ext uri="{FF2B5EF4-FFF2-40B4-BE49-F238E27FC236}">
-                <a16:creationId xmlns:a16="http://schemas.microsoft.com/office/drawing/2014/main" id="{7391ADA8-E73D-45B0-8041-C11FD2406B49}"/>
-              </a:ext>
-            </a:extLst>
-          </p:cNvPr>
+          <p:cNvPr id="6" name="Slide Number Placeholder 5"/>
           <p:cNvSpPr>
             <a:spLocks noGrp="1"/>
           </p:cNvSpPr>
@@ -1196,7 +1058,7 @@
     </p:spTree>
     <p:extLst>
       <p:ext uri="{BB962C8B-B14F-4D97-AF65-F5344CB8AC3E}">
-        <p14:creationId xmlns:p14="http://schemas.microsoft.com/office/powerpoint/2010/main" val="3158314191"/>
+        <p14:creationId xmlns:p14="http://schemas.microsoft.com/office/powerpoint/2010/main" val="1343077465"/>
       </p:ext>
     </p:extLst>
   </p:cSld>
@@ -1225,13 +1087,7 @@
       </p:grpSpPr>
       <p:sp>
         <p:nvSpPr>
-          <p:cNvPr id="2" name="Title 1">
-            <a:extLst>
-              <a:ext uri="{FF2B5EF4-FFF2-40B4-BE49-F238E27FC236}">
-                <a16:creationId xmlns:a16="http://schemas.microsoft.com/office/drawing/2014/main" id="{938140AD-52A5-4872-B453-A66C632B9AB8}"/>
-              </a:ext>
-            </a:extLst>
-          </p:cNvPr>
+          <p:cNvPr id="2" name="Title 1"/>
           <p:cNvSpPr>
             <a:spLocks noGrp="1"/>
           </p:cNvSpPr>
@@ -1248,18 +1104,13 @@
               <a:rPr lang="en-US"/>
               <a:t>Click to edit Master title style</a:t>
             </a:r>
-          </a:p>
-        </p:txBody>
-      </p:sp>
-      <p:sp>
-        <p:nvSpPr>
-          <p:cNvPr id="3" name="Content Placeholder 2">
-            <a:extLst>
-              <a:ext uri="{FF2B5EF4-FFF2-40B4-BE49-F238E27FC236}">
-                <a16:creationId xmlns:a16="http://schemas.microsoft.com/office/drawing/2014/main" id="{95CAE819-E595-4458-831C-5F85C10A60E3}"/>
-              </a:ext>
-            </a:extLst>
-          </p:cNvPr>
+            <a:endParaRPr lang="en-US" dirty="0"/>
+          </a:p>
+        </p:txBody>
+      </p:sp>
+      <p:sp>
+        <p:nvSpPr>
+          <p:cNvPr id="3" name="Content Placeholder 2"/>
           <p:cNvSpPr>
             <a:spLocks noGrp="1"/>
           </p:cNvSpPr>
@@ -1269,8 +1120,8 @@
         </p:nvSpPr>
         <p:spPr>
           <a:xfrm>
-            <a:off x="838200" y="1825625"/>
-            <a:ext cx="5181600" cy="4351338"/>
+            <a:off x="3017520" y="8763000"/>
+            <a:ext cx="18653760" cy="20886422"/>
           </a:xfrm>
         </p:spPr>
         <p:txBody>
@@ -1310,18 +1161,13 @@
               <a:rPr lang="en-US"/>
               <a:t>Fifth level</a:t>
             </a:r>
-          </a:p>
-        </p:txBody>
-      </p:sp>
-      <p:sp>
-        <p:nvSpPr>
-          <p:cNvPr id="4" name="Content Placeholder 3">
-            <a:extLst>
-              <a:ext uri="{FF2B5EF4-FFF2-40B4-BE49-F238E27FC236}">
-                <a16:creationId xmlns:a16="http://schemas.microsoft.com/office/drawing/2014/main" id="{83D7C9DC-07BE-4B27-89B6-7D79C842C814}"/>
-              </a:ext>
-            </a:extLst>
-          </p:cNvPr>
+            <a:endParaRPr lang="en-US" dirty="0"/>
+          </a:p>
+        </p:txBody>
+      </p:sp>
+      <p:sp>
+        <p:nvSpPr>
+          <p:cNvPr id="4" name="Content Placeholder 3"/>
           <p:cNvSpPr>
             <a:spLocks noGrp="1"/>
           </p:cNvSpPr>
@@ -1331,8 +1177,8 @@
         </p:nvSpPr>
         <p:spPr>
           <a:xfrm>
-            <a:off x="6172200" y="1825625"/>
-            <a:ext cx="5181600" cy="4351338"/>
+            <a:off x="22219920" y="8763000"/>
+            <a:ext cx="18653760" cy="20886422"/>
           </a:xfrm>
         </p:spPr>
         <p:txBody>
@@ -1372,18 +1218,13 @@
               <a:rPr lang="en-US"/>
               <a:t>Fifth level</a:t>
             </a:r>
-          </a:p>
-        </p:txBody>
-      </p:sp>
-      <p:sp>
-        <p:nvSpPr>
-          <p:cNvPr id="5" name="Date Placeholder 4">
-            <a:extLst>
-              <a:ext uri="{FF2B5EF4-FFF2-40B4-BE49-F238E27FC236}">
-                <a16:creationId xmlns:a16="http://schemas.microsoft.com/office/drawing/2014/main" id="{FEA85DAD-4B3E-45CB-8BE8-352A1709B204}"/>
-              </a:ext>
-            </a:extLst>
-          </p:cNvPr>
+            <a:endParaRPr lang="en-US" dirty="0"/>
+          </a:p>
+        </p:txBody>
+      </p:sp>
+      <p:sp>
+        <p:nvSpPr>
+          <p:cNvPr id="5" name="Date Placeholder 4"/>
           <p:cNvSpPr>
             <a:spLocks noGrp="1"/>
           </p:cNvSpPr>
@@ -1398,7 +1239,7 @@
           <a:p>
             <a:fld id="{45811606-6EB3-40EA-A205-684587E5725D}" type="datetimeFigureOut">
               <a:rPr lang="en-US" smtClean="0"/>
-              <a:t>12/4/2021</a:t>
+              <a:t>12/7/2021</a:t>
             </a:fld>
             <a:endParaRPr lang="en-US"/>
           </a:p>
@@ -1406,13 +1247,7 @@
       </p:sp>
       <p:sp>
         <p:nvSpPr>
-          <p:cNvPr id="6" name="Footer Placeholder 5">
-            <a:extLst>
-              <a:ext uri="{FF2B5EF4-FFF2-40B4-BE49-F238E27FC236}">
-                <a16:creationId xmlns:a16="http://schemas.microsoft.com/office/drawing/2014/main" id="{0495C24A-2CA1-44B9-B1AA-CB3D240F9AA2}"/>
-              </a:ext>
-            </a:extLst>
-          </p:cNvPr>
+          <p:cNvPr id="6" name="Footer Placeholder 5"/>
           <p:cNvSpPr>
             <a:spLocks noGrp="1"/>
           </p:cNvSpPr>
@@ -1431,13 +1266,7 @@
       </p:sp>
       <p:sp>
         <p:nvSpPr>
-          <p:cNvPr id="7" name="Slide Number Placeholder 6">
-            <a:extLst>
-              <a:ext uri="{FF2B5EF4-FFF2-40B4-BE49-F238E27FC236}">
-                <a16:creationId xmlns:a16="http://schemas.microsoft.com/office/drawing/2014/main" id="{E69A7DDF-E7A7-4EC5-949E-0FC52DCFB251}"/>
-              </a:ext>
-            </a:extLst>
-          </p:cNvPr>
+          <p:cNvPr id="7" name="Slide Number Placeholder 6"/>
           <p:cNvSpPr>
             <a:spLocks noGrp="1"/>
           </p:cNvSpPr>
@@ -1461,7 +1290,7 @@
     </p:spTree>
     <p:extLst>
       <p:ext uri="{BB962C8B-B14F-4D97-AF65-F5344CB8AC3E}">
-        <p14:creationId xmlns:p14="http://schemas.microsoft.com/office/powerpoint/2010/main" val="2477761710"/>
+        <p14:creationId xmlns:p14="http://schemas.microsoft.com/office/powerpoint/2010/main" val="1362444425"/>
       </p:ext>
     </p:extLst>
   </p:cSld>
@@ -1490,13 +1319,7 @@
       </p:grpSpPr>
       <p:sp>
         <p:nvSpPr>
-          <p:cNvPr id="2" name="Title 1">
-            <a:extLst>
-              <a:ext uri="{FF2B5EF4-FFF2-40B4-BE49-F238E27FC236}">
-                <a16:creationId xmlns:a16="http://schemas.microsoft.com/office/drawing/2014/main" id="{F1241A07-4B82-4C7F-8C48-B32986D7281D}"/>
-              </a:ext>
-            </a:extLst>
-          </p:cNvPr>
+          <p:cNvPr id="2" name="Title 1"/>
           <p:cNvSpPr>
             <a:spLocks noGrp="1"/>
           </p:cNvSpPr>
@@ -1506,8 +1329,8 @@
         </p:nvSpPr>
         <p:spPr>
           <a:xfrm>
-            <a:off x="839788" y="365125"/>
-            <a:ext cx="10515600" cy="1325563"/>
+            <a:off x="3023237" y="1752607"/>
+            <a:ext cx="37856160" cy="6362702"/>
           </a:xfrm>
         </p:spPr>
         <p:txBody>
@@ -1518,18 +1341,13 @@
               <a:rPr lang="en-US"/>
               <a:t>Click to edit Master title style</a:t>
             </a:r>
-          </a:p>
-        </p:txBody>
-      </p:sp>
-      <p:sp>
-        <p:nvSpPr>
-          <p:cNvPr id="3" name="Text Placeholder 2">
-            <a:extLst>
-              <a:ext uri="{FF2B5EF4-FFF2-40B4-BE49-F238E27FC236}">
-                <a16:creationId xmlns:a16="http://schemas.microsoft.com/office/drawing/2014/main" id="{82F7F673-7D0E-4BF7-8676-48D15207A3AC}"/>
-              </a:ext>
-            </a:extLst>
-          </p:cNvPr>
+            <a:endParaRPr lang="en-US" dirty="0"/>
+          </a:p>
+        </p:txBody>
+      </p:sp>
+      <p:sp>
+        <p:nvSpPr>
+          <p:cNvPr id="3" name="Text Placeholder 2"/>
           <p:cNvSpPr>
             <a:spLocks noGrp="1"/>
           </p:cNvSpPr>
@@ -1539,8 +1357,8 @@
         </p:nvSpPr>
         <p:spPr>
           <a:xfrm>
-            <a:off x="839788" y="1681163"/>
-            <a:ext cx="5157787" cy="823912"/>
+            <a:off x="3023242" y="8069582"/>
+            <a:ext cx="18568032" cy="3954778"/>
           </a:xfrm>
         </p:spPr>
         <p:txBody>
@@ -1548,39 +1366,39 @@
           <a:lstStyle>
             <a:lvl1pPr marL="0" indent="0">
               <a:buNone/>
-              <a:defRPr sz="2400" b="1"/>
+              <a:defRPr sz="11520" b="1"/>
             </a:lvl1pPr>
-            <a:lvl2pPr marL="457200" indent="0">
-              <a:buNone/>
-              <a:defRPr sz="2000" b="1"/>
+            <a:lvl2pPr marL="2194560" indent="0">
+              <a:buNone/>
+              <a:defRPr sz="9600" b="1"/>
             </a:lvl2pPr>
-            <a:lvl3pPr marL="914400" indent="0">
-              <a:buNone/>
-              <a:defRPr sz="1800" b="1"/>
+            <a:lvl3pPr marL="4389120" indent="0">
+              <a:buNone/>
+              <a:defRPr sz="8640" b="1"/>
             </a:lvl3pPr>
-            <a:lvl4pPr marL="1371600" indent="0">
-              <a:buNone/>
-              <a:defRPr sz="1600" b="1"/>
+            <a:lvl4pPr marL="6583680" indent="0">
+              <a:buNone/>
+              <a:defRPr sz="7680" b="1"/>
             </a:lvl4pPr>
-            <a:lvl5pPr marL="1828800" indent="0">
-              <a:buNone/>
-              <a:defRPr sz="1600" b="1"/>
+            <a:lvl5pPr marL="8778240" indent="0">
+              <a:buNone/>
+              <a:defRPr sz="7680" b="1"/>
             </a:lvl5pPr>
-            <a:lvl6pPr marL="2286000" indent="0">
-              <a:buNone/>
-              <a:defRPr sz="1600" b="1"/>
+            <a:lvl6pPr marL="10972800" indent="0">
+              <a:buNone/>
+              <a:defRPr sz="7680" b="1"/>
             </a:lvl6pPr>
-            <a:lvl7pPr marL="2743200" indent="0">
-              <a:buNone/>
-              <a:defRPr sz="1600" b="1"/>
+            <a:lvl7pPr marL="13167360" indent="0">
+              <a:buNone/>
+              <a:defRPr sz="7680" b="1"/>
             </a:lvl7pPr>
-            <a:lvl8pPr marL="3200400" indent="0">
-              <a:buNone/>
-              <a:defRPr sz="1600" b="1"/>
+            <a:lvl8pPr marL="15361920" indent="0">
+              <a:buNone/>
+              <a:defRPr sz="7680" b="1"/>
             </a:lvl8pPr>
-            <a:lvl9pPr marL="3657600" indent="0">
-              <a:buNone/>
-              <a:defRPr sz="1600" b="1"/>
+            <a:lvl9pPr marL="17556480" indent="0">
+              <a:buNone/>
+              <a:defRPr sz="7680" b="1"/>
             </a:lvl9pPr>
           </a:lstStyle>
           <a:p>
@@ -1594,13 +1412,7 @@
       </p:sp>
       <p:sp>
         <p:nvSpPr>
-          <p:cNvPr id="4" name="Content Placeholder 3">
-            <a:extLst>
-              <a:ext uri="{FF2B5EF4-FFF2-40B4-BE49-F238E27FC236}">
-                <a16:creationId xmlns:a16="http://schemas.microsoft.com/office/drawing/2014/main" id="{A1FB5D6B-3865-4D8F-9FE5-F6BF2572EA7C}"/>
-              </a:ext>
-            </a:extLst>
-          </p:cNvPr>
+          <p:cNvPr id="4" name="Content Placeholder 3"/>
           <p:cNvSpPr>
             <a:spLocks noGrp="1"/>
           </p:cNvSpPr>
@@ -1610,8 +1422,8 @@
         </p:nvSpPr>
         <p:spPr>
           <a:xfrm>
-            <a:off x="839788" y="2505075"/>
-            <a:ext cx="5157787" cy="3684588"/>
+            <a:off x="3023242" y="12024360"/>
+            <a:ext cx="18568032" cy="17686022"/>
           </a:xfrm>
         </p:spPr>
         <p:txBody>
@@ -1651,18 +1463,13 @@
               <a:rPr lang="en-US"/>
               <a:t>Fifth level</a:t>
             </a:r>
-          </a:p>
-        </p:txBody>
-      </p:sp>
-      <p:sp>
-        <p:nvSpPr>
-          <p:cNvPr id="5" name="Text Placeholder 4">
-            <a:extLst>
-              <a:ext uri="{FF2B5EF4-FFF2-40B4-BE49-F238E27FC236}">
-                <a16:creationId xmlns:a16="http://schemas.microsoft.com/office/drawing/2014/main" id="{3B6A86DB-55B6-4940-9A6E-272F174ABE52}"/>
-              </a:ext>
-            </a:extLst>
-          </p:cNvPr>
+            <a:endParaRPr lang="en-US" dirty="0"/>
+          </a:p>
+        </p:txBody>
+      </p:sp>
+      <p:sp>
+        <p:nvSpPr>
+          <p:cNvPr id="5" name="Text Placeholder 4"/>
           <p:cNvSpPr>
             <a:spLocks noGrp="1"/>
           </p:cNvSpPr>
@@ -1672,8 +1479,8 @@
         </p:nvSpPr>
         <p:spPr>
           <a:xfrm>
-            <a:off x="6172200" y="1681163"/>
-            <a:ext cx="5183188" cy="823912"/>
+            <a:off x="22219922" y="8069582"/>
+            <a:ext cx="18659477" cy="3954778"/>
           </a:xfrm>
         </p:spPr>
         <p:txBody>
@@ -1681,39 +1488,39 @@
           <a:lstStyle>
             <a:lvl1pPr marL="0" indent="0">
               <a:buNone/>
-              <a:defRPr sz="2400" b="1"/>
+              <a:defRPr sz="11520" b="1"/>
             </a:lvl1pPr>
-            <a:lvl2pPr marL="457200" indent="0">
-              <a:buNone/>
-              <a:defRPr sz="2000" b="1"/>
+            <a:lvl2pPr marL="2194560" indent="0">
+              <a:buNone/>
+              <a:defRPr sz="9600" b="1"/>
             </a:lvl2pPr>
-            <a:lvl3pPr marL="914400" indent="0">
-              <a:buNone/>
-              <a:defRPr sz="1800" b="1"/>
+            <a:lvl3pPr marL="4389120" indent="0">
+              <a:buNone/>
+              <a:defRPr sz="8640" b="1"/>
             </a:lvl3pPr>
-            <a:lvl4pPr marL="1371600" indent="0">
-              <a:buNone/>
-              <a:defRPr sz="1600" b="1"/>
+            <a:lvl4pPr marL="6583680" indent="0">
+              <a:buNone/>
+              <a:defRPr sz="7680" b="1"/>
             </a:lvl4pPr>
-            <a:lvl5pPr marL="1828800" indent="0">
-              <a:buNone/>
-              <a:defRPr sz="1600" b="1"/>
+            <a:lvl5pPr marL="8778240" indent="0">
+              <a:buNone/>
+              <a:defRPr sz="7680" b="1"/>
             </a:lvl5pPr>
-            <a:lvl6pPr marL="2286000" indent="0">
-              <a:buNone/>
-              <a:defRPr sz="1600" b="1"/>
+            <a:lvl6pPr marL="10972800" indent="0">
+              <a:buNone/>
+              <a:defRPr sz="7680" b="1"/>
             </a:lvl6pPr>
-            <a:lvl7pPr marL="2743200" indent="0">
-              <a:buNone/>
-              <a:defRPr sz="1600" b="1"/>
+            <a:lvl7pPr marL="13167360" indent="0">
+              <a:buNone/>
+              <a:defRPr sz="7680" b="1"/>
             </a:lvl7pPr>
-            <a:lvl8pPr marL="3200400" indent="0">
-              <a:buNone/>
-              <a:defRPr sz="1600" b="1"/>
+            <a:lvl8pPr marL="15361920" indent="0">
+              <a:buNone/>
+              <a:defRPr sz="7680" b="1"/>
             </a:lvl8pPr>
-            <a:lvl9pPr marL="3657600" indent="0">
-              <a:buNone/>
-              <a:defRPr sz="1600" b="1"/>
+            <a:lvl9pPr marL="17556480" indent="0">
+              <a:buNone/>
+              <a:defRPr sz="7680" b="1"/>
             </a:lvl9pPr>
           </a:lstStyle>
           <a:p>
@@ -1727,13 +1534,7 @@
       </p:sp>
       <p:sp>
         <p:nvSpPr>
-          <p:cNvPr id="6" name="Content Placeholder 5">
-            <a:extLst>
-              <a:ext uri="{FF2B5EF4-FFF2-40B4-BE49-F238E27FC236}">
-                <a16:creationId xmlns:a16="http://schemas.microsoft.com/office/drawing/2014/main" id="{703F898C-C768-43B5-8D41-FF8D38E81DD0}"/>
-              </a:ext>
-            </a:extLst>
-          </p:cNvPr>
+          <p:cNvPr id="6" name="Content Placeholder 5"/>
           <p:cNvSpPr>
             <a:spLocks noGrp="1"/>
           </p:cNvSpPr>
@@ -1743,8 +1544,8 @@
         </p:nvSpPr>
         <p:spPr>
           <a:xfrm>
-            <a:off x="6172200" y="2505075"/>
-            <a:ext cx="5183188" cy="3684588"/>
+            <a:off x="22219922" y="12024360"/>
+            <a:ext cx="18659477" cy="17686022"/>
           </a:xfrm>
         </p:spPr>
         <p:txBody>
@@ -1784,18 +1585,13 @@
               <a:rPr lang="en-US"/>
               <a:t>Fifth level</a:t>
             </a:r>
-          </a:p>
-        </p:txBody>
-      </p:sp>
-      <p:sp>
-        <p:nvSpPr>
-          <p:cNvPr id="7" name="Date Placeholder 6">
-            <a:extLst>
-              <a:ext uri="{FF2B5EF4-FFF2-40B4-BE49-F238E27FC236}">
-                <a16:creationId xmlns:a16="http://schemas.microsoft.com/office/drawing/2014/main" id="{E301C59B-029A-4B6D-AE4C-44ED779E21C4}"/>
-              </a:ext>
-            </a:extLst>
-          </p:cNvPr>
+            <a:endParaRPr lang="en-US" dirty="0"/>
+          </a:p>
+        </p:txBody>
+      </p:sp>
+      <p:sp>
+        <p:nvSpPr>
+          <p:cNvPr id="7" name="Date Placeholder 6"/>
           <p:cNvSpPr>
             <a:spLocks noGrp="1"/>
           </p:cNvSpPr>
@@ -1810,7 +1606,7 @@
           <a:p>
             <a:fld id="{45811606-6EB3-40EA-A205-684587E5725D}" type="datetimeFigureOut">
               <a:rPr lang="en-US" smtClean="0"/>
-              <a:t>12/4/2021</a:t>
+              <a:t>12/7/2021</a:t>
             </a:fld>
             <a:endParaRPr lang="en-US"/>
           </a:p>
@@ -1818,13 +1614,7 @@
       </p:sp>
       <p:sp>
         <p:nvSpPr>
-          <p:cNvPr id="8" name="Footer Placeholder 7">
-            <a:extLst>
-              <a:ext uri="{FF2B5EF4-FFF2-40B4-BE49-F238E27FC236}">
-                <a16:creationId xmlns:a16="http://schemas.microsoft.com/office/drawing/2014/main" id="{1F8E6FAB-A706-4855-A039-48C8886A8C61}"/>
-              </a:ext>
-            </a:extLst>
-          </p:cNvPr>
+          <p:cNvPr id="8" name="Footer Placeholder 7"/>
           <p:cNvSpPr>
             <a:spLocks noGrp="1"/>
           </p:cNvSpPr>
@@ -1843,13 +1633,7 @@
       </p:sp>
       <p:sp>
         <p:nvSpPr>
-          <p:cNvPr id="9" name="Slide Number Placeholder 8">
-            <a:extLst>
-              <a:ext uri="{FF2B5EF4-FFF2-40B4-BE49-F238E27FC236}">
-                <a16:creationId xmlns:a16="http://schemas.microsoft.com/office/drawing/2014/main" id="{E9A0EBAD-3A63-4A58-B293-4D235CFFE52F}"/>
-              </a:ext>
-            </a:extLst>
-          </p:cNvPr>
+          <p:cNvPr id="9" name="Slide Number Placeholder 8"/>
           <p:cNvSpPr>
             <a:spLocks noGrp="1"/>
           </p:cNvSpPr>
@@ -1873,7 +1657,7 @@
     </p:spTree>
     <p:extLst>
       <p:ext uri="{BB962C8B-B14F-4D97-AF65-F5344CB8AC3E}">
-        <p14:creationId xmlns:p14="http://schemas.microsoft.com/office/powerpoint/2010/main" val="4277416080"/>
+        <p14:creationId xmlns:p14="http://schemas.microsoft.com/office/powerpoint/2010/main" val="2167395109"/>
       </p:ext>
     </p:extLst>
   </p:cSld>
@@ -1902,13 +1686,7 @@
       </p:grpSpPr>
       <p:sp>
         <p:nvSpPr>
-          <p:cNvPr id="2" name="Title 1">
-            <a:extLst>
-              <a:ext uri="{FF2B5EF4-FFF2-40B4-BE49-F238E27FC236}">
-                <a16:creationId xmlns:a16="http://schemas.microsoft.com/office/drawing/2014/main" id="{A3EBC81D-025A-4CB0-98EE-DBA8A8C5EBA7}"/>
-              </a:ext>
-            </a:extLst>
-          </p:cNvPr>
+          <p:cNvPr id="2" name="Title 1"/>
           <p:cNvSpPr>
             <a:spLocks noGrp="1"/>
           </p:cNvSpPr>
@@ -1925,18 +1703,13 @@
               <a:rPr lang="en-US"/>
               <a:t>Click to edit Master title style</a:t>
             </a:r>
-          </a:p>
-        </p:txBody>
-      </p:sp>
-      <p:sp>
-        <p:nvSpPr>
-          <p:cNvPr id="3" name="Date Placeholder 2">
-            <a:extLst>
-              <a:ext uri="{FF2B5EF4-FFF2-40B4-BE49-F238E27FC236}">
-                <a16:creationId xmlns:a16="http://schemas.microsoft.com/office/drawing/2014/main" id="{4E8706E2-AF51-40EB-BD98-714C1787D98A}"/>
-              </a:ext>
-            </a:extLst>
-          </p:cNvPr>
+            <a:endParaRPr lang="en-US" dirty="0"/>
+          </a:p>
+        </p:txBody>
+      </p:sp>
+      <p:sp>
+        <p:nvSpPr>
+          <p:cNvPr id="3" name="Date Placeholder 2"/>
           <p:cNvSpPr>
             <a:spLocks noGrp="1"/>
           </p:cNvSpPr>
@@ -1951,7 +1724,7 @@
           <a:p>
             <a:fld id="{45811606-6EB3-40EA-A205-684587E5725D}" type="datetimeFigureOut">
               <a:rPr lang="en-US" smtClean="0"/>
-              <a:t>12/4/2021</a:t>
+              <a:t>12/7/2021</a:t>
             </a:fld>
             <a:endParaRPr lang="en-US"/>
           </a:p>
@@ -1959,13 +1732,7 @@
       </p:sp>
       <p:sp>
         <p:nvSpPr>
-          <p:cNvPr id="4" name="Footer Placeholder 3">
-            <a:extLst>
-              <a:ext uri="{FF2B5EF4-FFF2-40B4-BE49-F238E27FC236}">
-                <a16:creationId xmlns:a16="http://schemas.microsoft.com/office/drawing/2014/main" id="{A2573F37-BFC2-4126-85A6-E1227F657B5C}"/>
-              </a:ext>
-            </a:extLst>
-          </p:cNvPr>
+          <p:cNvPr id="4" name="Footer Placeholder 3"/>
           <p:cNvSpPr>
             <a:spLocks noGrp="1"/>
           </p:cNvSpPr>
@@ -1984,13 +1751,7 @@
       </p:sp>
       <p:sp>
         <p:nvSpPr>
-          <p:cNvPr id="5" name="Slide Number Placeholder 4">
-            <a:extLst>
-              <a:ext uri="{FF2B5EF4-FFF2-40B4-BE49-F238E27FC236}">
-                <a16:creationId xmlns:a16="http://schemas.microsoft.com/office/drawing/2014/main" id="{6232058E-C9BD-4762-9315-8B89D99293E6}"/>
-              </a:ext>
-            </a:extLst>
-          </p:cNvPr>
+          <p:cNvPr id="5" name="Slide Number Placeholder 4"/>
           <p:cNvSpPr>
             <a:spLocks noGrp="1"/>
           </p:cNvSpPr>
@@ -2014,7 +1775,7 @@
     </p:spTree>
     <p:extLst>
       <p:ext uri="{BB962C8B-B14F-4D97-AF65-F5344CB8AC3E}">
-        <p14:creationId xmlns:p14="http://schemas.microsoft.com/office/powerpoint/2010/main" val="2504276189"/>
+        <p14:creationId xmlns:p14="http://schemas.microsoft.com/office/powerpoint/2010/main" val="2149431071"/>
       </p:ext>
     </p:extLst>
   </p:cSld>
@@ -2043,13 +1804,7 @@
       </p:grpSpPr>
       <p:sp>
         <p:nvSpPr>
-          <p:cNvPr id="2" name="Date Placeholder 1">
-            <a:extLst>
-              <a:ext uri="{FF2B5EF4-FFF2-40B4-BE49-F238E27FC236}">
-                <a16:creationId xmlns:a16="http://schemas.microsoft.com/office/drawing/2014/main" id="{6C19BF2B-7F42-4EEF-9884-A222F47CFCE4}"/>
-              </a:ext>
-            </a:extLst>
-          </p:cNvPr>
+          <p:cNvPr id="2" name="Date Placeholder 1"/>
           <p:cNvSpPr>
             <a:spLocks noGrp="1"/>
           </p:cNvSpPr>
@@ -2064,7 +1819,7 @@
           <a:p>
             <a:fld id="{45811606-6EB3-40EA-A205-684587E5725D}" type="datetimeFigureOut">
               <a:rPr lang="en-US" smtClean="0"/>
-              <a:t>12/4/2021</a:t>
+              <a:t>12/7/2021</a:t>
             </a:fld>
             <a:endParaRPr lang="en-US"/>
           </a:p>
@@ -2072,13 +1827,7 @@
       </p:sp>
       <p:sp>
         <p:nvSpPr>
-          <p:cNvPr id="3" name="Footer Placeholder 2">
-            <a:extLst>
-              <a:ext uri="{FF2B5EF4-FFF2-40B4-BE49-F238E27FC236}">
-                <a16:creationId xmlns:a16="http://schemas.microsoft.com/office/drawing/2014/main" id="{F58460F1-CDC2-4DD2-A888-ABD3B6E95FE0}"/>
-              </a:ext>
-            </a:extLst>
-          </p:cNvPr>
+          <p:cNvPr id="3" name="Footer Placeholder 2"/>
           <p:cNvSpPr>
             <a:spLocks noGrp="1"/>
           </p:cNvSpPr>
@@ -2097,13 +1846,7 @@
       </p:sp>
       <p:sp>
         <p:nvSpPr>
-          <p:cNvPr id="4" name="Slide Number Placeholder 3">
-            <a:extLst>
-              <a:ext uri="{FF2B5EF4-FFF2-40B4-BE49-F238E27FC236}">
-                <a16:creationId xmlns:a16="http://schemas.microsoft.com/office/drawing/2014/main" id="{4992FC75-3577-47E5-AA47-AB363C30D6E6}"/>
-              </a:ext>
-            </a:extLst>
-          </p:cNvPr>
+          <p:cNvPr id="4" name="Slide Number Placeholder 3"/>
           <p:cNvSpPr>
             <a:spLocks noGrp="1"/>
           </p:cNvSpPr>
@@ -2127,7 +1870,7 @@
     </p:spTree>
     <p:extLst>
       <p:ext uri="{BB962C8B-B14F-4D97-AF65-F5344CB8AC3E}">
-        <p14:creationId xmlns:p14="http://schemas.microsoft.com/office/powerpoint/2010/main" val="2693863780"/>
+        <p14:creationId xmlns:p14="http://schemas.microsoft.com/office/powerpoint/2010/main" val="512721909"/>
       </p:ext>
     </p:extLst>
   </p:cSld>
@@ -2156,13 +1899,7 @@
       </p:grpSpPr>
       <p:sp>
         <p:nvSpPr>
-          <p:cNvPr id="2" name="Title 1">
-            <a:extLst>
-              <a:ext uri="{FF2B5EF4-FFF2-40B4-BE49-F238E27FC236}">
-                <a16:creationId xmlns:a16="http://schemas.microsoft.com/office/drawing/2014/main" id="{98153F0F-993F-4022-A7E1-A00FE36BE054}"/>
-              </a:ext>
-            </a:extLst>
-          </p:cNvPr>
+          <p:cNvPr id="2" name="Title 1"/>
           <p:cNvSpPr>
             <a:spLocks noGrp="1"/>
           </p:cNvSpPr>
@@ -2172,15 +1909,15 @@
         </p:nvSpPr>
         <p:spPr>
           <a:xfrm>
-            <a:off x="839788" y="457200"/>
-            <a:ext cx="3932237" cy="1600200"/>
+            <a:off x="3023237" y="2194560"/>
+            <a:ext cx="14156054" cy="7680960"/>
           </a:xfrm>
         </p:spPr>
         <p:txBody>
           <a:bodyPr anchor="b"/>
           <a:lstStyle>
             <a:lvl1pPr>
-              <a:defRPr sz="3200"/>
+              <a:defRPr sz="15360"/>
             </a:lvl1pPr>
           </a:lstStyle>
           <a:p>
@@ -2188,18 +1925,13 @@
               <a:rPr lang="en-US"/>
               <a:t>Click to edit Master title style</a:t>
             </a:r>
-          </a:p>
-        </p:txBody>
-      </p:sp>
-      <p:sp>
-        <p:nvSpPr>
-          <p:cNvPr id="3" name="Content Placeholder 2">
-            <a:extLst>
-              <a:ext uri="{FF2B5EF4-FFF2-40B4-BE49-F238E27FC236}">
-                <a16:creationId xmlns:a16="http://schemas.microsoft.com/office/drawing/2014/main" id="{9B08B349-379E-4DC9-AB64-273010FF8EAC}"/>
-              </a:ext>
-            </a:extLst>
-          </p:cNvPr>
+            <a:endParaRPr lang="en-US" dirty="0"/>
+          </a:p>
+        </p:txBody>
+      </p:sp>
+      <p:sp>
+        <p:nvSpPr>
+          <p:cNvPr id="3" name="Content Placeholder 2"/>
           <p:cNvSpPr>
             <a:spLocks noGrp="1"/>
           </p:cNvSpPr>
@@ -2209,39 +1941,39 @@
         </p:nvSpPr>
         <p:spPr>
           <a:xfrm>
-            <a:off x="5183188" y="987425"/>
-            <a:ext cx="6172200" cy="4873625"/>
+            <a:off x="18659477" y="4739647"/>
+            <a:ext cx="22219920" cy="23393400"/>
           </a:xfrm>
         </p:spPr>
         <p:txBody>
           <a:bodyPr/>
           <a:lstStyle>
             <a:lvl1pPr>
-              <a:defRPr sz="3200"/>
+              <a:defRPr sz="15360"/>
             </a:lvl1pPr>
             <a:lvl2pPr>
-              <a:defRPr sz="2800"/>
+              <a:defRPr sz="13440"/>
             </a:lvl2pPr>
             <a:lvl3pPr>
-              <a:defRPr sz="2400"/>
+              <a:defRPr sz="11520"/>
             </a:lvl3pPr>
             <a:lvl4pPr>
-              <a:defRPr sz="2000"/>
+              <a:defRPr sz="9600"/>
             </a:lvl4pPr>
             <a:lvl5pPr>
-              <a:defRPr sz="2000"/>
+              <a:defRPr sz="9600"/>
             </a:lvl5pPr>
             <a:lvl6pPr>
-              <a:defRPr sz="2000"/>
+              <a:defRPr sz="9600"/>
             </a:lvl6pPr>
             <a:lvl7pPr>
-              <a:defRPr sz="2000"/>
+              <a:defRPr sz="9600"/>
             </a:lvl7pPr>
             <a:lvl8pPr>
-              <a:defRPr sz="2000"/>
+              <a:defRPr sz="9600"/>
             </a:lvl8pPr>
             <a:lvl9pPr>
-              <a:defRPr sz="2000"/>
+              <a:defRPr sz="9600"/>
             </a:lvl9pPr>
           </a:lstStyle>
           <a:p>
@@ -2278,18 +2010,13 @@
               <a:rPr lang="en-US"/>
               <a:t>Fifth level</a:t>
             </a:r>
-          </a:p>
-        </p:txBody>
-      </p:sp>
-      <p:sp>
-        <p:nvSpPr>
-          <p:cNvPr id="4" name="Text Placeholder 3">
-            <a:extLst>
-              <a:ext uri="{FF2B5EF4-FFF2-40B4-BE49-F238E27FC236}">
-                <a16:creationId xmlns:a16="http://schemas.microsoft.com/office/drawing/2014/main" id="{CCBBE7A9-2FC2-47C8-8F0E-063CB66BAC28}"/>
-              </a:ext>
-            </a:extLst>
-          </p:cNvPr>
+            <a:endParaRPr lang="en-US" dirty="0"/>
+          </a:p>
+        </p:txBody>
+      </p:sp>
+      <p:sp>
+        <p:nvSpPr>
+          <p:cNvPr id="4" name="Text Placeholder 3"/>
           <p:cNvSpPr>
             <a:spLocks noGrp="1"/>
           </p:cNvSpPr>
@@ -2299,8 +2026,8 @@
         </p:nvSpPr>
         <p:spPr>
           <a:xfrm>
-            <a:off x="839788" y="2057400"/>
-            <a:ext cx="3932237" cy="3811588"/>
+            <a:off x="3023237" y="9875520"/>
+            <a:ext cx="14156054" cy="18295622"/>
           </a:xfrm>
         </p:spPr>
         <p:txBody>
@@ -2308,39 +2035,39 @@
           <a:lstStyle>
             <a:lvl1pPr marL="0" indent="0">
               <a:buNone/>
-              <a:defRPr sz="1600"/>
+              <a:defRPr sz="7680"/>
             </a:lvl1pPr>
-            <a:lvl2pPr marL="457200" indent="0">
-              <a:buNone/>
-              <a:defRPr sz="1400"/>
+            <a:lvl2pPr marL="2194560" indent="0">
+              <a:buNone/>
+              <a:defRPr sz="6720"/>
             </a:lvl2pPr>
-            <a:lvl3pPr marL="914400" indent="0">
-              <a:buNone/>
-              <a:defRPr sz="1200"/>
+            <a:lvl3pPr marL="4389120" indent="0">
+              <a:buNone/>
+              <a:defRPr sz="5760"/>
             </a:lvl3pPr>
-            <a:lvl4pPr marL="1371600" indent="0">
-              <a:buNone/>
-              <a:defRPr sz="1000"/>
+            <a:lvl4pPr marL="6583680" indent="0">
+              <a:buNone/>
+              <a:defRPr sz="4800"/>
             </a:lvl4pPr>
-            <a:lvl5pPr marL="1828800" indent="0">
-              <a:buNone/>
-              <a:defRPr sz="1000"/>
+            <a:lvl5pPr marL="8778240" indent="0">
+              <a:buNone/>
+              <a:defRPr sz="4800"/>
             </a:lvl5pPr>
-            <a:lvl6pPr marL="2286000" indent="0">
-              <a:buNone/>
-              <a:defRPr sz="1000"/>
+            <a:lvl6pPr marL="10972800" indent="0">
+              <a:buNone/>
+              <a:defRPr sz="4800"/>
             </a:lvl6pPr>
-            <a:lvl7pPr marL="2743200" indent="0">
-              <a:buNone/>
-              <a:defRPr sz="1000"/>
+            <a:lvl7pPr marL="13167360" indent="0">
+              <a:buNone/>
+              <a:defRPr sz="4800"/>
             </a:lvl7pPr>
-            <a:lvl8pPr marL="3200400" indent="0">
-              <a:buNone/>
-              <a:defRPr sz="1000"/>
+            <a:lvl8pPr marL="15361920" indent="0">
+              <a:buNone/>
+              <a:defRPr sz="4800"/>
             </a:lvl8pPr>
-            <a:lvl9pPr marL="3657600" indent="0">
-              <a:buNone/>
-              <a:defRPr sz="1000"/>
+            <a:lvl9pPr marL="17556480" indent="0">
+              <a:buNone/>
+              <a:defRPr sz="4800"/>
             </a:lvl9pPr>
           </a:lstStyle>
           <a:p>
@@ -2354,13 +2081,7 @@
       </p:sp>
       <p:sp>
         <p:nvSpPr>
-          <p:cNvPr id="5" name="Date Placeholder 4">
-            <a:extLst>
-              <a:ext uri="{FF2B5EF4-FFF2-40B4-BE49-F238E27FC236}">
-                <a16:creationId xmlns:a16="http://schemas.microsoft.com/office/drawing/2014/main" id="{02651867-4674-4E17-A71D-7C7F57697CEE}"/>
-              </a:ext>
-            </a:extLst>
-          </p:cNvPr>
+          <p:cNvPr id="5" name="Date Placeholder 4"/>
           <p:cNvSpPr>
             <a:spLocks noGrp="1"/>
           </p:cNvSpPr>
@@ -2375,7 +2096,7 @@
           <a:p>
             <a:fld id="{45811606-6EB3-40EA-A205-684587E5725D}" type="datetimeFigureOut">
               <a:rPr lang="en-US" smtClean="0"/>
-              <a:t>12/4/2021</a:t>
+              <a:t>12/7/2021</a:t>
             </a:fld>
             <a:endParaRPr lang="en-US"/>
           </a:p>
@@ -2383,13 +2104,7 @@
       </p:sp>
       <p:sp>
         <p:nvSpPr>
-          <p:cNvPr id="6" name="Footer Placeholder 5">
-            <a:extLst>
-              <a:ext uri="{FF2B5EF4-FFF2-40B4-BE49-F238E27FC236}">
-                <a16:creationId xmlns:a16="http://schemas.microsoft.com/office/drawing/2014/main" id="{1EB1A92F-A1E8-49CE-8327-70C045B7AE5A}"/>
-              </a:ext>
-            </a:extLst>
-          </p:cNvPr>
+          <p:cNvPr id="6" name="Footer Placeholder 5"/>
           <p:cNvSpPr>
             <a:spLocks noGrp="1"/>
           </p:cNvSpPr>
@@ -2408,13 +2123,7 @@
       </p:sp>
       <p:sp>
         <p:nvSpPr>
-          <p:cNvPr id="7" name="Slide Number Placeholder 6">
-            <a:extLst>
-              <a:ext uri="{FF2B5EF4-FFF2-40B4-BE49-F238E27FC236}">
-                <a16:creationId xmlns:a16="http://schemas.microsoft.com/office/drawing/2014/main" id="{48D5ACBF-7960-4C1C-8BDD-FEF6A6FF5F07}"/>
-              </a:ext>
-            </a:extLst>
-          </p:cNvPr>
+          <p:cNvPr id="7" name="Slide Number Placeholder 6"/>
           <p:cNvSpPr>
             <a:spLocks noGrp="1"/>
           </p:cNvSpPr>
@@ -2438,7 +2147,7 @@
     </p:spTree>
     <p:extLst>
       <p:ext uri="{BB962C8B-B14F-4D97-AF65-F5344CB8AC3E}">
-        <p14:creationId xmlns:p14="http://schemas.microsoft.com/office/powerpoint/2010/main" val="1705514407"/>
+        <p14:creationId xmlns:p14="http://schemas.microsoft.com/office/powerpoint/2010/main" val="3158367024"/>
       </p:ext>
     </p:extLst>
   </p:cSld>
@@ -2467,13 +2176,7 @@
       </p:grpSpPr>
       <p:sp>
         <p:nvSpPr>
-          <p:cNvPr id="2" name="Title 1">
-            <a:extLst>
-              <a:ext uri="{FF2B5EF4-FFF2-40B4-BE49-F238E27FC236}">
-                <a16:creationId xmlns:a16="http://schemas.microsoft.com/office/drawing/2014/main" id="{F0997173-CCAA-4677-8D75-2164541C4945}"/>
-              </a:ext>
-            </a:extLst>
-          </p:cNvPr>
+          <p:cNvPr id="2" name="Title 1"/>
           <p:cNvSpPr>
             <a:spLocks noGrp="1"/>
           </p:cNvSpPr>
@@ -2483,15 +2186,15 @@
         </p:nvSpPr>
         <p:spPr>
           <a:xfrm>
-            <a:off x="839788" y="457200"/>
-            <a:ext cx="3932237" cy="1600200"/>
+            <a:off x="3023237" y="2194560"/>
+            <a:ext cx="14156054" cy="7680960"/>
           </a:xfrm>
         </p:spPr>
         <p:txBody>
           <a:bodyPr anchor="b"/>
           <a:lstStyle>
             <a:lvl1pPr>
-              <a:defRPr sz="3200"/>
+              <a:defRPr sz="15360"/>
             </a:lvl1pPr>
           </a:lstStyle>
           <a:p>
@@ -2499,20 +2202,15 @@
               <a:rPr lang="en-US"/>
               <a:t>Click to edit Master title style</a:t>
             </a:r>
-          </a:p>
-        </p:txBody>
-      </p:sp>
-      <p:sp>
-        <p:nvSpPr>
-          <p:cNvPr id="3" name="Picture Placeholder 2">
-            <a:extLst>
-              <a:ext uri="{FF2B5EF4-FFF2-40B4-BE49-F238E27FC236}">
-                <a16:creationId xmlns:a16="http://schemas.microsoft.com/office/drawing/2014/main" id="{F71CD8DD-C7E8-4527-A225-0175FDE5D5DE}"/>
-              </a:ext>
-            </a:extLst>
-          </p:cNvPr>
-          <p:cNvSpPr>
-            <a:spLocks noGrp="1"/>
+            <a:endParaRPr lang="en-US" dirty="0"/>
+          </a:p>
+        </p:txBody>
+      </p:sp>
+      <p:sp>
+        <p:nvSpPr>
+          <p:cNvPr id="3" name="Picture Placeholder 2"/>
+          <p:cNvSpPr>
+            <a:spLocks noGrp="1" noChangeAspect="1"/>
           </p:cNvSpPr>
           <p:nvPr>
             <p:ph type="pic" idx="1"/>
@@ -2520,8 +2218,73 @@
         </p:nvSpPr>
         <p:spPr>
           <a:xfrm>
-            <a:off x="5183188" y="987425"/>
-            <a:ext cx="6172200" cy="4873625"/>
+            <a:off x="18659477" y="4739647"/>
+            <a:ext cx="22219920" cy="23393400"/>
+          </a:xfrm>
+        </p:spPr>
+        <p:txBody>
+          <a:bodyPr anchor="t"/>
+          <a:lstStyle>
+            <a:lvl1pPr marL="0" indent="0">
+              <a:buNone/>
+              <a:defRPr sz="15360"/>
+            </a:lvl1pPr>
+            <a:lvl2pPr marL="2194560" indent="0">
+              <a:buNone/>
+              <a:defRPr sz="13440"/>
+            </a:lvl2pPr>
+            <a:lvl3pPr marL="4389120" indent="0">
+              <a:buNone/>
+              <a:defRPr sz="11520"/>
+            </a:lvl3pPr>
+            <a:lvl4pPr marL="6583680" indent="0">
+              <a:buNone/>
+              <a:defRPr sz="9600"/>
+            </a:lvl4pPr>
+            <a:lvl5pPr marL="8778240" indent="0">
+              <a:buNone/>
+              <a:defRPr sz="9600"/>
+            </a:lvl5pPr>
+            <a:lvl6pPr marL="10972800" indent="0">
+              <a:buNone/>
+              <a:defRPr sz="9600"/>
+            </a:lvl6pPr>
+            <a:lvl7pPr marL="13167360" indent="0">
+              <a:buNone/>
+              <a:defRPr sz="9600"/>
+            </a:lvl7pPr>
+            <a:lvl8pPr marL="15361920" indent="0">
+              <a:buNone/>
+              <a:defRPr sz="9600"/>
+            </a:lvl8pPr>
+            <a:lvl9pPr marL="17556480" indent="0">
+              <a:buNone/>
+              <a:defRPr sz="9600"/>
+            </a:lvl9pPr>
+          </a:lstStyle>
+          <a:p>
+            <a:r>
+              <a:rPr lang="en-US"/>
+              <a:t>Click icon to add picture</a:t>
+            </a:r>
+            <a:endParaRPr lang="en-US" dirty="0"/>
+          </a:p>
+        </p:txBody>
+      </p:sp>
+      <p:sp>
+        <p:nvSpPr>
+          <p:cNvPr id="4" name="Text Placeholder 3"/>
+          <p:cNvSpPr>
+            <a:spLocks noGrp="1"/>
+          </p:cNvSpPr>
+          <p:nvPr>
+            <p:ph type="body" sz="half" idx="2"/>
+          </p:nvPr>
+        </p:nvSpPr>
+        <p:spPr>
+          <a:xfrm>
+            <a:off x="3023237" y="9875520"/>
+            <a:ext cx="14156054" cy="18295622"/>
           </a:xfrm>
         </p:spPr>
         <p:txBody>
@@ -2529,109 +2292,42 @@
           <a:lstStyle>
             <a:lvl1pPr marL="0" indent="0">
               <a:buNone/>
-              <a:defRPr sz="3200"/>
+              <a:defRPr sz="7680"/>
             </a:lvl1pPr>
-            <a:lvl2pPr marL="457200" indent="0">
-              <a:buNone/>
-              <a:defRPr sz="2800"/>
+            <a:lvl2pPr marL="2194560" indent="0">
+              <a:buNone/>
+              <a:defRPr sz="6720"/>
             </a:lvl2pPr>
-            <a:lvl3pPr marL="914400" indent="0">
-              <a:buNone/>
-              <a:defRPr sz="2400"/>
+            <a:lvl3pPr marL="4389120" indent="0">
+              <a:buNone/>
+              <a:defRPr sz="5760"/>
             </a:lvl3pPr>
-            <a:lvl4pPr marL="1371600" indent="0">
-              <a:buNone/>
-              <a:defRPr sz="2000"/>
+            <a:lvl4pPr marL="6583680" indent="0">
+              <a:buNone/>
+              <a:defRPr sz="4800"/>
             </a:lvl4pPr>
-            <a:lvl5pPr marL="1828800" indent="0">
-              <a:buNone/>
-              <a:defRPr sz="2000"/>
+            <a:lvl5pPr marL="8778240" indent="0">
+              <a:buNone/>
+              <a:defRPr sz="4800"/>
             </a:lvl5pPr>
-            <a:lvl6pPr marL="2286000" indent="0">
-              <a:buNone/>
-              <a:defRPr sz="2000"/>
+            <a:lvl6pPr marL="10972800" indent="0">
+              <a:buNone/>
+              <a:defRPr sz="4800"/>
             </a:lvl6pPr>
-            <a:lvl7pPr marL="2743200" indent="0">
-              <a:buNone/>
-              <a:defRPr sz="2000"/>
+            <a:lvl7pPr marL="13167360" indent="0">
+              <a:buNone/>
+              <a:defRPr sz="4800"/>
             </a:lvl7pPr>
-            <a:lvl8pPr marL="3200400" indent="0">
-              <a:buNone/>
-              <a:defRPr sz="2000"/>
+            <a:lvl8pPr marL="15361920" indent="0">
+              <a:buNone/>
+              <a:defRPr sz="4800"/>
             </a:lvl8pPr>
-            <a:lvl9pPr marL="3657600" indent="0">
-              <a:buNone/>
-              <a:defRPr sz="2000"/>
+            <a:lvl9pPr marL="17556480" indent="0">
+              <a:buNone/>
+              <a:defRPr sz="4800"/>
             </a:lvl9pPr>
           </a:lstStyle>
           <a:p>
-            <a:endParaRPr lang="en-US"/>
-          </a:p>
-        </p:txBody>
-      </p:sp>
-      <p:sp>
-        <p:nvSpPr>
-          <p:cNvPr id="4" name="Text Placeholder 3">
-            <a:extLst>
-              <a:ext uri="{FF2B5EF4-FFF2-40B4-BE49-F238E27FC236}">
-                <a16:creationId xmlns:a16="http://schemas.microsoft.com/office/drawing/2014/main" id="{83638B29-504A-485E-8C8D-60ED0CE41422}"/>
-              </a:ext>
-            </a:extLst>
-          </p:cNvPr>
-          <p:cNvSpPr>
-            <a:spLocks noGrp="1"/>
-          </p:cNvSpPr>
-          <p:nvPr>
-            <p:ph type="body" sz="half" idx="2"/>
-          </p:nvPr>
-        </p:nvSpPr>
-        <p:spPr>
-          <a:xfrm>
-            <a:off x="839788" y="2057400"/>
-            <a:ext cx="3932237" cy="3811588"/>
-          </a:xfrm>
-        </p:spPr>
-        <p:txBody>
-          <a:bodyPr/>
-          <a:lstStyle>
-            <a:lvl1pPr marL="0" indent="0">
-              <a:buNone/>
-              <a:defRPr sz="1600"/>
-            </a:lvl1pPr>
-            <a:lvl2pPr marL="457200" indent="0">
-              <a:buNone/>
-              <a:defRPr sz="1400"/>
-            </a:lvl2pPr>
-            <a:lvl3pPr marL="914400" indent="0">
-              <a:buNone/>
-              <a:defRPr sz="1200"/>
-            </a:lvl3pPr>
-            <a:lvl4pPr marL="1371600" indent="0">
-              <a:buNone/>
-              <a:defRPr sz="1000"/>
-            </a:lvl4pPr>
-            <a:lvl5pPr marL="1828800" indent="0">
-              <a:buNone/>
-              <a:defRPr sz="1000"/>
-            </a:lvl5pPr>
-            <a:lvl6pPr marL="2286000" indent="0">
-              <a:buNone/>
-              <a:defRPr sz="1000"/>
-            </a:lvl6pPr>
-            <a:lvl7pPr marL="2743200" indent="0">
-              <a:buNone/>
-              <a:defRPr sz="1000"/>
-            </a:lvl7pPr>
-            <a:lvl8pPr marL="3200400" indent="0">
-              <a:buNone/>
-              <a:defRPr sz="1000"/>
-            </a:lvl8pPr>
-            <a:lvl9pPr marL="3657600" indent="0">
-              <a:buNone/>
-              <a:defRPr sz="1000"/>
-            </a:lvl9pPr>
-          </a:lstStyle>
-          <a:p>
             <a:pPr lvl="0"/>
             <a:r>
               <a:rPr lang="en-US"/>
@@ -2642,13 +2338,7 @@
       </p:sp>
       <p:sp>
         <p:nvSpPr>
-          <p:cNvPr id="5" name="Date Placeholder 4">
-            <a:extLst>
-              <a:ext uri="{FF2B5EF4-FFF2-40B4-BE49-F238E27FC236}">
-                <a16:creationId xmlns:a16="http://schemas.microsoft.com/office/drawing/2014/main" id="{6A2712CA-FB7B-46FB-A056-0E0A69B5C751}"/>
-              </a:ext>
-            </a:extLst>
-          </p:cNvPr>
+          <p:cNvPr id="5" name="Date Placeholder 4"/>
           <p:cNvSpPr>
             <a:spLocks noGrp="1"/>
           </p:cNvSpPr>
@@ -2663,7 +2353,7 @@
           <a:p>
             <a:fld id="{45811606-6EB3-40EA-A205-684587E5725D}" type="datetimeFigureOut">
               <a:rPr lang="en-US" smtClean="0"/>
-              <a:t>12/4/2021</a:t>
+              <a:t>12/7/2021</a:t>
             </a:fld>
             <a:endParaRPr lang="en-US"/>
           </a:p>
@@ -2671,13 +2361,7 @@
       </p:sp>
       <p:sp>
         <p:nvSpPr>
-          <p:cNvPr id="6" name="Footer Placeholder 5">
-            <a:extLst>
-              <a:ext uri="{FF2B5EF4-FFF2-40B4-BE49-F238E27FC236}">
-                <a16:creationId xmlns:a16="http://schemas.microsoft.com/office/drawing/2014/main" id="{98C8A499-04DE-4DE1-BEE0-70553F8AA8E4}"/>
-              </a:ext>
-            </a:extLst>
-          </p:cNvPr>
+          <p:cNvPr id="6" name="Footer Placeholder 5"/>
           <p:cNvSpPr>
             <a:spLocks noGrp="1"/>
           </p:cNvSpPr>
@@ -2696,13 +2380,7 @@
       </p:sp>
       <p:sp>
         <p:nvSpPr>
-          <p:cNvPr id="7" name="Slide Number Placeholder 6">
-            <a:extLst>
-              <a:ext uri="{FF2B5EF4-FFF2-40B4-BE49-F238E27FC236}">
-                <a16:creationId xmlns:a16="http://schemas.microsoft.com/office/drawing/2014/main" id="{BC146E13-2D11-45B5-B35E-9763CB275E7E}"/>
-              </a:ext>
-            </a:extLst>
-          </p:cNvPr>
+          <p:cNvPr id="7" name="Slide Number Placeholder 6"/>
           <p:cNvSpPr>
             <a:spLocks noGrp="1"/>
           </p:cNvSpPr>
@@ -2726,7 +2404,7 @@
     </p:spTree>
     <p:extLst>
       <p:ext uri="{BB962C8B-B14F-4D97-AF65-F5344CB8AC3E}">
-        <p14:creationId xmlns:p14="http://schemas.microsoft.com/office/powerpoint/2010/main" val="3390576800"/>
+        <p14:creationId xmlns:p14="http://schemas.microsoft.com/office/powerpoint/2010/main" val="2995398019"/>
       </p:ext>
     </p:extLst>
   </p:cSld>
@@ -2760,13 +2438,7 @@
       </p:grpSpPr>
       <p:sp>
         <p:nvSpPr>
-          <p:cNvPr id="2" name="Title Placeholder 1">
-            <a:extLst>
-              <a:ext uri="{FF2B5EF4-FFF2-40B4-BE49-F238E27FC236}">
-                <a16:creationId xmlns:a16="http://schemas.microsoft.com/office/drawing/2014/main" id="{F58062BD-4DFC-4D5B-9584-E50A2F088868}"/>
-              </a:ext>
-            </a:extLst>
-          </p:cNvPr>
+          <p:cNvPr id="2" name="Title Placeholder 1"/>
           <p:cNvSpPr>
             <a:spLocks noGrp="1"/>
           </p:cNvSpPr>
@@ -2776,8 +2448,8 @@
         </p:nvSpPr>
         <p:spPr>
           <a:xfrm>
-            <a:off x="838200" y="365125"/>
-            <a:ext cx="10515600" cy="1325563"/>
+            <a:off x="3017520" y="1752607"/>
+            <a:ext cx="37856160" cy="6362702"/>
           </a:xfrm>
           <a:prstGeom prst="rect">
             <a:avLst/>
@@ -2793,18 +2465,13 @@
               <a:rPr lang="en-US"/>
               <a:t>Click to edit Master title style</a:t>
             </a:r>
-          </a:p>
-        </p:txBody>
-      </p:sp>
-      <p:sp>
-        <p:nvSpPr>
-          <p:cNvPr id="3" name="Text Placeholder 2">
-            <a:extLst>
-              <a:ext uri="{FF2B5EF4-FFF2-40B4-BE49-F238E27FC236}">
-                <a16:creationId xmlns:a16="http://schemas.microsoft.com/office/drawing/2014/main" id="{36303A28-6443-4DDD-A26F-9FC39AEC7CA8}"/>
-              </a:ext>
-            </a:extLst>
-          </p:cNvPr>
+            <a:endParaRPr lang="en-US" dirty="0"/>
+          </a:p>
+        </p:txBody>
+      </p:sp>
+      <p:sp>
+        <p:nvSpPr>
+          <p:cNvPr id="3" name="Text Placeholder 2"/>
           <p:cNvSpPr>
             <a:spLocks noGrp="1"/>
           </p:cNvSpPr>
@@ -2814,8 +2481,8 @@
         </p:nvSpPr>
         <p:spPr>
           <a:xfrm>
-            <a:off x="838200" y="1825625"/>
-            <a:ext cx="10515600" cy="4351338"/>
+            <a:off x="3017520" y="8763000"/>
+            <a:ext cx="37856160" cy="20886422"/>
           </a:xfrm>
           <a:prstGeom prst="rect">
             <a:avLst/>
@@ -2860,18 +2527,13 @@
               <a:rPr lang="en-US"/>
               <a:t>Fifth level</a:t>
             </a:r>
-          </a:p>
-        </p:txBody>
-      </p:sp>
-      <p:sp>
-        <p:nvSpPr>
-          <p:cNvPr id="4" name="Date Placeholder 3">
-            <a:extLst>
-              <a:ext uri="{FF2B5EF4-FFF2-40B4-BE49-F238E27FC236}">
-                <a16:creationId xmlns:a16="http://schemas.microsoft.com/office/drawing/2014/main" id="{D4658890-FE6A-409F-A11F-657867B4C540}"/>
-              </a:ext>
-            </a:extLst>
-          </p:cNvPr>
+            <a:endParaRPr lang="en-US" dirty="0"/>
+          </a:p>
+        </p:txBody>
+      </p:sp>
+      <p:sp>
+        <p:nvSpPr>
+          <p:cNvPr id="4" name="Date Placeholder 3"/>
           <p:cNvSpPr>
             <a:spLocks noGrp="1"/>
           </p:cNvSpPr>
@@ -2881,8 +2543,8 @@
         </p:nvSpPr>
         <p:spPr>
           <a:xfrm>
-            <a:off x="838200" y="6356350"/>
-            <a:ext cx="2743200" cy="365125"/>
+            <a:off x="3017520" y="30510487"/>
+            <a:ext cx="9875520" cy="1752600"/>
           </a:xfrm>
           <a:prstGeom prst="rect">
             <a:avLst/>
@@ -2892,7 +2554,7 @@
           <a:bodyPr vert="horz" lIns="91440" tIns="45720" rIns="91440" bIns="45720" rtlCol="0" anchor="ctr"/>
           <a:lstStyle>
             <a:lvl1pPr algn="l">
-              <a:defRPr sz="1200">
+              <a:defRPr sz="5760">
                 <a:solidFill>
                   <a:schemeClr val="tx1">
                     <a:tint val="75000"/>
@@ -2904,7 +2566,7 @@
           <a:p>
             <a:fld id="{45811606-6EB3-40EA-A205-684587E5725D}" type="datetimeFigureOut">
               <a:rPr lang="en-US" smtClean="0"/>
-              <a:t>12/4/2021</a:t>
+              <a:t>12/7/2021</a:t>
             </a:fld>
             <a:endParaRPr lang="en-US"/>
           </a:p>
@@ -2912,13 +2574,7 @@
       </p:sp>
       <p:sp>
         <p:nvSpPr>
-          <p:cNvPr id="5" name="Footer Placeholder 4">
-            <a:extLst>
-              <a:ext uri="{FF2B5EF4-FFF2-40B4-BE49-F238E27FC236}">
-                <a16:creationId xmlns:a16="http://schemas.microsoft.com/office/drawing/2014/main" id="{E13C3813-6BAF-471B-9BF8-ACE3961451CD}"/>
-              </a:ext>
-            </a:extLst>
-          </p:cNvPr>
+          <p:cNvPr id="5" name="Footer Placeholder 4"/>
           <p:cNvSpPr>
             <a:spLocks noGrp="1"/>
           </p:cNvSpPr>
@@ -2928,8 +2584,8 @@
         </p:nvSpPr>
         <p:spPr>
           <a:xfrm>
-            <a:off x="4038600" y="6356350"/>
-            <a:ext cx="4114800" cy="365125"/>
+            <a:off x="14538960" y="30510487"/>
+            <a:ext cx="14813280" cy="1752600"/>
           </a:xfrm>
           <a:prstGeom prst="rect">
             <a:avLst/>
@@ -2939,7 +2595,7 @@
           <a:bodyPr vert="horz" lIns="91440" tIns="45720" rIns="91440" bIns="45720" rtlCol="0" anchor="ctr"/>
           <a:lstStyle>
             <a:lvl1pPr algn="ctr">
-              <a:defRPr sz="1200">
+              <a:defRPr sz="5760">
                 <a:solidFill>
                   <a:schemeClr val="tx1">
                     <a:tint val="75000"/>
@@ -2955,13 +2611,7 @@
       </p:sp>
       <p:sp>
         <p:nvSpPr>
-          <p:cNvPr id="6" name="Slide Number Placeholder 5">
-            <a:extLst>
-              <a:ext uri="{FF2B5EF4-FFF2-40B4-BE49-F238E27FC236}">
-                <a16:creationId xmlns:a16="http://schemas.microsoft.com/office/drawing/2014/main" id="{1D5F4D92-357B-43CF-924F-C699C868A24B}"/>
-              </a:ext>
-            </a:extLst>
-          </p:cNvPr>
+          <p:cNvPr id="6" name="Slide Number Placeholder 5"/>
           <p:cNvSpPr>
             <a:spLocks noGrp="1"/>
           </p:cNvSpPr>
@@ -2971,8 +2621,8 @@
         </p:nvSpPr>
         <p:spPr>
           <a:xfrm>
-            <a:off x="8610600" y="6356350"/>
-            <a:ext cx="2743200" cy="365125"/>
+            <a:off x="30998160" y="30510487"/>
+            <a:ext cx="9875520" cy="1752600"/>
           </a:xfrm>
           <a:prstGeom prst="rect">
             <a:avLst/>
@@ -2982,7 +2632,7 @@
           <a:bodyPr vert="horz" lIns="91440" tIns="45720" rIns="91440" bIns="45720" rtlCol="0" anchor="ctr"/>
           <a:lstStyle>
             <a:lvl1pPr algn="r">
-              <a:defRPr sz="1200">
+              <a:defRPr sz="5760">
                 <a:solidFill>
                   <a:schemeClr val="tx1">
                     <a:tint val="75000"/>
@@ -3003,27 +2653,27 @@
     </p:spTree>
     <p:extLst>
       <p:ext uri="{BB962C8B-B14F-4D97-AF65-F5344CB8AC3E}">
-        <p14:creationId xmlns:p14="http://schemas.microsoft.com/office/powerpoint/2010/main" val="1367602830"/>
+        <p14:creationId xmlns:p14="http://schemas.microsoft.com/office/powerpoint/2010/main" val="2896800677"/>
       </p:ext>
     </p:extLst>
   </p:cSld>
   <p:clrMap bg1="lt1" tx1="dk1" bg2="lt2" tx2="dk2" accent1="accent1" accent2="accent2" accent3="accent3" accent4="accent4" accent5="accent5" accent6="accent6" hlink="hlink" folHlink="folHlink"/>
   <p:sldLayoutIdLst>
-    <p:sldLayoutId id="2147483649" r:id="rId1"/>
-    <p:sldLayoutId id="2147483650" r:id="rId2"/>
-    <p:sldLayoutId id="2147483651" r:id="rId3"/>
-    <p:sldLayoutId id="2147483652" r:id="rId4"/>
-    <p:sldLayoutId id="2147483653" r:id="rId5"/>
-    <p:sldLayoutId id="2147483654" r:id="rId6"/>
-    <p:sldLayoutId id="2147483655" r:id="rId7"/>
-    <p:sldLayoutId id="2147483656" r:id="rId8"/>
-    <p:sldLayoutId id="2147483657" r:id="rId9"/>
-    <p:sldLayoutId id="2147483658" r:id="rId10"/>
-    <p:sldLayoutId id="2147483659" r:id="rId11"/>
+    <p:sldLayoutId id="2147483661" r:id="rId1"/>
+    <p:sldLayoutId id="2147483662" r:id="rId2"/>
+    <p:sldLayoutId id="2147483663" r:id="rId3"/>
+    <p:sldLayoutId id="2147483664" r:id="rId4"/>
+    <p:sldLayoutId id="2147483665" r:id="rId5"/>
+    <p:sldLayoutId id="2147483666" r:id="rId6"/>
+    <p:sldLayoutId id="2147483667" r:id="rId7"/>
+    <p:sldLayoutId id="2147483668" r:id="rId8"/>
+    <p:sldLayoutId id="2147483669" r:id="rId9"/>
+    <p:sldLayoutId id="2147483670" r:id="rId10"/>
+    <p:sldLayoutId id="2147483671" r:id="rId11"/>
   </p:sldLayoutIdLst>
   <p:txStyles>
     <p:titleStyle>
-      <a:lvl1pPr algn="l" defTabSz="914400" rtl="0" eaLnBrk="1" latinLnBrk="0" hangingPunct="1">
+      <a:lvl1pPr algn="l" defTabSz="4389120" rtl="0" eaLnBrk="1" latinLnBrk="0" hangingPunct="1">
         <a:lnSpc>
           <a:spcPct val="90000"/>
         </a:lnSpc>
@@ -3031,7 +2681,7 @@
           <a:spcPct val="0"/>
         </a:spcBef>
         <a:buNone/>
-        <a:defRPr sz="4400" kern="1200">
+        <a:defRPr sz="21120" kern="1200">
           <a:solidFill>
             <a:schemeClr val="tx1"/>
           </a:solidFill>
@@ -3042,16 +2692,16 @@
       </a:lvl1pPr>
     </p:titleStyle>
     <p:bodyStyle>
-      <a:lvl1pPr marL="228600" indent="-228600" algn="l" defTabSz="914400" rtl="0" eaLnBrk="1" latinLnBrk="0" hangingPunct="1">
+      <a:lvl1pPr marL="1097280" indent="-1097280" algn="l" defTabSz="4389120" rtl="0" eaLnBrk="1" latinLnBrk="0" hangingPunct="1">
         <a:lnSpc>
           <a:spcPct val="90000"/>
         </a:lnSpc>
         <a:spcBef>
-          <a:spcPts val="1000"/>
+          <a:spcPts val="4800"/>
         </a:spcBef>
         <a:buFont typeface="Arial" panose="020B0604020202020204" pitchFamily="34" charset="0"/>
         <a:buChar char="•"/>
-        <a:defRPr sz="2800" kern="1200">
+        <a:defRPr sz="13440" kern="1200">
           <a:solidFill>
             <a:schemeClr val="tx1"/>
           </a:solidFill>
@@ -3060,16 +2710,16 @@
           <a:cs typeface="+mn-cs"/>
         </a:defRPr>
       </a:lvl1pPr>
-      <a:lvl2pPr marL="685800" indent="-228600" algn="l" defTabSz="914400" rtl="0" eaLnBrk="1" latinLnBrk="0" hangingPunct="1">
+      <a:lvl2pPr marL="3291840" indent="-1097280" algn="l" defTabSz="4389120" rtl="0" eaLnBrk="1" latinLnBrk="0" hangingPunct="1">
         <a:lnSpc>
           <a:spcPct val="90000"/>
         </a:lnSpc>
         <a:spcBef>
-          <a:spcPts val="500"/>
+          <a:spcPts val="2400"/>
         </a:spcBef>
         <a:buFont typeface="Arial" panose="020B0604020202020204" pitchFamily="34" charset="0"/>
         <a:buChar char="•"/>
-        <a:defRPr sz="2400" kern="1200">
+        <a:defRPr sz="11520" kern="1200">
           <a:solidFill>
             <a:schemeClr val="tx1"/>
           </a:solidFill>
@@ -3078,16 +2728,16 @@
           <a:cs typeface="+mn-cs"/>
         </a:defRPr>
       </a:lvl2pPr>
-      <a:lvl3pPr marL="1143000" indent="-228600" algn="l" defTabSz="914400" rtl="0" eaLnBrk="1" latinLnBrk="0" hangingPunct="1">
+      <a:lvl3pPr marL="5486400" indent="-1097280" algn="l" defTabSz="4389120" rtl="0" eaLnBrk="1" latinLnBrk="0" hangingPunct="1">
         <a:lnSpc>
           <a:spcPct val="90000"/>
         </a:lnSpc>
         <a:spcBef>
-          <a:spcPts val="500"/>
+          <a:spcPts val="2400"/>
         </a:spcBef>
         <a:buFont typeface="Arial" panose="020B0604020202020204" pitchFamily="34" charset="0"/>
         <a:buChar char="•"/>
-        <a:defRPr sz="2000" kern="1200">
+        <a:defRPr sz="9600" kern="1200">
           <a:solidFill>
             <a:schemeClr val="tx1"/>
           </a:solidFill>
@@ -3096,16 +2746,16 @@
           <a:cs typeface="+mn-cs"/>
         </a:defRPr>
       </a:lvl3pPr>
-      <a:lvl4pPr marL="1600200" indent="-228600" algn="l" defTabSz="914400" rtl="0" eaLnBrk="1" latinLnBrk="0" hangingPunct="1">
+      <a:lvl4pPr marL="7680960" indent="-1097280" algn="l" defTabSz="4389120" rtl="0" eaLnBrk="1" latinLnBrk="0" hangingPunct="1">
         <a:lnSpc>
           <a:spcPct val="90000"/>
         </a:lnSpc>
         <a:spcBef>
-          <a:spcPts val="500"/>
+          <a:spcPts val="2400"/>
         </a:spcBef>
         <a:buFont typeface="Arial" panose="020B0604020202020204" pitchFamily="34" charset="0"/>
         <a:buChar char="•"/>
-        <a:defRPr sz="1800" kern="1200">
+        <a:defRPr sz="8640" kern="1200">
           <a:solidFill>
             <a:schemeClr val="tx1"/>
           </a:solidFill>
@@ -3114,16 +2764,16 @@
           <a:cs typeface="+mn-cs"/>
         </a:defRPr>
       </a:lvl4pPr>
-      <a:lvl5pPr marL="2057400" indent="-228600" algn="l" defTabSz="914400" rtl="0" eaLnBrk="1" latinLnBrk="0" hangingPunct="1">
+      <a:lvl5pPr marL="9875520" indent="-1097280" algn="l" defTabSz="4389120" rtl="0" eaLnBrk="1" latinLnBrk="0" hangingPunct="1">
         <a:lnSpc>
           <a:spcPct val="90000"/>
         </a:lnSpc>
         <a:spcBef>
-          <a:spcPts val="500"/>
+          <a:spcPts val="2400"/>
         </a:spcBef>
         <a:buFont typeface="Arial" panose="020B0604020202020204" pitchFamily="34" charset="0"/>
         <a:buChar char="•"/>
-        <a:defRPr sz="1800" kern="1200">
+        <a:defRPr sz="8640" kern="1200">
           <a:solidFill>
             <a:schemeClr val="tx1"/>
           </a:solidFill>
@@ -3132,16 +2782,16 @@
           <a:cs typeface="+mn-cs"/>
         </a:defRPr>
       </a:lvl5pPr>
-      <a:lvl6pPr marL="2514600" indent="-228600" algn="l" defTabSz="914400" rtl="0" eaLnBrk="1" latinLnBrk="0" hangingPunct="1">
+      <a:lvl6pPr marL="12070080" indent="-1097280" algn="l" defTabSz="4389120" rtl="0" eaLnBrk="1" latinLnBrk="0" hangingPunct="1">
         <a:lnSpc>
           <a:spcPct val="90000"/>
         </a:lnSpc>
         <a:spcBef>
-          <a:spcPts val="500"/>
+          <a:spcPts val="2400"/>
         </a:spcBef>
         <a:buFont typeface="Arial" panose="020B0604020202020204" pitchFamily="34" charset="0"/>
         <a:buChar char="•"/>
-        <a:defRPr sz="1800" kern="1200">
+        <a:defRPr sz="8640" kern="1200">
           <a:solidFill>
             <a:schemeClr val="tx1"/>
           </a:solidFill>
@@ -3150,16 +2800,16 @@
           <a:cs typeface="+mn-cs"/>
         </a:defRPr>
       </a:lvl6pPr>
-      <a:lvl7pPr marL="2971800" indent="-228600" algn="l" defTabSz="914400" rtl="0" eaLnBrk="1" latinLnBrk="0" hangingPunct="1">
+      <a:lvl7pPr marL="14264640" indent="-1097280" algn="l" defTabSz="4389120" rtl="0" eaLnBrk="1" latinLnBrk="0" hangingPunct="1">
         <a:lnSpc>
           <a:spcPct val="90000"/>
         </a:lnSpc>
         <a:spcBef>
-          <a:spcPts val="500"/>
+          <a:spcPts val="2400"/>
         </a:spcBef>
         <a:buFont typeface="Arial" panose="020B0604020202020204" pitchFamily="34" charset="0"/>
         <a:buChar char="•"/>
-        <a:defRPr sz="1800" kern="1200">
+        <a:defRPr sz="8640" kern="1200">
           <a:solidFill>
             <a:schemeClr val="tx1"/>
           </a:solidFill>
@@ -3168,16 +2818,16 @@
           <a:cs typeface="+mn-cs"/>
         </a:defRPr>
       </a:lvl7pPr>
-      <a:lvl8pPr marL="3429000" indent="-228600" algn="l" defTabSz="914400" rtl="0" eaLnBrk="1" latinLnBrk="0" hangingPunct="1">
+      <a:lvl8pPr marL="16459200" indent="-1097280" algn="l" defTabSz="4389120" rtl="0" eaLnBrk="1" latinLnBrk="0" hangingPunct="1">
         <a:lnSpc>
           <a:spcPct val="90000"/>
         </a:lnSpc>
         <a:spcBef>
-          <a:spcPts val="500"/>
+          <a:spcPts val="2400"/>
         </a:spcBef>
         <a:buFont typeface="Arial" panose="020B0604020202020204" pitchFamily="34" charset="0"/>
         <a:buChar char="•"/>
-        <a:defRPr sz="1800" kern="1200">
+        <a:defRPr sz="8640" kern="1200">
           <a:solidFill>
             <a:schemeClr val="tx1"/>
           </a:solidFill>
@@ -3186,16 +2836,16 @@
           <a:cs typeface="+mn-cs"/>
         </a:defRPr>
       </a:lvl8pPr>
-      <a:lvl9pPr marL="3886200" indent="-228600" algn="l" defTabSz="914400" rtl="0" eaLnBrk="1" latinLnBrk="0" hangingPunct="1">
+      <a:lvl9pPr marL="18653760" indent="-1097280" algn="l" defTabSz="4389120" rtl="0" eaLnBrk="1" latinLnBrk="0" hangingPunct="1">
         <a:lnSpc>
           <a:spcPct val="90000"/>
         </a:lnSpc>
         <a:spcBef>
-          <a:spcPts val="500"/>
+          <a:spcPts val="2400"/>
         </a:spcBef>
         <a:buFont typeface="Arial" panose="020B0604020202020204" pitchFamily="34" charset="0"/>
         <a:buChar char="•"/>
-        <a:defRPr sz="1800" kern="1200">
+        <a:defRPr sz="8640" kern="1200">
           <a:solidFill>
             <a:schemeClr val="tx1"/>
           </a:solidFill>
@@ -3209,8 +2859,8 @@
       <a:defPPr>
         <a:defRPr lang="en-US"/>
       </a:defPPr>
-      <a:lvl1pPr marL="0" algn="l" defTabSz="914400" rtl="0" eaLnBrk="1" latinLnBrk="0" hangingPunct="1">
-        <a:defRPr sz="1800" kern="1200">
+      <a:lvl1pPr marL="0" algn="l" defTabSz="4389120" rtl="0" eaLnBrk="1" latinLnBrk="0" hangingPunct="1">
+        <a:defRPr sz="8640" kern="1200">
           <a:solidFill>
             <a:schemeClr val="tx1"/>
           </a:solidFill>
@@ -3219,8 +2869,8 @@
           <a:cs typeface="+mn-cs"/>
         </a:defRPr>
       </a:lvl1pPr>
-      <a:lvl2pPr marL="457200" algn="l" defTabSz="914400" rtl="0" eaLnBrk="1" latinLnBrk="0" hangingPunct="1">
-        <a:defRPr sz="1800" kern="1200">
+      <a:lvl2pPr marL="2194560" algn="l" defTabSz="4389120" rtl="0" eaLnBrk="1" latinLnBrk="0" hangingPunct="1">
+        <a:defRPr sz="8640" kern="1200">
           <a:solidFill>
             <a:schemeClr val="tx1"/>
           </a:solidFill>
@@ -3229,8 +2879,8 @@
           <a:cs typeface="+mn-cs"/>
         </a:defRPr>
       </a:lvl2pPr>
-      <a:lvl3pPr marL="914400" algn="l" defTabSz="914400" rtl="0" eaLnBrk="1" latinLnBrk="0" hangingPunct="1">
-        <a:defRPr sz="1800" kern="1200">
+      <a:lvl3pPr marL="4389120" algn="l" defTabSz="4389120" rtl="0" eaLnBrk="1" latinLnBrk="0" hangingPunct="1">
+        <a:defRPr sz="8640" kern="1200">
           <a:solidFill>
             <a:schemeClr val="tx1"/>
           </a:solidFill>
@@ -3239,8 +2889,8 @@
           <a:cs typeface="+mn-cs"/>
         </a:defRPr>
       </a:lvl3pPr>
-      <a:lvl4pPr marL="1371600" algn="l" defTabSz="914400" rtl="0" eaLnBrk="1" latinLnBrk="0" hangingPunct="1">
-        <a:defRPr sz="1800" kern="1200">
+      <a:lvl4pPr marL="6583680" algn="l" defTabSz="4389120" rtl="0" eaLnBrk="1" latinLnBrk="0" hangingPunct="1">
+        <a:defRPr sz="8640" kern="1200">
           <a:solidFill>
             <a:schemeClr val="tx1"/>
           </a:solidFill>
@@ -3249,8 +2899,8 @@
           <a:cs typeface="+mn-cs"/>
         </a:defRPr>
       </a:lvl4pPr>
-      <a:lvl5pPr marL="1828800" algn="l" defTabSz="914400" rtl="0" eaLnBrk="1" latinLnBrk="0" hangingPunct="1">
-        <a:defRPr sz="1800" kern="1200">
+      <a:lvl5pPr marL="8778240" algn="l" defTabSz="4389120" rtl="0" eaLnBrk="1" latinLnBrk="0" hangingPunct="1">
+        <a:defRPr sz="8640" kern="1200">
           <a:solidFill>
             <a:schemeClr val="tx1"/>
           </a:solidFill>
@@ -3259,8 +2909,8 @@
           <a:cs typeface="+mn-cs"/>
         </a:defRPr>
       </a:lvl5pPr>
-      <a:lvl6pPr marL="2286000" algn="l" defTabSz="914400" rtl="0" eaLnBrk="1" latinLnBrk="0" hangingPunct="1">
-        <a:defRPr sz="1800" kern="1200">
+      <a:lvl6pPr marL="10972800" algn="l" defTabSz="4389120" rtl="0" eaLnBrk="1" latinLnBrk="0" hangingPunct="1">
+        <a:defRPr sz="8640" kern="1200">
           <a:solidFill>
             <a:schemeClr val="tx1"/>
           </a:solidFill>
@@ -3269,8 +2919,8 @@
           <a:cs typeface="+mn-cs"/>
         </a:defRPr>
       </a:lvl6pPr>
-      <a:lvl7pPr marL="2743200" algn="l" defTabSz="914400" rtl="0" eaLnBrk="1" latinLnBrk="0" hangingPunct="1">
-        <a:defRPr sz="1800" kern="1200">
+      <a:lvl7pPr marL="13167360" algn="l" defTabSz="4389120" rtl="0" eaLnBrk="1" latinLnBrk="0" hangingPunct="1">
+        <a:defRPr sz="8640" kern="1200">
           <a:solidFill>
             <a:schemeClr val="tx1"/>
           </a:solidFill>
@@ -3279,8 +2929,8 @@
           <a:cs typeface="+mn-cs"/>
         </a:defRPr>
       </a:lvl7pPr>
-      <a:lvl8pPr marL="3200400" algn="l" defTabSz="914400" rtl="0" eaLnBrk="1" latinLnBrk="0" hangingPunct="1">
-        <a:defRPr sz="1800" kern="1200">
+      <a:lvl8pPr marL="15361920" algn="l" defTabSz="4389120" rtl="0" eaLnBrk="1" latinLnBrk="0" hangingPunct="1">
+        <a:defRPr sz="8640" kern="1200">
           <a:solidFill>
             <a:schemeClr val="tx1"/>
           </a:solidFill>
@@ -3289,8 +2939,8 @@
           <a:cs typeface="+mn-cs"/>
         </a:defRPr>
       </a:lvl8pPr>
-      <a:lvl9pPr marL="3657600" algn="l" defTabSz="914400" rtl="0" eaLnBrk="1" latinLnBrk="0" hangingPunct="1">
-        <a:defRPr sz="1800" kern="1200">
+      <a:lvl9pPr marL="17556480" algn="l" defTabSz="4389120" rtl="0" eaLnBrk="1" latinLnBrk="0" hangingPunct="1">
+        <a:defRPr sz="8640" kern="1200">
           <a:solidFill>
             <a:schemeClr val="tx1"/>
           </a:solidFill>
@@ -3323,10 +2973,10 @@
       </p:grpSpPr>
       <p:pic>
         <p:nvPicPr>
-          <p:cNvPr id="5" name="Picture 4" descr="Chart, histogram&#10;&#10;Description automatically generated">
+          <p:cNvPr id="26" name="Picture 25" descr="Chart, scatter chart, bubble chart&#10;&#10;Description automatically generated">
             <a:extLst>
               <a:ext uri="{FF2B5EF4-FFF2-40B4-BE49-F238E27FC236}">
-                <a16:creationId xmlns:a16="http://schemas.microsoft.com/office/drawing/2014/main" id="{F5A9FD1D-4A49-4662-88B0-50ADFEF1AD49}"/>
+                <a16:creationId xmlns:a16="http://schemas.microsoft.com/office/drawing/2014/main" id="{A6A6BB20-8C7D-4836-8487-275B837D865E}"/>
               </a:ext>
             </a:extLst>
           </p:cNvPr>
@@ -3349,20 +2999,431 @@
         </p:blipFill>
         <p:spPr>
           <a:xfrm>
-            <a:off x="7729357" y="3329967"/>
-            <a:ext cx="3789009" cy="2652307"/>
+            <a:off x="15529028" y="14331627"/>
+            <a:ext cx="13694925" cy="8889137"/>
           </a:xfrm>
           <a:prstGeom prst="rect">
             <a:avLst/>
           </a:prstGeom>
         </p:spPr>
       </p:pic>
+      <p:sp>
+        <p:nvSpPr>
+          <p:cNvPr id="3" name="Rectangle 2">
+            <a:extLst>
+              <a:ext uri="{FF2B5EF4-FFF2-40B4-BE49-F238E27FC236}">
+                <a16:creationId xmlns:a16="http://schemas.microsoft.com/office/drawing/2014/main" id="{88383093-3F56-49CA-B4DD-4C8753495A6E}"/>
+              </a:ext>
+            </a:extLst>
+          </p:cNvPr>
+          <p:cNvSpPr/>
+          <p:nvPr/>
+        </p:nvSpPr>
+        <p:spPr>
+          <a:xfrm>
+            <a:off x="0" y="-198785"/>
+            <a:ext cx="15370015" cy="33117185"/>
+          </a:xfrm>
+          <a:prstGeom prst="rect">
+            <a:avLst/>
+          </a:prstGeom>
+          <a:solidFill>
+            <a:srgbClr val="7030A0"/>
+          </a:solidFill>
+        </p:spPr>
+        <p:style>
+          <a:lnRef idx="2">
+            <a:schemeClr val="accent1">
+              <a:shade val="50000"/>
+            </a:schemeClr>
+          </a:lnRef>
+          <a:fillRef idx="1">
+            <a:schemeClr val="accent1"/>
+          </a:fillRef>
+          <a:effectRef idx="0">
+            <a:schemeClr val="accent1"/>
+          </a:effectRef>
+          <a:fontRef idx="minor">
+            <a:schemeClr val="lt1"/>
+          </a:fontRef>
+        </p:style>
+        <p:txBody>
+          <a:bodyPr rtlCol="0" anchor="ctr"/>
+          <a:lstStyle/>
+          <a:p>
+            <a:endParaRPr lang="en-US" sz="10000" dirty="0"/>
+          </a:p>
+        </p:txBody>
+      </p:sp>
+      <p:sp>
+        <p:nvSpPr>
+          <p:cNvPr id="19" name="TextBox 18">
+            <a:extLst>
+              <a:ext uri="{FF2B5EF4-FFF2-40B4-BE49-F238E27FC236}">
+                <a16:creationId xmlns:a16="http://schemas.microsoft.com/office/drawing/2014/main" id="{BF7BBD62-D8B4-44EC-A7B7-D4ECA392CA21}"/>
+              </a:ext>
+            </a:extLst>
+          </p:cNvPr>
+          <p:cNvSpPr txBox="1"/>
+          <p:nvPr/>
+        </p:nvSpPr>
+        <p:spPr>
+          <a:xfrm>
+            <a:off x="16714424" y="10621571"/>
+            <a:ext cx="26538612" cy="3323987"/>
+          </a:xfrm>
+          <a:prstGeom prst="rect">
+            <a:avLst/>
+          </a:prstGeom>
+          <a:noFill/>
+        </p:spPr>
+        <p:txBody>
+          <a:bodyPr wrap="square" rtlCol="0">
+            <a:spAutoFit/>
+          </a:bodyPr>
+          <a:lstStyle/>
+          <a:p>
+            <a:pPr algn="ctr"/>
+            <a:r>
+              <a:rPr lang="es-419" sz="7000" dirty="0" err="1">
+                <a:solidFill>
+                  <a:srgbClr val="7030A0"/>
+                </a:solidFill>
+              </a:rPr>
+              <a:t>By</a:t>
+            </a:r>
+            <a:r>
+              <a:rPr lang="es-419" sz="7000" dirty="0">
+                <a:solidFill>
+                  <a:srgbClr val="7030A0"/>
+                </a:solidFill>
+              </a:rPr>
+              <a:t> </a:t>
+            </a:r>
+            <a:r>
+              <a:rPr lang="es-419" sz="7000" dirty="0" err="1">
+                <a:solidFill>
+                  <a:srgbClr val="7030A0"/>
+                </a:solidFill>
+              </a:rPr>
+              <a:t>analyzing</a:t>
+            </a:r>
+            <a:r>
+              <a:rPr lang="es-419" sz="7000" dirty="0">
+                <a:solidFill>
+                  <a:srgbClr val="7030A0"/>
+                </a:solidFill>
+              </a:rPr>
+              <a:t> a </a:t>
+            </a:r>
+            <a:r>
+              <a:rPr lang="es-419" sz="7000" dirty="0" err="1">
+                <a:solidFill>
+                  <a:srgbClr val="7030A0"/>
+                </a:solidFill>
+              </a:rPr>
+              <a:t>controlled</a:t>
+            </a:r>
+            <a:r>
+              <a:rPr lang="es-419" sz="7000" dirty="0">
+                <a:solidFill>
+                  <a:srgbClr val="7030A0"/>
+                </a:solidFill>
+              </a:rPr>
+              <a:t> human </a:t>
+            </a:r>
+            <a:r>
+              <a:rPr lang="es-419" sz="7000" dirty="0" err="1">
+                <a:solidFill>
+                  <a:srgbClr val="7030A0"/>
+                </a:solidFill>
+              </a:rPr>
+              <a:t>infection</a:t>
+            </a:r>
+            <a:r>
+              <a:rPr lang="es-419" sz="7000" dirty="0">
+                <a:solidFill>
+                  <a:srgbClr val="7030A0"/>
+                </a:solidFill>
+              </a:rPr>
+              <a:t> trial </a:t>
+            </a:r>
+            <a:r>
+              <a:rPr lang="es-419" sz="7000" dirty="0" err="1">
+                <a:solidFill>
+                  <a:srgbClr val="7030A0"/>
+                </a:solidFill>
+              </a:rPr>
+              <a:t>of</a:t>
+            </a:r>
+            <a:r>
+              <a:rPr lang="es-419" sz="7000" dirty="0">
+                <a:solidFill>
+                  <a:srgbClr val="7030A0"/>
+                </a:solidFill>
+              </a:rPr>
+              <a:t> norovirus, I </a:t>
+            </a:r>
+            <a:r>
+              <a:rPr lang="es-419" sz="7000" dirty="0" err="1">
+                <a:solidFill>
+                  <a:srgbClr val="7030A0"/>
+                </a:solidFill>
+              </a:rPr>
+              <a:t>found</a:t>
+            </a:r>
+            <a:r>
+              <a:rPr lang="es-419" sz="7000" dirty="0">
+                <a:solidFill>
+                  <a:srgbClr val="7030A0"/>
+                </a:solidFill>
+              </a:rPr>
+              <a:t> </a:t>
+            </a:r>
+            <a:r>
+              <a:rPr lang="es-419" sz="7000" dirty="0" err="1">
+                <a:solidFill>
+                  <a:srgbClr val="7030A0"/>
+                </a:solidFill>
+              </a:rPr>
+              <a:t>that</a:t>
+            </a:r>
+            <a:r>
+              <a:rPr lang="es-419" sz="7000" dirty="0">
+                <a:solidFill>
+                  <a:srgbClr val="7030A0"/>
+                </a:solidFill>
+              </a:rPr>
+              <a:t> p</a:t>
+            </a:r>
+            <a:r>
+              <a:rPr lang="en-US" sz="7000" dirty="0">
+                <a:solidFill>
+                  <a:srgbClr val="7030A0"/>
+                </a:solidFill>
+              </a:rPr>
+              <a:t>re-symptomatic transmission rates increased with infectious dose (</a:t>
+            </a:r>
+            <a:r>
+              <a:rPr lang="en-US" sz="7000" dirty="0" err="1">
+                <a:solidFill>
+                  <a:srgbClr val="7030A0"/>
+                </a:solidFill>
+              </a:rPr>
+              <a:t>Atmar</a:t>
+            </a:r>
+            <a:r>
+              <a:rPr lang="en-US" sz="7000" dirty="0">
+                <a:solidFill>
+                  <a:srgbClr val="7030A0"/>
+                </a:solidFill>
+              </a:rPr>
+              <a:t> et al., 2008).</a:t>
+            </a:r>
+          </a:p>
+        </p:txBody>
+      </p:sp>
+      <p:sp>
+        <p:nvSpPr>
+          <p:cNvPr id="20" name="TextBox 19">
+            <a:extLst>
+              <a:ext uri="{FF2B5EF4-FFF2-40B4-BE49-F238E27FC236}">
+                <a16:creationId xmlns:a16="http://schemas.microsoft.com/office/drawing/2014/main" id="{0510F66D-D5AD-4E4F-A420-8CA9F6697057}"/>
+              </a:ext>
+            </a:extLst>
+          </p:cNvPr>
+          <p:cNvSpPr txBox="1"/>
+          <p:nvPr/>
+        </p:nvSpPr>
+        <p:spPr>
+          <a:xfrm>
+            <a:off x="28913889" y="23340194"/>
+            <a:ext cx="14663397" cy="3323987"/>
+          </a:xfrm>
+          <a:prstGeom prst="rect">
+            <a:avLst/>
+          </a:prstGeom>
+          <a:noFill/>
+        </p:spPr>
+        <p:txBody>
+          <a:bodyPr wrap="square" rtlCol="0">
+            <a:spAutoFit/>
+          </a:bodyPr>
+          <a:lstStyle/>
+          <a:p>
+            <a:pPr algn="ctr"/>
+            <a:r>
+              <a:rPr lang="es-419" sz="7000" dirty="0">
+                <a:solidFill>
+                  <a:srgbClr val="7030A0"/>
+                </a:solidFill>
+              </a:rPr>
+              <a:t>T</a:t>
+            </a:r>
+            <a:r>
+              <a:rPr lang="en-US" sz="7000" dirty="0" err="1">
+                <a:solidFill>
+                  <a:srgbClr val="7030A0"/>
+                </a:solidFill>
+              </a:rPr>
+              <a:t>hese</a:t>
+            </a:r>
+            <a:r>
+              <a:rPr lang="en-US" sz="7000" dirty="0">
+                <a:solidFill>
+                  <a:srgbClr val="7030A0"/>
+                </a:solidFill>
+              </a:rPr>
+              <a:t> results can be recreated through modeling if symptoms are determined by an immune response threshold.</a:t>
+            </a:r>
+          </a:p>
+        </p:txBody>
+      </p:sp>
+      <p:sp>
+        <p:nvSpPr>
+          <p:cNvPr id="23" name="TextBox 22">
+            <a:extLst>
+              <a:ext uri="{FF2B5EF4-FFF2-40B4-BE49-F238E27FC236}">
+                <a16:creationId xmlns:a16="http://schemas.microsoft.com/office/drawing/2014/main" id="{0BCA152E-DAAD-47B0-BAE6-3697DF3CA8B1}"/>
+              </a:ext>
+            </a:extLst>
+          </p:cNvPr>
+          <p:cNvSpPr txBox="1"/>
+          <p:nvPr/>
+        </p:nvSpPr>
+        <p:spPr>
+          <a:xfrm>
+            <a:off x="721287" y="-66613"/>
+            <a:ext cx="15585426" cy="7017306"/>
+          </a:xfrm>
+          <a:prstGeom prst="rect">
+            <a:avLst/>
+          </a:prstGeom>
+          <a:noFill/>
+        </p:spPr>
+        <p:txBody>
+          <a:bodyPr wrap="square" rtlCol="0">
+            <a:spAutoFit/>
+          </a:bodyPr>
+          <a:lstStyle/>
+          <a:p>
+            <a:r>
+              <a:rPr lang="es-419" sz="15000" b="1" dirty="0" err="1">
+                <a:solidFill>
+                  <a:schemeClr val="bg1"/>
+                </a:solidFill>
+              </a:rPr>
+              <a:t>What</a:t>
+            </a:r>
+            <a:r>
+              <a:rPr lang="es-419" sz="15000" b="1" dirty="0">
+                <a:solidFill>
+                  <a:schemeClr val="bg1"/>
+                </a:solidFill>
+              </a:rPr>
+              <a:t> causes </a:t>
+            </a:r>
+          </a:p>
+          <a:p>
+            <a:r>
+              <a:rPr lang="es-419" sz="15000" b="1" dirty="0" err="1">
+                <a:solidFill>
+                  <a:schemeClr val="bg1"/>
+                </a:solidFill>
+              </a:rPr>
+              <a:t>pre-symptomatic</a:t>
+            </a:r>
+            <a:r>
+              <a:rPr lang="es-419" sz="15000" b="1" dirty="0">
+                <a:solidFill>
+                  <a:schemeClr val="bg1"/>
+                </a:solidFill>
+              </a:rPr>
+              <a:t> </a:t>
+            </a:r>
+            <a:r>
+              <a:rPr lang="es-419" sz="15000" b="1" dirty="0" err="1">
+                <a:solidFill>
+                  <a:schemeClr val="bg1"/>
+                </a:solidFill>
+              </a:rPr>
+              <a:t>transmission</a:t>
+            </a:r>
+            <a:r>
+              <a:rPr lang="es-419" sz="15000" b="1" dirty="0">
+                <a:solidFill>
+                  <a:schemeClr val="bg1"/>
+                </a:solidFill>
+              </a:rPr>
+              <a:t>?</a:t>
+            </a:r>
+            <a:r>
+              <a:rPr lang="es-419" sz="15000" b="1" dirty="0">
+                <a:solidFill>
+                  <a:srgbClr val="7030A0"/>
+                </a:solidFill>
+              </a:rPr>
+              <a:t>?</a:t>
+            </a:r>
+            <a:endParaRPr lang="en-US" sz="15000" b="1" dirty="0"/>
+          </a:p>
+        </p:txBody>
+      </p:sp>
+      <p:sp>
+        <p:nvSpPr>
+          <p:cNvPr id="2" name="TextBox 1">
+            <a:extLst>
+              <a:ext uri="{FF2B5EF4-FFF2-40B4-BE49-F238E27FC236}">
+                <a16:creationId xmlns:a16="http://schemas.microsoft.com/office/drawing/2014/main" id="{8E9C5539-D946-404B-9C9A-E5B047ADFBC5}"/>
+              </a:ext>
+            </a:extLst>
+          </p:cNvPr>
+          <p:cNvSpPr txBox="1"/>
+          <p:nvPr/>
+        </p:nvSpPr>
+        <p:spPr>
+          <a:xfrm>
+            <a:off x="15942364" y="26648507"/>
+            <a:ext cx="27948836" cy="7786747"/>
+          </a:xfrm>
+          <a:prstGeom prst="rect">
+            <a:avLst/>
+          </a:prstGeom>
+          <a:noFill/>
+        </p:spPr>
+        <p:txBody>
+          <a:bodyPr wrap="square" rtlCol="0">
+            <a:spAutoFit/>
+          </a:bodyPr>
+          <a:lstStyle/>
+          <a:p>
+            <a:r>
+              <a:rPr lang="en-US" sz="10000" b="1" dirty="0">
+                <a:solidFill>
+                  <a:srgbClr val="CE7908"/>
+                </a:solidFill>
+              </a:rPr>
+              <a:t>If symptoms are caused by immune response, pathogen replication rate decreases pre-symptomatic transmission rates and infectious dose increases them.</a:t>
+            </a:r>
+          </a:p>
+          <a:p>
+            <a:r>
+              <a:rPr lang="en-US" sz="10000" b="1" dirty="0">
+                <a:solidFill>
+                  <a:srgbClr val="7030A0"/>
+                </a:solidFill>
+              </a:rPr>
+              <a:t>	 	</a:t>
+            </a:r>
+          </a:p>
+        </p:txBody>
+      </p:sp>
       <p:pic>
         <p:nvPicPr>
-          <p:cNvPr id="7" name="Picture 6" descr="Chart, scatter chart&#10;&#10;Description automatically generated">
+          <p:cNvPr id="30" name="Picture 29" descr="Chart, scatter chart, bubble chart&#10;&#10;Description automatically generated">
             <a:extLst>
               <a:ext uri="{FF2B5EF4-FFF2-40B4-BE49-F238E27FC236}">
-                <a16:creationId xmlns:a16="http://schemas.microsoft.com/office/drawing/2014/main" id="{C71DDCAF-5BE8-49AE-94B3-FCF17F954E2F}"/>
+                <a16:creationId xmlns:a16="http://schemas.microsoft.com/office/drawing/2014/main" id="{C3979DBB-C2FD-4198-AD0E-2D7B52297953}"/>
               </a:ext>
             </a:extLst>
           </p:cNvPr>
@@ -3385,55 +3446,20 @@
         </p:blipFill>
         <p:spPr>
           <a:xfrm>
-            <a:off x="7729357" y="240114"/>
-            <a:ext cx="3762248" cy="2443522"/>
+            <a:off x="29238140" y="14243370"/>
+            <a:ext cx="14014896" cy="9096824"/>
           </a:xfrm>
           <a:prstGeom prst="rect">
             <a:avLst/>
           </a:prstGeom>
         </p:spPr>
       </p:pic>
-      <p:pic>
-        <p:nvPicPr>
-          <p:cNvPr id="14" name="Picture 13" descr="Chart, bar chart&#10;&#10;Description automatically generated">
+      <p:sp>
+        <p:nvSpPr>
+          <p:cNvPr id="43" name="TextBox 42">
             <a:extLst>
               <a:ext uri="{FF2B5EF4-FFF2-40B4-BE49-F238E27FC236}">
-                <a16:creationId xmlns:a16="http://schemas.microsoft.com/office/drawing/2014/main" id="{10101734-C153-4315-8844-D398EE3BB371}"/>
-              </a:ext>
-            </a:extLst>
-          </p:cNvPr>
-          <p:cNvPicPr>
-            <a:picLocks noChangeAspect="1"/>
-          </p:cNvPicPr>
-          <p:nvPr/>
-        </p:nvPicPr>
-        <p:blipFill rotWithShape="1">
-          <a:blip r:embed="rId4">
-            <a:extLst>
-              <a:ext uri="{28A0092B-C50C-407E-A947-70E740481C1C}">
-                <a14:useLocalDpi xmlns:a14="http://schemas.microsoft.com/office/drawing/2010/main" val="0"/>
-              </a:ext>
-            </a:extLst>
-          </a:blip>
-          <a:srcRect l="49354" t="1" b="-1758"/>
-          <a:stretch/>
-        </p:blipFill>
-        <p:spPr>
-          <a:xfrm>
-            <a:off x="4196993" y="1878902"/>
-            <a:ext cx="2778883" cy="2902129"/>
-          </a:xfrm>
-          <a:prstGeom prst="rect">
-            <a:avLst/>
-          </a:prstGeom>
-        </p:spPr>
-      </p:pic>
-      <p:sp>
-        <p:nvSpPr>
-          <p:cNvPr id="19" name="TextBox 18">
-            <a:extLst>
-              <a:ext uri="{FF2B5EF4-FFF2-40B4-BE49-F238E27FC236}">
-                <a16:creationId xmlns:a16="http://schemas.microsoft.com/office/drawing/2014/main" id="{BF7BBD62-D8B4-44EC-A7B7-D4ECA392CA21}"/>
+                <a16:creationId xmlns:a16="http://schemas.microsoft.com/office/drawing/2014/main" id="{2BD138B6-4518-4CA2-8BC6-B604DECAD209}"/>
               </a:ext>
             </a:extLst>
           </p:cNvPr>
@@ -3442,8 +3468,8 @@
         </p:nvSpPr>
         <p:spPr>
           <a:xfrm>
-            <a:off x="4359057" y="4878888"/>
-            <a:ext cx="2848550" cy="923330"/>
+            <a:off x="16377522" y="23515991"/>
+            <a:ext cx="12101210" cy="3323987"/>
           </a:xfrm>
           <a:prstGeom prst="rect">
             <a:avLst/>
@@ -3456,23 +3482,16 @@
           </a:bodyPr>
           <a:lstStyle/>
           <a:p>
-            <a:r>
-              <a:rPr lang="es-419" dirty="0">
+            <a:pPr algn="ctr"/>
+            <a:r>
+              <a:rPr lang="en-US" sz="7000" dirty="0">
                 <a:solidFill>
                   <a:srgbClr val="7030A0"/>
                 </a:solidFill>
               </a:rPr>
-              <a:t>P</a:t>
-            </a:r>
-            <a:r>
-              <a:rPr lang="en-US" dirty="0">
-                <a:solidFill>
-                  <a:srgbClr val="7030A0"/>
-                </a:solidFill>
-              </a:rPr>
-              <a:t>re-symptomatic transmission rates increase with infectious dose.</a:t>
-            </a:r>
-            <a:endParaRPr lang="en-US" sz="1800" kern="1200" dirty="0">
+              <a:t>Pre-symptomatic transmission occurs at low pathogen replication rates.</a:t>
+            </a:r>
+            <a:endParaRPr lang="en-US" sz="7000" kern="1200" dirty="0">
               <a:solidFill>
                 <a:srgbClr val="7030A0"/>
               </a:solidFill>
@@ -3485,10 +3504,10 @@
       </p:sp>
       <p:sp>
         <p:nvSpPr>
-          <p:cNvPr id="20" name="TextBox 19">
+          <p:cNvPr id="48" name="TextBox 47">
             <a:extLst>
               <a:ext uri="{FF2B5EF4-FFF2-40B4-BE49-F238E27FC236}">
-                <a16:creationId xmlns:a16="http://schemas.microsoft.com/office/drawing/2014/main" id="{0510F66D-D5AD-4E4F-A420-8CA9F6697057}"/>
+                <a16:creationId xmlns:a16="http://schemas.microsoft.com/office/drawing/2014/main" id="{C3F8790F-F82E-484F-9A62-A8766DB8C1C7}"/>
               </a:ext>
             </a:extLst>
           </p:cNvPr>
@@ -3497,8 +3516,8 @@
         </p:nvSpPr>
         <p:spPr>
           <a:xfrm>
-            <a:off x="8205521" y="2683636"/>
-            <a:ext cx="3499247" cy="646331"/>
+            <a:off x="276779" y="7359403"/>
+            <a:ext cx="14581171" cy="1938992"/>
           </a:xfrm>
           <a:prstGeom prst="rect">
             <a:avLst/>
@@ -3506,52 +3525,84 @@
           <a:noFill/>
         </p:spPr>
         <p:txBody>
-          <a:bodyPr wrap="square" rtlCol="0">
+          <a:bodyPr wrap="none" rtlCol="0">
             <a:spAutoFit/>
           </a:bodyPr>
           <a:lstStyle/>
           <a:p>
-            <a:r>
-              <a:rPr lang="es-419" dirty="0">
-                <a:solidFill>
-                  <a:srgbClr val="7030A0"/>
-                </a:solidFill>
+            <a:pPr algn="dist"/>
+            <a:r>
+              <a:rPr lang="en-US" sz="6000" kern="1200" dirty="0">
+                <a:solidFill>
+                  <a:srgbClr val="FFC000"/>
+                </a:solidFill>
+                <a:latin typeface="+mn-lt"/>
+                <a:ea typeface="+mn-ea"/>
+                <a:cs typeface="+mn-cs"/>
               </a:rPr>
-              <a:t>T</a:t>
-            </a:r>
-            <a:r>
-              <a:rPr lang="en-US" dirty="0" err="1">
-                <a:solidFill>
-                  <a:srgbClr val="7030A0"/>
-                </a:solidFill>
+              <a:t>Kayla Zhang, </a:t>
+            </a:r>
+            <a:r>
+              <a:rPr lang="en-US" sz="6000" kern="1200" dirty="0" err="1">
+                <a:solidFill>
+                  <a:srgbClr val="FFC000"/>
+                </a:solidFill>
+                <a:latin typeface="+mn-lt"/>
+                <a:ea typeface="+mn-ea"/>
+                <a:cs typeface="+mn-cs"/>
               </a:rPr>
-              <a:t>hese</a:t>
-            </a:r>
-            <a:r>
-              <a:rPr lang="en-US" dirty="0">
-                <a:solidFill>
-                  <a:srgbClr val="7030A0"/>
-                </a:solidFill>
+              <a:t>Damie</a:t>
+            </a:r>
+            <a:r>
+              <a:rPr lang="en-US" sz="6000" kern="1200" dirty="0">
+                <a:solidFill>
+                  <a:srgbClr val="FFC000"/>
+                </a:solidFill>
+                <a:latin typeface="+mn-lt"/>
+                <a:ea typeface="+mn-ea"/>
+                <a:cs typeface="+mn-cs"/>
               </a:rPr>
-              <a:t> results can be recreated through computer modeling.</a:t>
-            </a:r>
-            <a:endParaRPr lang="en-US" sz="1800" kern="1200" dirty="0">
+              <a:t> Pak, and Megan </a:t>
+            </a:r>
+            <a:r>
+              <a:rPr lang="en-US" sz="6000" kern="1200" dirty="0" err="1">
+                <a:solidFill>
+                  <a:srgbClr val="FFC000"/>
+                </a:solidFill>
+                <a:latin typeface="+mn-lt"/>
+                <a:ea typeface="+mn-ea"/>
+                <a:cs typeface="+mn-cs"/>
+              </a:rPr>
+              <a:t>Greischar</a:t>
+            </a:r>
+            <a:endParaRPr lang="en-US" sz="6000" kern="1200" dirty="0">
               <a:solidFill>
-                <a:srgbClr val="7030A0"/>
+                <a:srgbClr val="FFC000"/>
               </a:solidFill>
               <a:latin typeface="+mn-lt"/>
               <a:ea typeface="+mn-ea"/>
               <a:cs typeface="+mn-cs"/>
             </a:endParaRPr>
           </a:p>
-        </p:txBody>
-      </p:sp>
-      <p:sp>
-        <p:nvSpPr>
-          <p:cNvPr id="21" name="TextBox 20">
+          <a:p>
+            <a:pPr algn="dist"/>
+            <a:endParaRPr lang="en-US" sz="6000" kern="1200" dirty="0">
+              <a:solidFill>
+                <a:srgbClr val="CE7908"/>
+              </a:solidFill>
+              <a:latin typeface="+mn-lt"/>
+              <a:ea typeface="+mn-ea"/>
+              <a:cs typeface="+mn-cs"/>
+            </a:endParaRPr>
+          </a:p>
+        </p:txBody>
+      </p:sp>
+      <p:sp>
+        <p:nvSpPr>
+          <p:cNvPr id="5" name="TextBox 4">
             <a:extLst>
               <a:ext uri="{FF2B5EF4-FFF2-40B4-BE49-F238E27FC236}">
-                <a16:creationId xmlns:a16="http://schemas.microsoft.com/office/drawing/2014/main" id="{F8ABCA73-C4CB-4494-A3D0-06CDFEDD11B4}"/>
+                <a16:creationId xmlns:a16="http://schemas.microsoft.com/office/drawing/2014/main" id="{196544F3-8937-4FF6-8598-1FE22D50CC46}"/>
               </a:ext>
             </a:extLst>
           </p:cNvPr>
@@ -3560,8 +3611,8 @@
         </p:nvSpPr>
         <p:spPr>
           <a:xfrm>
-            <a:off x="8109303" y="6158014"/>
-            <a:ext cx="3311579" cy="369332"/>
+            <a:off x="1057784" y="15968419"/>
+            <a:ext cx="3563796" cy="1631216"/>
           </a:xfrm>
           <a:prstGeom prst="rect">
             <a:avLst/>
@@ -3569,108 +3620,465 @@
           <a:noFill/>
         </p:spPr>
         <p:txBody>
-          <a:bodyPr wrap="square" rtlCol="0">
+          <a:bodyPr wrap="none" rtlCol="0">
             <a:spAutoFit/>
           </a:bodyPr>
           <a:lstStyle/>
           <a:p>
             <a:r>
-              <a:rPr lang="es-419" dirty="0" err="1">
-                <a:solidFill>
-                  <a:srgbClr val="7030A0"/>
+              <a:rPr lang="en-US" sz="10000" dirty="0">
+                <a:solidFill>
+                  <a:srgbClr val="FFC000"/>
                 </a:solidFill>
               </a:rPr>
-              <a:t>Some</a:t>
-            </a:r>
-            <a:r>
-              <a:rPr lang="es-419" dirty="0">
-                <a:solidFill>
-                  <a:srgbClr val="7030A0"/>
-                </a:solidFill>
-              </a:rPr>
-              <a:t> </a:t>
-            </a:r>
-            <a:r>
-              <a:rPr lang="es-419" dirty="0" err="1">
-                <a:solidFill>
-                  <a:srgbClr val="7030A0"/>
-                </a:solidFill>
-              </a:rPr>
-              <a:t>models</a:t>
-            </a:r>
-            <a:r>
-              <a:rPr lang="es-419" dirty="0">
-                <a:solidFill>
-                  <a:srgbClr val="7030A0"/>
-                </a:solidFill>
-              </a:rPr>
-              <a:t> do </a:t>
-            </a:r>
-            <a:r>
-              <a:rPr lang="es-419" dirty="0" err="1">
-                <a:solidFill>
-                  <a:srgbClr val="7030A0"/>
-                </a:solidFill>
-              </a:rPr>
-              <a:t>not</a:t>
-            </a:r>
-            <a:r>
-              <a:rPr lang="es-419" dirty="0">
-                <a:solidFill>
-                  <a:srgbClr val="7030A0"/>
-                </a:solidFill>
-              </a:rPr>
-              <a:t> </a:t>
-            </a:r>
-            <a:r>
-              <a:rPr lang="es-419" dirty="0" err="1">
-                <a:solidFill>
-                  <a:srgbClr val="7030A0"/>
-                </a:solidFill>
-              </a:rPr>
-              <a:t>fit</a:t>
-            </a:r>
-            <a:r>
-              <a:rPr lang="es-419" dirty="0">
-                <a:solidFill>
-                  <a:srgbClr val="7030A0"/>
-                </a:solidFill>
-              </a:rPr>
-              <a:t> </a:t>
-            </a:r>
-            <a:r>
-              <a:rPr lang="es-419" dirty="0" err="1">
-                <a:solidFill>
-                  <a:srgbClr val="7030A0"/>
-                </a:solidFill>
-              </a:rPr>
-              <a:t>the</a:t>
-            </a:r>
-            <a:r>
-              <a:rPr lang="es-419" dirty="0">
-                <a:solidFill>
-                  <a:srgbClr val="7030A0"/>
-                </a:solidFill>
-              </a:rPr>
-              <a:t> data.</a:t>
-            </a:r>
-            <a:endParaRPr lang="en-US" sz="1800" kern="1200" dirty="0">
-              <a:solidFill>
-                <a:srgbClr val="7030A0"/>
-              </a:solidFill>
-              <a:latin typeface="+mn-lt"/>
-              <a:ea typeface="+mn-ea"/>
-              <a:cs typeface="+mn-cs"/>
-            </a:endParaRPr>
-          </a:p>
-        </p:txBody>
-      </p:sp>
-      <p:sp>
-        <p:nvSpPr>
-          <p:cNvPr id="23" name="TextBox 22">
+              <a:t>Model</a:t>
+            </a:r>
+          </a:p>
+        </p:txBody>
+      </p:sp>
+      <p:sp>
+        <p:nvSpPr>
+          <p:cNvPr id="32" name="Rectangle 31">
             <a:extLst>
               <a:ext uri="{FF2B5EF4-FFF2-40B4-BE49-F238E27FC236}">
-                <a16:creationId xmlns:a16="http://schemas.microsoft.com/office/drawing/2014/main" id="{0BCA152E-DAAD-47B0-BAE6-3697DF3CA8B1}"/>
+                <a16:creationId xmlns:a16="http://schemas.microsoft.com/office/drawing/2014/main" id="{D920A82E-DB75-45BA-9E54-8EAD0CEB854E}"/>
+              </a:ext>
+            </a:extLst>
+          </p:cNvPr>
+          <p:cNvSpPr/>
+          <p:nvPr/>
+        </p:nvSpPr>
+        <p:spPr>
+          <a:xfrm>
+            <a:off x="6391633" y="17651474"/>
+            <a:ext cx="2689411" cy="2635624"/>
+          </a:xfrm>
+          <a:prstGeom prst="rect">
+            <a:avLst/>
+          </a:prstGeom>
+          <a:solidFill>
+            <a:schemeClr val="bg1"/>
+          </a:solidFill>
+          <a:ln>
+            <a:solidFill>
+              <a:schemeClr val="accent1"/>
+            </a:solidFill>
+          </a:ln>
+        </p:spPr>
+        <p:style>
+          <a:lnRef idx="2">
+            <a:schemeClr val="accent1">
+              <a:shade val="50000"/>
+            </a:schemeClr>
+          </a:lnRef>
+          <a:fillRef idx="1">
+            <a:schemeClr val="accent1"/>
+          </a:fillRef>
+          <a:effectRef idx="0">
+            <a:schemeClr val="accent1"/>
+          </a:effectRef>
+          <a:fontRef idx="minor">
+            <a:schemeClr val="lt1"/>
+          </a:fontRef>
+        </p:style>
+        <p:txBody>
+          <a:bodyPr rtlCol="0" anchor="ctr"/>
+          <a:lstStyle>
+            <a:defPPr>
+              <a:defRPr lang="en-US"/>
+            </a:defPPr>
+            <a:lvl1pPr marL="0" algn="l" defTabSz="457200" rtl="0" eaLnBrk="1" latinLnBrk="0" hangingPunct="1">
+              <a:defRPr sz="1800" kern="1200">
+                <a:solidFill>
+                  <a:schemeClr val="lt1"/>
+                </a:solidFill>
+                <a:latin typeface="+mn-lt"/>
+                <a:ea typeface="+mn-ea"/>
+                <a:cs typeface="+mn-cs"/>
+              </a:defRPr>
+            </a:lvl1pPr>
+            <a:lvl2pPr marL="457200" algn="l" defTabSz="457200" rtl="0" eaLnBrk="1" latinLnBrk="0" hangingPunct="1">
+              <a:defRPr sz="1800" kern="1200">
+                <a:solidFill>
+                  <a:schemeClr val="lt1"/>
+                </a:solidFill>
+                <a:latin typeface="+mn-lt"/>
+                <a:ea typeface="+mn-ea"/>
+                <a:cs typeface="+mn-cs"/>
+              </a:defRPr>
+            </a:lvl2pPr>
+            <a:lvl3pPr marL="914400" algn="l" defTabSz="457200" rtl="0" eaLnBrk="1" latinLnBrk="0" hangingPunct="1">
+              <a:defRPr sz="1800" kern="1200">
+                <a:solidFill>
+                  <a:schemeClr val="lt1"/>
+                </a:solidFill>
+                <a:latin typeface="+mn-lt"/>
+                <a:ea typeface="+mn-ea"/>
+                <a:cs typeface="+mn-cs"/>
+              </a:defRPr>
+            </a:lvl3pPr>
+            <a:lvl4pPr marL="1371600" algn="l" defTabSz="457200" rtl="0" eaLnBrk="1" latinLnBrk="0" hangingPunct="1">
+              <a:defRPr sz="1800" kern="1200">
+                <a:solidFill>
+                  <a:schemeClr val="lt1"/>
+                </a:solidFill>
+                <a:latin typeface="+mn-lt"/>
+                <a:ea typeface="+mn-ea"/>
+                <a:cs typeface="+mn-cs"/>
+              </a:defRPr>
+            </a:lvl4pPr>
+            <a:lvl5pPr marL="1828800" algn="l" defTabSz="457200" rtl="0" eaLnBrk="1" latinLnBrk="0" hangingPunct="1">
+              <a:defRPr sz="1800" kern="1200">
+                <a:solidFill>
+                  <a:schemeClr val="lt1"/>
+                </a:solidFill>
+                <a:latin typeface="+mn-lt"/>
+                <a:ea typeface="+mn-ea"/>
+                <a:cs typeface="+mn-cs"/>
+              </a:defRPr>
+            </a:lvl5pPr>
+            <a:lvl6pPr marL="2286000" algn="l" defTabSz="457200" rtl="0" eaLnBrk="1" latinLnBrk="0" hangingPunct="1">
+              <a:defRPr sz="1800" kern="1200">
+                <a:solidFill>
+                  <a:schemeClr val="lt1"/>
+                </a:solidFill>
+                <a:latin typeface="+mn-lt"/>
+                <a:ea typeface="+mn-ea"/>
+                <a:cs typeface="+mn-cs"/>
+              </a:defRPr>
+            </a:lvl6pPr>
+            <a:lvl7pPr marL="2743200" algn="l" defTabSz="457200" rtl="0" eaLnBrk="1" latinLnBrk="0" hangingPunct="1">
+              <a:defRPr sz="1800" kern="1200">
+                <a:solidFill>
+                  <a:schemeClr val="lt1"/>
+                </a:solidFill>
+                <a:latin typeface="+mn-lt"/>
+                <a:ea typeface="+mn-ea"/>
+                <a:cs typeface="+mn-cs"/>
+              </a:defRPr>
+            </a:lvl7pPr>
+            <a:lvl8pPr marL="3200400" algn="l" defTabSz="457200" rtl="0" eaLnBrk="1" latinLnBrk="0" hangingPunct="1">
+              <a:defRPr sz="1800" kern="1200">
+                <a:solidFill>
+                  <a:schemeClr val="lt1"/>
+                </a:solidFill>
+                <a:latin typeface="+mn-lt"/>
+                <a:ea typeface="+mn-ea"/>
+                <a:cs typeface="+mn-cs"/>
+              </a:defRPr>
+            </a:lvl8pPr>
+            <a:lvl9pPr marL="3657600" algn="l" defTabSz="457200" rtl="0" eaLnBrk="1" latinLnBrk="0" hangingPunct="1">
+              <a:defRPr sz="1800" kern="1200">
+                <a:solidFill>
+                  <a:schemeClr val="lt1"/>
+                </a:solidFill>
+                <a:latin typeface="+mn-lt"/>
+                <a:ea typeface="+mn-ea"/>
+                <a:cs typeface="+mn-cs"/>
+              </a:defRPr>
+            </a:lvl9pPr>
+          </a:lstStyle>
+          <a:p>
+            <a:pPr algn="ctr"/>
+            <a:r>
+              <a:rPr lang="en-US" sz="15000" dirty="0">
+                <a:solidFill>
+                  <a:srgbClr val="7030A0"/>
+                </a:solidFill>
+              </a:rPr>
+              <a:t>P</a:t>
+            </a:r>
+          </a:p>
+        </p:txBody>
+      </p:sp>
+      <p:sp>
+        <p:nvSpPr>
+          <p:cNvPr id="35" name="Rectangle 34">
+            <a:extLst>
+              <a:ext uri="{FF2B5EF4-FFF2-40B4-BE49-F238E27FC236}">
+                <a16:creationId xmlns:a16="http://schemas.microsoft.com/office/drawing/2014/main" id="{93BE5547-FA93-46A8-B34D-4F3CE8A1E883}"/>
+              </a:ext>
+            </a:extLst>
+          </p:cNvPr>
+          <p:cNvSpPr/>
+          <p:nvPr/>
+        </p:nvSpPr>
+        <p:spPr>
+          <a:xfrm>
+            <a:off x="6548354" y="22594451"/>
+            <a:ext cx="2689411" cy="2635624"/>
+          </a:xfrm>
+          <a:prstGeom prst="rect">
+            <a:avLst/>
+          </a:prstGeom>
+          <a:solidFill>
+            <a:schemeClr val="bg1"/>
+          </a:solidFill>
+        </p:spPr>
+        <p:style>
+          <a:lnRef idx="2">
+            <a:schemeClr val="accent1">
+              <a:shade val="50000"/>
+            </a:schemeClr>
+          </a:lnRef>
+          <a:fillRef idx="1">
+            <a:schemeClr val="accent1"/>
+          </a:fillRef>
+          <a:effectRef idx="0">
+            <a:schemeClr val="accent1"/>
+          </a:effectRef>
+          <a:fontRef idx="minor">
+            <a:schemeClr val="lt1"/>
+          </a:fontRef>
+        </p:style>
+        <p:txBody>
+          <a:bodyPr rtlCol="0" anchor="ctr"/>
+          <a:lstStyle>
+            <a:defPPr>
+              <a:defRPr lang="en-US"/>
+            </a:defPPr>
+            <a:lvl1pPr marL="0" algn="l" defTabSz="457200" rtl="0" eaLnBrk="1" latinLnBrk="0" hangingPunct="1">
+              <a:defRPr sz="1800" kern="1200">
+                <a:solidFill>
+                  <a:schemeClr val="lt1"/>
+                </a:solidFill>
+                <a:latin typeface="+mn-lt"/>
+                <a:ea typeface="+mn-ea"/>
+                <a:cs typeface="+mn-cs"/>
+              </a:defRPr>
+            </a:lvl1pPr>
+            <a:lvl2pPr marL="457200" algn="l" defTabSz="457200" rtl="0" eaLnBrk="1" latinLnBrk="0" hangingPunct="1">
+              <a:defRPr sz="1800" kern="1200">
+                <a:solidFill>
+                  <a:schemeClr val="lt1"/>
+                </a:solidFill>
+                <a:latin typeface="+mn-lt"/>
+                <a:ea typeface="+mn-ea"/>
+                <a:cs typeface="+mn-cs"/>
+              </a:defRPr>
+            </a:lvl2pPr>
+            <a:lvl3pPr marL="914400" algn="l" defTabSz="457200" rtl="0" eaLnBrk="1" latinLnBrk="0" hangingPunct="1">
+              <a:defRPr sz="1800" kern="1200">
+                <a:solidFill>
+                  <a:schemeClr val="lt1"/>
+                </a:solidFill>
+                <a:latin typeface="+mn-lt"/>
+                <a:ea typeface="+mn-ea"/>
+                <a:cs typeface="+mn-cs"/>
+              </a:defRPr>
+            </a:lvl3pPr>
+            <a:lvl4pPr marL="1371600" algn="l" defTabSz="457200" rtl="0" eaLnBrk="1" latinLnBrk="0" hangingPunct="1">
+              <a:defRPr sz="1800" kern="1200">
+                <a:solidFill>
+                  <a:schemeClr val="lt1"/>
+                </a:solidFill>
+                <a:latin typeface="+mn-lt"/>
+                <a:ea typeface="+mn-ea"/>
+                <a:cs typeface="+mn-cs"/>
+              </a:defRPr>
+            </a:lvl4pPr>
+            <a:lvl5pPr marL="1828800" algn="l" defTabSz="457200" rtl="0" eaLnBrk="1" latinLnBrk="0" hangingPunct="1">
+              <a:defRPr sz="1800" kern="1200">
+                <a:solidFill>
+                  <a:schemeClr val="lt1"/>
+                </a:solidFill>
+                <a:latin typeface="+mn-lt"/>
+                <a:ea typeface="+mn-ea"/>
+                <a:cs typeface="+mn-cs"/>
+              </a:defRPr>
+            </a:lvl5pPr>
+            <a:lvl6pPr marL="2286000" algn="l" defTabSz="457200" rtl="0" eaLnBrk="1" latinLnBrk="0" hangingPunct="1">
+              <a:defRPr sz="1800" kern="1200">
+                <a:solidFill>
+                  <a:schemeClr val="lt1"/>
+                </a:solidFill>
+                <a:latin typeface="+mn-lt"/>
+                <a:ea typeface="+mn-ea"/>
+                <a:cs typeface="+mn-cs"/>
+              </a:defRPr>
+            </a:lvl6pPr>
+            <a:lvl7pPr marL="2743200" algn="l" defTabSz="457200" rtl="0" eaLnBrk="1" latinLnBrk="0" hangingPunct="1">
+              <a:defRPr sz="1800" kern="1200">
+                <a:solidFill>
+                  <a:schemeClr val="lt1"/>
+                </a:solidFill>
+                <a:latin typeface="+mn-lt"/>
+                <a:ea typeface="+mn-ea"/>
+                <a:cs typeface="+mn-cs"/>
+              </a:defRPr>
+            </a:lvl7pPr>
+            <a:lvl8pPr marL="3200400" algn="l" defTabSz="457200" rtl="0" eaLnBrk="1" latinLnBrk="0" hangingPunct="1">
+              <a:defRPr sz="1800" kern="1200">
+                <a:solidFill>
+                  <a:schemeClr val="lt1"/>
+                </a:solidFill>
+                <a:latin typeface="+mn-lt"/>
+                <a:ea typeface="+mn-ea"/>
+                <a:cs typeface="+mn-cs"/>
+              </a:defRPr>
+            </a:lvl8pPr>
+            <a:lvl9pPr marL="3657600" algn="l" defTabSz="457200" rtl="0" eaLnBrk="1" latinLnBrk="0" hangingPunct="1">
+              <a:defRPr sz="1800" kern="1200">
+                <a:solidFill>
+                  <a:schemeClr val="lt1"/>
+                </a:solidFill>
+                <a:latin typeface="+mn-lt"/>
+                <a:ea typeface="+mn-ea"/>
+                <a:cs typeface="+mn-cs"/>
+              </a:defRPr>
+            </a:lvl9pPr>
+          </a:lstStyle>
+          <a:p>
+            <a:pPr algn="ctr"/>
+            <a:r>
+              <a:rPr lang="en-US" sz="15000" dirty="0">
+                <a:solidFill>
+                  <a:srgbClr val="7030A0"/>
+                </a:solidFill>
+              </a:rPr>
+              <a:t>I</a:t>
+            </a:r>
+          </a:p>
+        </p:txBody>
+      </p:sp>
+      <p:cxnSp>
+        <p:nvCxnSpPr>
+          <p:cNvPr id="36" name="Straight Arrow Connector 35">
+            <a:extLst>
+              <a:ext uri="{FF2B5EF4-FFF2-40B4-BE49-F238E27FC236}">
+                <a16:creationId xmlns:a16="http://schemas.microsoft.com/office/drawing/2014/main" id="{39D53B80-1D53-415E-9BC9-5B1040B5BF05}"/>
+              </a:ext>
+            </a:extLst>
+          </p:cNvPr>
+          <p:cNvCxnSpPr>
+            <a:cxnSpLocks/>
+          </p:cNvCxnSpPr>
+          <p:nvPr/>
+        </p:nvCxnSpPr>
+        <p:spPr>
+          <a:xfrm>
+            <a:off x="9081044" y="19105376"/>
+            <a:ext cx="4045553" cy="0"/>
+          </a:xfrm>
+          <a:prstGeom prst="straightConnector1">
+            <a:avLst/>
+          </a:prstGeom>
+          <a:ln w="381000">
+            <a:solidFill>
+              <a:schemeClr val="bg1"/>
+            </a:solidFill>
+            <a:tailEnd type="triangle"/>
+          </a:ln>
+        </p:spPr>
+        <p:style>
+          <a:lnRef idx="1">
+            <a:schemeClr val="accent1"/>
+          </a:lnRef>
+          <a:fillRef idx="0">
+            <a:schemeClr val="accent1"/>
+          </a:fillRef>
+          <a:effectRef idx="0">
+            <a:schemeClr val="accent1"/>
+          </a:effectRef>
+          <a:fontRef idx="minor">
+            <a:schemeClr val="tx1"/>
+          </a:fontRef>
+        </p:style>
+      </p:cxnSp>
+      <p:cxnSp>
+        <p:nvCxnSpPr>
+          <p:cNvPr id="37" name="Straight Arrow Connector 36">
+            <a:extLst>
+              <a:ext uri="{FF2B5EF4-FFF2-40B4-BE49-F238E27FC236}">
+                <a16:creationId xmlns:a16="http://schemas.microsoft.com/office/drawing/2014/main" id="{E84CCC9E-0B43-438F-AE81-2D4FF5AB2B8A}"/>
+              </a:ext>
+            </a:extLst>
+          </p:cNvPr>
+          <p:cNvCxnSpPr>
+            <a:cxnSpLocks/>
+          </p:cNvCxnSpPr>
+          <p:nvPr/>
+        </p:nvCxnSpPr>
+        <p:spPr>
+          <a:xfrm>
+            <a:off x="9329413" y="23912263"/>
+            <a:ext cx="3633580" cy="0"/>
+          </a:xfrm>
+          <a:prstGeom prst="straightConnector1">
+            <a:avLst/>
+          </a:prstGeom>
+          <a:ln w="381000">
+            <a:solidFill>
+              <a:schemeClr val="bg1"/>
+            </a:solidFill>
+            <a:tailEnd type="triangle"/>
+          </a:ln>
+        </p:spPr>
+        <p:style>
+          <a:lnRef idx="1">
+            <a:schemeClr val="accent1"/>
+          </a:lnRef>
+          <a:fillRef idx="0">
+            <a:schemeClr val="accent1"/>
+          </a:fillRef>
+          <a:effectRef idx="0">
+            <a:schemeClr val="accent1"/>
+          </a:effectRef>
+          <a:fontRef idx="minor">
+            <a:schemeClr val="tx1"/>
+          </a:fontRef>
+        </p:style>
+      </p:cxnSp>
+      <p:cxnSp>
+        <p:nvCxnSpPr>
+          <p:cNvPr id="38" name="Straight Arrow Connector 37">
+            <a:extLst>
+              <a:ext uri="{FF2B5EF4-FFF2-40B4-BE49-F238E27FC236}">
+                <a16:creationId xmlns:a16="http://schemas.microsoft.com/office/drawing/2014/main" id="{1A5A6D9B-0874-445F-846F-BC1BE386F154}"/>
+              </a:ext>
+            </a:extLst>
+          </p:cNvPr>
+          <p:cNvCxnSpPr>
+            <a:cxnSpLocks/>
+          </p:cNvCxnSpPr>
+          <p:nvPr/>
+        </p:nvCxnSpPr>
+        <p:spPr>
+          <a:xfrm>
+            <a:off x="2502801" y="23912263"/>
+            <a:ext cx="4045553" cy="0"/>
+          </a:xfrm>
+          <a:prstGeom prst="straightConnector1">
+            <a:avLst/>
+          </a:prstGeom>
+          <a:ln w="381000">
+            <a:solidFill>
+              <a:schemeClr val="bg1"/>
+            </a:solidFill>
+            <a:tailEnd type="triangle"/>
+          </a:ln>
+        </p:spPr>
+        <p:style>
+          <a:lnRef idx="1">
+            <a:schemeClr val="accent1"/>
+          </a:lnRef>
+          <a:fillRef idx="0">
+            <a:schemeClr val="accent1"/>
+          </a:fillRef>
+          <a:effectRef idx="0">
+            <a:schemeClr val="accent1"/>
+          </a:effectRef>
+          <a:fontRef idx="minor">
+            <a:schemeClr val="tx1"/>
+          </a:fontRef>
+        </p:style>
+      </p:cxnSp>
+      <p:sp>
+        <p:nvSpPr>
+          <p:cNvPr id="39" name="TextBox 9">
+            <a:extLst>
+              <a:ext uri="{FF2B5EF4-FFF2-40B4-BE49-F238E27FC236}">
+                <a16:creationId xmlns:a16="http://schemas.microsoft.com/office/drawing/2014/main" id="{B47C075B-BD03-4409-8622-945986426B2D}"/>
               </a:ext>
             </a:extLst>
           </p:cNvPr>
@@ -3679,8 +4087,8 @@
         </p:nvSpPr>
         <p:spPr>
           <a:xfrm>
-            <a:off x="673634" y="312968"/>
-            <a:ext cx="6533973" cy="1200329"/>
+            <a:off x="565998" y="18254444"/>
+            <a:ext cx="4547369" cy="1015663"/>
           </a:xfrm>
           <a:prstGeom prst="rect">
             <a:avLst/>
@@ -3691,91 +4099,1252 @@
           <a:bodyPr wrap="square" rtlCol="0">
             <a:spAutoFit/>
           </a:bodyPr>
-          <a:lstStyle/>
-          <a:p>
-            <a:r>
-              <a:rPr lang="es-419" sz="3600" b="1" kern="1200" dirty="0" err="1">
-                <a:solidFill>
-                  <a:srgbClr val="7030A0"/>
-                </a:solidFill>
-                <a:latin typeface="+mn-lt"/>
-                <a:ea typeface="+mn-ea"/>
-                <a:cs typeface="+mn-cs"/>
+          <a:lstStyle>
+            <a:defPPr>
+              <a:defRPr lang="en-US"/>
+            </a:defPPr>
+            <a:lvl1pPr marL="0" algn="l" defTabSz="457200" rtl="0" eaLnBrk="1" latinLnBrk="0" hangingPunct="1">
+              <a:defRPr sz="1800" kern="1200">
+                <a:solidFill>
+                  <a:schemeClr val="tx1"/>
+                </a:solidFill>
+                <a:latin typeface="+mn-lt"/>
+                <a:ea typeface="+mn-ea"/>
+                <a:cs typeface="+mn-cs"/>
+              </a:defRPr>
+            </a:lvl1pPr>
+            <a:lvl2pPr marL="457200" algn="l" defTabSz="457200" rtl="0" eaLnBrk="1" latinLnBrk="0" hangingPunct="1">
+              <a:defRPr sz="1800" kern="1200">
+                <a:solidFill>
+                  <a:schemeClr val="tx1"/>
+                </a:solidFill>
+                <a:latin typeface="+mn-lt"/>
+                <a:ea typeface="+mn-ea"/>
+                <a:cs typeface="+mn-cs"/>
+              </a:defRPr>
+            </a:lvl2pPr>
+            <a:lvl3pPr marL="914400" algn="l" defTabSz="457200" rtl="0" eaLnBrk="1" latinLnBrk="0" hangingPunct="1">
+              <a:defRPr sz="1800" kern="1200">
+                <a:solidFill>
+                  <a:schemeClr val="tx1"/>
+                </a:solidFill>
+                <a:latin typeface="+mn-lt"/>
+                <a:ea typeface="+mn-ea"/>
+                <a:cs typeface="+mn-cs"/>
+              </a:defRPr>
+            </a:lvl3pPr>
+            <a:lvl4pPr marL="1371600" algn="l" defTabSz="457200" rtl="0" eaLnBrk="1" latinLnBrk="0" hangingPunct="1">
+              <a:defRPr sz="1800" kern="1200">
+                <a:solidFill>
+                  <a:schemeClr val="tx1"/>
+                </a:solidFill>
+                <a:latin typeface="+mn-lt"/>
+                <a:ea typeface="+mn-ea"/>
+                <a:cs typeface="+mn-cs"/>
+              </a:defRPr>
+            </a:lvl4pPr>
+            <a:lvl5pPr marL="1828800" algn="l" defTabSz="457200" rtl="0" eaLnBrk="1" latinLnBrk="0" hangingPunct="1">
+              <a:defRPr sz="1800" kern="1200">
+                <a:solidFill>
+                  <a:schemeClr val="tx1"/>
+                </a:solidFill>
+                <a:latin typeface="+mn-lt"/>
+                <a:ea typeface="+mn-ea"/>
+                <a:cs typeface="+mn-cs"/>
+              </a:defRPr>
+            </a:lvl5pPr>
+            <a:lvl6pPr marL="2286000" algn="l" defTabSz="457200" rtl="0" eaLnBrk="1" latinLnBrk="0" hangingPunct="1">
+              <a:defRPr sz="1800" kern="1200">
+                <a:solidFill>
+                  <a:schemeClr val="tx1"/>
+                </a:solidFill>
+                <a:latin typeface="+mn-lt"/>
+                <a:ea typeface="+mn-ea"/>
+                <a:cs typeface="+mn-cs"/>
+              </a:defRPr>
+            </a:lvl6pPr>
+            <a:lvl7pPr marL="2743200" algn="l" defTabSz="457200" rtl="0" eaLnBrk="1" latinLnBrk="0" hangingPunct="1">
+              <a:defRPr sz="1800" kern="1200">
+                <a:solidFill>
+                  <a:schemeClr val="tx1"/>
+                </a:solidFill>
+                <a:latin typeface="+mn-lt"/>
+                <a:ea typeface="+mn-ea"/>
+                <a:cs typeface="+mn-cs"/>
+              </a:defRPr>
+            </a:lvl7pPr>
+            <a:lvl8pPr marL="3200400" algn="l" defTabSz="457200" rtl="0" eaLnBrk="1" latinLnBrk="0" hangingPunct="1">
+              <a:defRPr sz="1800" kern="1200">
+                <a:solidFill>
+                  <a:schemeClr val="tx1"/>
+                </a:solidFill>
+                <a:latin typeface="+mn-lt"/>
+                <a:ea typeface="+mn-ea"/>
+                <a:cs typeface="+mn-cs"/>
+              </a:defRPr>
+            </a:lvl8pPr>
+            <a:lvl9pPr marL="3657600" algn="l" defTabSz="457200" rtl="0" eaLnBrk="1" latinLnBrk="0" hangingPunct="1">
+              <a:defRPr sz="1800" kern="1200">
+                <a:solidFill>
+                  <a:schemeClr val="tx1"/>
+                </a:solidFill>
+                <a:latin typeface="+mn-lt"/>
+                <a:ea typeface="+mn-ea"/>
+                <a:cs typeface="+mn-cs"/>
+              </a:defRPr>
+            </a:lvl9pPr>
+          </a:lstStyle>
+          <a:p>
+            <a:pPr algn="ctr"/>
+            <a:r>
+              <a:rPr lang="en-US" sz="6000" b="1" dirty="0">
+                <a:solidFill>
+                  <a:schemeClr val="bg1"/>
+                </a:solidFill>
               </a:rPr>
-              <a:t>What</a:t>
-            </a:r>
-            <a:r>
-              <a:rPr lang="es-419" sz="3600" b="1" kern="1200" dirty="0">
-                <a:solidFill>
-                  <a:srgbClr val="7030A0"/>
-                </a:solidFill>
-                <a:latin typeface="+mn-lt"/>
-                <a:ea typeface="+mn-ea"/>
-                <a:cs typeface="+mn-cs"/>
+              <a:t>Replication  </a:t>
+            </a:r>
+          </a:p>
+        </p:txBody>
+      </p:sp>
+      <p:sp>
+        <p:nvSpPr>
+          <p:cNvPr id="40" name="TextBox 30">
+            <a:extLst>
+              <a:ext uri="{FF2B5EF4-FFF2-40B4-BE49-F238E27FC236}">
+                <a16:creationId xmlns:a16="http://schemas.microsoft.com/office/drawing/2014/main" id="{A980871D-26C3-4C85-946D-E2CA44FFE76C}"/>
+              </a:ext>
+            </a:extLst>
+          </p:cNvPr>
+          <p:cNvSpPr txBox="1"/>
+          <p:nvPr/>
+        </p:nvSpPr>
+        <p:spPr>
+          <a:xfrm>
+            <a:off x="9428807" y="16707246"/>
+            <a:ext cx="5637781" cy="1938992"/>
+          </a:xfrm>
+          <a:prstGeom prst="rect">
+            <a:avLst/>
+          </a:prstGeom>
+          <a:noFill/>
+        </p:spPr>
+        <p:txBody>
+          <a:bodyPr wrap="square" rtlCol="0">
+            <a:spAutoFit/>
+          </a:bodyPr>
+          <a:lstStyle>
+            <a:defPPr>
+              <a:defRPr lang="en-US"/>
+            </a:defPPr>
+            <a:lvl1pPr marL="0" algn="l" defTabSz="457200" rtl="0" eaLnBrk="1" latinLnBrk="0" hangingPunct="1">
+              <a:defRPr sz="1800" kern="1200">
+                <a:solidFill>
+                  <a:schemeClr val="tx1"/>
+                </a:solidFill>
+                <a:latin typeface="+mn-lt"/>
+                <a:ea typeface="+mn-ea"/>
+                <a:cs typeface="+mn-cs"/>
+              </a:defRPr>
+            </a:lvl1pPr>
+            <a:lvl2pPr marL="457200" algn="l" defTabSz="457200" rtl="0" eaLnBrk="1" latinLnBrk="0" hangingPunct="1">
+              <a:defRPr sz="1800" kern="1200">
+                <a:solidFill>
+                  <a:schemeClr val="tx1"/>
+                </a:solidFill>
+                <a:latin typeface="+mn-lt"/>
+                <a:ea typeface="+mn-ea"/>
+                <a:cs typeface="+mn-cs"/>
+              </a:defRPr>
+            </a:lvl2pPr>
+            <a:lvl3pPr marL="914400" algn="l" defTabSz="457200" rtl="0" eaLnBrk="1" latinLnBrk="0" hangingPunct="1">
+              <a:defRPr sz="1800" kern="1200">
+                <a:solidFill>
+                  <a:schemeClr val="tx1"/>
+                </a:solidFill>
+                <a:latin typeface="+mn-lt"/>
+                <a:ea typeface="+mn-ea"/>
+                <a:cs typeface="+mn-cs"/>
+              </a:defRPr>
+            </a:lvl3pPr>
+            <a:lvl4pPr marL="1371600" algn="l" defTabSz="457200" rtl="0" eaLnBrk="1" latinLnBrk="0" hangingPunct="1">
+              <a:defRPr sz="1800" kern="1200">
+                <a:solidFill>
+                  <a:schemeClr val="tx1"/>
+                </a:solidFill>
+                <a:latin typeface="+mn-lt"/>
+                <a:ea typeface="+mn-ea"/>
+                <a:cs typeface="+mn-cs"/>
+              </a:defRPr>
+            </a:lvl4pPr>
+            <a:lvl5pPr marL="1828800" algn="l" defTabSz="457200" rtl="0" eaLnBrk="1" latinLnBrk="0" hangingPunct="1">
+              <a:defRPr sz="1800" kern="1200">
+                <a:solidFill>
+                  <a:schemeClr val="tx1"/>
+                </a:solidFill>
+                <a:latin typeface="+mn-lt"/>
+                <a:ea typeface="+mn-ea"/>
+                <a:cs typeface="+mn-cs"/>
+              </a:defRPr>
+            </a:lvl5pPr>
+            <a:lvl6pPr marL="2286000" algn="l" defTabSz="457200" rtl="0" eaLnBrk="1" latinLnBrk="0" hangingPunct="1">
+              <a:defRPr sz="1800" kern="1200">
+                <a:solidFill>
+                  <a:schemeClr val="tx1"/>
+                </a:solidFill>
+                <a:latin typeface="+mn-lt"/>
+                <a:ea typeface="+mn-ea"/>
+                <a:cs typeface="+mn-cs"/>
+              </a:defRPr>
+            </a:lvl6pPr>
+            <a:lvl7pPr marL="2743200" algn="l" defTabSz="457200" rtl="0" eaLnBrk="1" latinLnBrk="0" hangingPunct="1">
+              <a:defRPr sz="1800" kern="1200">
+                <a:solidFill>
+                  <a:schemeClr val="tx1"/>
+                </a:solidFill>
+                <a:latin typeface="+mn-lt"/>
+                <a:ea typeface="+mn-ea"/>
+                <a:cs typeface="+mn-cs"/>
+              </a:defRPr>
+            </a:lvl7pPr>
+            <a:lvl8pPr marL="3200400" algn="l" defTabSz="457200" rtl="0" eaLnBrk="1" latinLnBrk="0" hangingPunct="1">
+              <a:defRPr sz="1800" kern="1200">
+                <a:solidFill>
+                  <a:schemeClr val="tx1"/>
+                </a:solidFill>
+                <a:latin typeface="+mn-lt"/>
+                <a:ea typeface="+mn-ea"/>
+                <a:cs typeface="+mn-cs"/>
+              </a:defRPr>
+            </a:lvl8pPr>
+            <a:lvl9pPr marL="3657600" algn="l" defTabSz="457200" rtl="0" eaLnBrk="1" latinLnBrk="0" hangingPunct="1">
+              <a:defRPr sz="1800" kern="1200">
+                <a:solidFill>
+                  <a:schemeClr val="tx1"/>
+                </a:solidFill>
+                <a:latin typeface="+mn-lt"/>
+                <a:ea typeface="+mn-ea"/>
+                <a:cs typeface="+mn-cs"/>
+              </a:defRPr>
+            </a:lvl9pPr>
+          </a:lstStyle>
+          <a:p>
+            <a:r>
+              <a:rPr lang="en-US" sz="6000" b="1" dirty="0">
+                <a:solidFill>
+                  <a:schemeClr val="bg1"/>
+                </a:solidFill>
               </a:rPr>
-              <a:t> causes </a:t>
-            </a:r>
-            <a:r>
-              <a:rPr lang="es-419" sz="3600" b="1" kern="1200" dirty="0" err="1">
-                <a:solidFill>
-                  <a:srgbClr val="7030A0"/>
-                </a:solidFill>
-                <a:latin typeface="+mn-lt"/>
-                <a:ea typeface="+mn-ea"/>
-                <a:cs typeface="+mn-cs"/>
+              <a:t>Immune clearance</a:t>
+            </a:r>
+          </a:p>
+        </p:txBody>
+      </p:sp>
+      <p:sp>
+        <p:nvSpPr>
+          <p:cNvPr id="41" name="TextBox 32">
+            <a:extLst>
+              <a:ext uri="{FF2B5EF4-FFF2-40B4-BE49-F238E27FC236}">
+                <a16:creationId xmlns:a16="http://schemas.microsoft.com/office/drawing/2014/main" id="{77684374-B041-48B8-8B9D-4397984CD4BD}"/>
+              </a:ext>
+            </a:extLst>
+          </p:cNvPr>
+          <p:cNvSpPr txBox="1"/>
+          <p:nvPr/>
+        </p:nvSpPr>
+        <p:spPr>
+          <a:xfrm>
+            <a:off x="9590433" y="22354765"/>
+            <a:ext cx="5637781" cy="1015663"/>
+          </a:xfrm>
+          <a:prstGeom prst="rect">
+            <a:avLst/>
+          </a:prstGeom>
+          <a:noFill/>
+        </p:spPr>
+        <p:txBody>
+          <a:bodyPr wrap="square" rtlCol="0">
+            <a:spAutoFit/>
+          </a:bodyPr>
+          <a:lstStyle>
+            <a:defPPr>
+              <a:defRPr lang="en-US"/>
+            </a:defPPr>
+            <a:lvl1pPr marL="0" algn="l" defTabSz="457200" rtl="0" eaLnBrk="1" latinLnBrk="0" hangingPunct="1">
+              <a:defRPr sz="1800" kern="1200">
+                <a:solidFill>
+                  <a:schemeClr val="tx1"/>
+                </a:solidFill>
+                <a:latin typeface="+mn-lt"/>
+                <a:ea typeface="+mn-ea"/>
+                <a:cs typeface="+mn-cs"/>
+              </a:defRPr>
+            </a:lvl1pPr>
+            <a:lvl2pPr marL="457200" algn="l" defTabSz="457200" rtl="0" eaLnBrk="1" latinLnBrk="0" hangingPunct="1">
+              <a:defRPr sz="1800" kern="1200">
+                <a:solidFill>
+                  <a:schemeClr val="tx1"/>
+                </a:solidFill>
+                <a:latin typeface="+mn-lt"/>
+                <a:ea typeface="+mn-ea"/>
+                <a:cs typeface="+mn-cs"/>
+              </a:defRPr>
+            </a:lvl2pPr>
+            <a:lvl3pPr marL="914400" algn="l" defTabSz="457200" rtl="0" eaLnBrk="1" latinLnBrk="0" hangingPunct="1">
+              <a:defRPr sz="1800" kern="1200">
+                <a:solidFill>
+                  <a:schemeClr val="tx1"/>
+                </a:solidFill>
+                <a:latin typeface="+mn-lt"/>
+                <a:ea typeface="+mn-ea"/>
+                <a:cs typeface="+mn-cs"/>
+              </a:defRPr>
+            </a:lvl3pPr>
+            <a:lvl4pPr marL="1371600" algn="l" defTabSz="457200" rtl="0" eaLnBrk="1" latinLnBrk="0" hangingPunct="1">
+              <a:defRPr sz="1800" kern="1200">
+                <a:solidFill>
+                  <a:schemeClr val="tx1"/>
+                </a:solidFill>
+                <a:latin typeface="+mn-lt"/>
+                <a:ea typeface="+mn-ea"/>
+                <a:cs typeface="+mn-cs"/>
+              </a:defRPr>
+            </a:lvl4pPr>
+            <a:lvl5pPr marL="1828800" algn="l" defTabSz="457200" rtl="0" eaLnBrk="1" latinLnBrk="0" hangingPunct="1">
+              <a:defRPr sz="1800" kern="1200">
+                <a:solidFill>
+                  <a:schemeClr val="tx1"/>
+                </a:solidFill>
+                <a:latin typeface="+mn-lt"/>
+                <a:ea typeface="+mn-ea"/>
+                <a:cs typeface="+mn-cs"/>
+              </a:defRPr>
+            </a:lvl5pPr>
+            <a:lvl6pPr marL="2286000" algn="l" defTabSz="457200" rtl="0" eaLnBrk="1" latinLnBrk="0" hangingPunct="1">
+              <a:defRPr sz="1800" kern="1200">
+                <a:solidFill>
+                  <a:schemeClr val="tx1"/>
+                </a:solidFill>
+                <a:latin typeface="+mn-lt"/>
+                <a:ea typeface="+mn-ea"/>
+                <a:cs typeface="+mn-cs"/>
+              </a:defRPr>
+            </a:lvl6pPr>
+            <a:lvl7pPr marL="2743200" algn="l" defTabSz="457200" rtl="0" eaLnBrk="1" latinLnBrk="0" hangingPunct="1">
+              <a:defRPr sz="1800" kern="1200">
+                <a:solidFill>
+                  <a:schemeClr val="tx1"/>
+                </a:solidFill>
+                <a:latin typeface="+mn-lt"/>
+                <a:ea typeface="+mn-ea"/>
+                <a:cs typeface="+mn-cs"/>
+              </a:defRPr>
+            </a:lvl7pPr>
+            <a:lvl8pPr marL="3200400" algn="l" defTabSz="457200" rtl="0" eaLnBrk="1" latinLnBrk="0" hangingPunct="1">
+              <a:defRPr sz="1800" kern="1200">
+                <a:solidFill>
+                  <a:schemeClr val="tx1"/>
+                </a:solidFill>
+                <a:latin typeface="+mn-lt"/>
+                <a:ea typeface="+mn-ea"/>
+                <a:cs typeface="+mn-cs"/>
+              </a:defRPr>
+            </a:lvl8pPr>
+            <a:lvl9pPr marL="3657600" algn="l" defTabSz="457200" rtl="0" eaLnBrk="1" latinLnBrk="0" hangingPunct="1">
+              <a:defRPr sz="1800" kern="1200">
+                <a:solidFill>
+                  <a:schemeClr val="tx1"/>
+                </a:solidFill>
+                <a:latin typeface="+mn-lt"/>
+                <a:ea typeface="+mn-ea"/>
+                <a:cs typeface="+mn-cs"/>
+              </a:defRPr>
+            </a:lvl9pPr>
+          </a:lstStyle>
+          <a:p>
+            <a:r>
+              <a:rPr lang="en-US" sz="6000" b="1" dirty="0">
+                <a:solidFill>
+                  <a:schemeClr val="bg1"/>
+                </a:solidFill>
               </a:rPr>
-              <a:t>pre-symptomatic</a:t>
-            </a:r>
-            <a:r>
-              <a:rPr lang="es-419" sz="3600" b="1" kern="1200" dirty="0">
-                <a:solidFill>
-                  <a:srgbClr val="7030A0"/>
-                </a:solidFill>
-                <a:latin typeface="+mn-lt"/>
-                <a:ea typeface="+mn-ea"/>
-                <a:cs typeface="+mn-cs"/>
+              <a:t>Baseline death</a:t>
+            </a:r>
+          </a:p>
+        </p:txBody>
+      </p:sp>
+      <p:sp>
+        <p:nvSpPr>
+          <p:cNvPr id="44" name="TextBox 33">
+            <a:extLst>
+              <a:ext uri="{FF2B5EF4-FFF2-40B4-BE49-F238E27FC236}">
+                <a16:creationId xmlns:a16="http://schemas.microsoft.com/office/drawing/2014/main" id="{0F1FBCAE-E04F-45A3-A57D-6BABE0A616D1}"/>
+              </a:ext>
+            </a:extLst>
+          </p:cNvPr>
+          <p:cNvSpPr txBox="1"/>
+          <p:nvPr/>
+        </p:nvSpPr>
+        <p:spPr>
+          <a:xfrm>
+            <a:off x="8435585" y="20304091"/>
+            <a:ext cx="5637781" cy="1938992"/>
+          </a:xfrm>
+          <a:prstGeom prst="rect">
+            <a:avLst/>
+          </a:prstGeom>
+          <a:noFill/>
+        </p:spPr>
+        <p:txBody>
+          <a:bodyPr wrap="square" rtlCol="0">
+            <a:spAutoFit/>
+          </a:bodyPr>
+          <a:lstStyle>
+            <a:defPPr>
+              <a:defRPr lang="en-US"/>
+            </a:defPPr>
+            <a:lvl1pPr marL="0" algn="l" defTabSz="457200" rtl="0" eaLnBrk="1" latinLnBrk="0" hangingPunct="1">
+              <a:defRPr sz="1800" kern="1200">
+                <a:solidFill>
+                  <a:schemeClr val="tx1"/>
+                </a:solidFill>
+                <a:latin typeface="+mn-lt"/>
+                <a:ea typeface="+mn-ea"/>
+                <a:cs typeface="+mn-cs"/>
+              </a:defRPr>
+            </a:lvl1pPr>
+            <a:lvl2pPr marL="457200" algn="l" defTabSz="457200" rtl="0" eaLnBrk="1" latinLnBrk="0" hangingPunct="1">
+              <a:defRPr sz="1800" kern="1200">
+                <a:solidFill>
+                  <a:schemeClr val="tx1"/>
+                </a:solidFill>
+                <a:latin typeface="+mn-lt"/>
+                <a:ea typeface="+mn-ea"/>
+                <a:cs typeface="+mn-cs"/>
+              </a:defRPr>
+            </a:lvl2pPr>
+            <a:lvl3pPr marL="914400" algn="l" defTabSz="457200" rtl="0" eaLnBrk="1" latinLnBrk="0" hangingPunct="1">
+              <a:defRPr sz="1800" kern="1200">
+                <a:solidFill>
+                  <a:schemeClr val="tx1"/>
+                </a:solidFill>
+                <a:latin typeface="+mn-lt"/>
+                <a:ea typeface="+mn-ea"/>
+                <a:cs typeface="+mn-cs"/>
+              </a:defRPr>
+            </a:lvl3pPr>
+            <a:lvl4pPr marL="1371600" algn="l" defTabSz="457200" rtl="0" eaLnBrk="1" latinLnBrk="0" hangingPunct="1">
+              <a:defRPr sz="1800" kern="1200">
+                <a:solidFill>
+                  <a:schemeClr val="tx1"/>
+                </a:solidFill>
+                <a:latin typeface="+mn-lt"/>
+                <a:ea typeface="+mn-ea"/>
+                <a:cs typeface="+mn-cs"/>
+              </a:defRPr>
+            </a:lvl4pPr>
+            <a:lvl5pPr marL="1828800" algn="l" defTabSz="457200" rtl="0" eaLnBrk="1" latinLnBrk="0" hangingPunct="1">
+              <a:defRPr sz="1800" kern="1200">
+                <a:solidFill>
+                  <a:schemeClr val="tx1"/>
+                </a:solidFill>
+                <a:latin typeface="+mn-lt"/>
+                <a:ea typeface="+mn-ea"/>
+                <a:cs typeface="+mn-cs"/>
+              </a:defRPr>
+            </a:lvl5pPr>
+            <a:lvl6pPr marL="2286000" algn="l" defTabSz="457200" rtl="0" eaLnBrk="1" latinLnBrk="0" hangingPunct="1">
+              <a:defRPr sz="1800" kern="1200">
+                <a:solidFill>
+                  <a:schemeClr val="tx1"/>
+                </a:solidFill>
+                <a:latin typeface="+mn-lt"/>
+                <a:ea typeface="+mn-ea"/>
+                <a:cs typeface="+mn-cs"/>
+              </a:defRPr>
+            </a:lvl6pPr>
+            <a:lvl7pPr marL="2743200" algn="l" defTabSz="457200" rtl="0" eaLnBrk="1" latinLnBrk="0" hangingPunct="1">
+              <a:defRPr sz="1800" kern="1200">
+                <a:solidFill>
+                  <a:schemeClr val="tx1"/>
+                </a:solidFill>
+                <a:latin typeface="+mn-lt"/>
+                <a:ea typeface="+mn-ea"/>
+                <a:cs typeface="+mn-cs"/>
+              </a:defRPr>
+            </a:lvl7pPr>
+            <a:lvl8pPr marL="3200400" algn="l" defTabSz="457200" rtl="0" eaLnBrk="1" latinLnBrk="0" hangingPunct="1">
+              <a:defRPr sz="1800" kern="1200">
+                <a:solidFill>
+                  <a:schemeClr val="tx1"/>
+                </a:solidFill>
+                <a:latin typeface="+mn-lt"/>
+                <a:ea typeface="+mn-ea"/>
+                <a:cs typeface="+mn-cs"/>
+              </a:defRPr>
+            </a:lvl8pPr>
+            <a:lvl9pPr marL="3657600" algn="l" defTabSz="457200" rtl="0" eaLnBrk="1" latinLnBrk="0" hangingPunct="1">
+              <a:defRPr sz="1800" kern="1200">
+                <a:solidFill>
+                  <a:schemeClr val="tx1"/>
+                </a:solidFill>
+                <a:latin typeface="+mn-lt"/>
+                <a:ea typeface="+mn-ea"/>
+                <a:cs typeface="+mn-cs"/>
+              </a:defRPr>
+            </a:lvl9pPr>
+          </a:lstStyle>
+          <a:p>
+            <a:r>
+              <a:rPr lang="en-US" sz="6000" b="1" dirty="0">
+                <a:solidFill>
+                  <a:schemeClr val="bg1"/>
+                </a:solidFill>
+                <a:latin typeface="Roboto" panose="020B0604020202020204" pitchFamily="2" charset="0"/>
               </a:rPr>
-              <a:t> </a:t>
-            </a:r>
-            <a:r>
-              <a:rPr lang="es-419" sz="3600" b="1" kern="1200" dirty="0" err="1">
-                <a:solidFill>
-                  <a:srgbClr val="7030A0"/>
-                </a:solidFill>
-                <a:latin typeface="+mn-lt"/>
-                <a:ea typeface="+mn-ea"/>
-                <a:cs typeface="+mn-cs"/>
+              <a:t>Immune recruitment</a:t>
+            </a:r>
+            <a:endParaRPr lang="en-US" sz="6000" b="1" dirty="0">
+              <a:solidFill>
+                <a:schemeClr val="bg1"/>
+              </a:solidFill>
+            </a:endParaRPr>
+          </a:p>
+        </p:txBody>
+      </p:sp>
+      <p:sp>
+        <p:nvSpPr>
+          <p:cNvPr id="46" name="TextBox 49">
+            <a:extLst>
+              <a:ext uri="{FF2B5EF4-FFF2-40B4-BE49-F238E27FC236}">
+                <a16:creationId xmlns:a16="http://schemas.microsoft.com/office/drawing/2014/main" id="{8FD17768-9967-470A-AAB0-E2A0516EF10A}"/>
+              </a:ext>
+            </a:extLst>
+          </p:cNvPr>
+          <p:cNvSpPr txBox="1"/>
+          <p:nvPr/>
+        </p:nvSpPr>
+        <p:spPr>
+          <a:xfrm>
+            <a:off x="10335655" y="25514238"/>
+            <a:ext cx="4733732" cy="861774"/>
+          </a:xfrm>
+          <a:prstGeom prst="rect">
+            <a:avLst/>
+          </a:prstGeom>
+          <a:noFill/>
+        </p:spPr>
+        <p:txBody>
+          <a:bodyPr wrap="none" rtlCol="0">
+            <a:spAutoFit/>
+          </a:bodyPr>
+          <a:lstStyle>
+            <a:defPPr>
+              <a:defRPr lang="en-US"/>
+            </a:defPPr>
+            <a:lvl1pPr marL="0" algn="l" defTabSz="457200" rtl="0" eaLnBrk="1" latinLnBrk="0" hangingPunct="1">
+              <a:defRPr sz="1800" kern="1200">
+                <a:solidFill>
+                  <a:schemeClr val="tx1"/>
+                </a:solidFill>
+                <a:latin typeface="+mn-lt"/>
+                <a:ea typeface="+mn-ea"/>
+                <a:cs typeface="+mn-cs"/>
+              </a:defRPr>
+            </a:lvl1pPr>
+            <a:lvl2pPr marL="457200" algn="l" defTabSz="457200" rtl="0" eaLnBrk="1" latinLnBrk="0" hangingPunct="1">
+              <a:defRPr sz="1800" kern="1200">
+                <a:solidFill>
+                  <a:schemeClr val="tx1"/>
+                </a:solidFill>
+                <a:latin typeface="+mn-lt"/>
+                <a:ea typeface="+mn-ea"/>
+                <a:cs typeface="+mn-cs"/>
+              </a:defRPr>
+            </a:lvl2pPr>
+            <a:lvl3pPr marL="914400" algn="l" defTabSz="457200" rtl="0" eaLnBrk="1" latinLnBrk="0" hangingPunct="1">
+              <a:defRPr sz="1800" kern="1200">
+                <a:solidFill>
+                  <a:schemeClr val="tx1"/>
+                </a:solidFill>
+                <a:latin typeface="+mn-lt"/>
+                <a:ea typeface="+mn-ea"/>
+                <a:cs typeface="+mn-cs"/>
+              </a:defRPr>
+            </a:lvl3pPr>
+            <a:lvl4pPr marL="1371600" algn="l" defTabSz="457200" rtl="0" eaLnBrk="1" latinLnBrk="0" hangingPunct="1">
+              <a:defRPr sz="1800" kern="1200">
+                <a:solidFill>
+                  <a:schemeClr val="tx1"/>
+                </a:solidFill>
+                <a:latin typeface="+mn-lt"/>
+                <a:ea typeface="+mn-ea"/>
+                <a:cs typeface="+mn-cs"/>
+              </a:defRPr>
+            </a:lvl4pPr>
+            <a:lvl5pPr marL="1828800" algn="l" defTabSz="457200" rtl="0" eaLnBrk="1" latinLnBrk="0" hangingPunct="1">
+              <a:defRPr sz="1800" kern="1200">
+                <a:solidFill>
+                  <a:schemeClr val="tx1"/>
+                </a:solidFill>
+                <a:latin typeface="+mn-lt"/>
+                <a:ea typeface="+mn-ea"/>
+                <a:cs typeface="+mn-cs"/>
+              </a:defRPr>
+            </a:lvl5pPr>
+            <a:lvl6pPr marL="2286000" algn="l" defTabSz="457200" rtl="0" eaLnBrk="1" latinLnBrk="0" hangingPunct="1">
+              <a:defRPr sz="1800" kern="1200">
+                <a:solidFill>
+                  <a:schemeClr val="tx1"/>
+                </a:solidFill>
+                <a:latin typeface="+mn-lt"/>
+                <a:ea typeface="+mn-ea"/>
+                <a:cs typeface="+mn-cs"/>
+              </a:defRPr>
+            </a:lvl6pPr>
+            <a:lvl7pPr marL="2743200" algn="l" defTabSz="457200" rtl="0" eaLnBrk="1" latinLnBrk="0" hangingPunct="1">
+              <a:defRPr sz="1800" kern="1200">
+                <a:solidFill>
+                  <a:schemeClr val="tx1"/>
+                </a:solidFill>
+                <a:latin typeface="+mn-lt"/>
+                <a:ea typeface="+mn-ea"/>
+                <a:cs typeface="+mn-cs"/>
+              </a:defRPr>
+            </a:lvl7pPr>
+            <a:lvl8pPr marL="3200400" algn="l" defTabSz="457200" rtl="0" eaLnBrk="1" latinLnBrk="0" hangingPunct="1">
+              <a:defRPr sz="1800" kern="1200">
+                <a:solidFill>
+                  <a:schemeClr val="tx1"/>
+                </a:solidFill>
+                <a:latin typeface="+mn-lt"/>
+                <a:ea typeface="+mn-ea"/>
+                <a:cs typeface="+mn-cs"/>
+              </a:defRPr>
+            </a:lvl8pPr>
+            <a:lvl9pPr marL="3657600" algn="l" defTabSz="457200" rtl="0" eaLnBrk="1" latinLnBrk="0" hangingPunct="1">
+              <a:defRPr sz="1800" kern="1200">
+                <a:solidFill>
+                  <a:schemeClr val="tx1"/>
+                </a:solidFill>
+                <a:latin typeface="+mn-lt"/>
+                <a:ea typeface="+mn-ea"/>
+                <a:cs typeface="+mn-cs"/>
+              </a:defRPr>
+            </a:lvl9pPr>
+          </a:lstStyle>
+          <a:p>
+            <a:r>
+              <a:rPr lang="en-US" sz="5000" dirty="0">
+                <a:solidFill>
+                  <a:schemeClr val="bg1"/>
+                </a:solidFill>
               </a:rPr>
-              <a:t>transmission</a:t>
-            </a:r>
-            <a:r>
-              <a:rPr lang="es-419" sz="3600" b="1" kern="1200" dirty="0">
-                <a:solidFill>
-                  <a:srgbClr val="7030A0"/>
-                </a:solidFill>
-                <a:latin typeface="+mn-lt"/>
-                <a:ea typeface="+mn-ea"/>
-                <a:cs typeface="+mn-cs"/>
+              <a:t>(King et al., 2009)</a:t>
+            </a:r>
+          </a:p>
+        </p:txBody>
+      </p:sp>
+      <p:sp>
+        <p:nvSpPr>
+          <p:cNvPr id="47" name="TextBox 11">
+            <a:extLst>
+              <a:ext uri="{FF2B5EF4-FFF2-40B4-BE49-F238E27FC236}">
+                <a16:creationId xmlns:a16="http://schemas.microsoft.com/office/drawing/2014/main" id="{CF01015B-7DA2-4E67-85B0-0D05D39AE3D2}"/>
+              </a:ext>
+            </a:extLst>
+          </p:cNvPr>
+          <p:cNvSpPr txBox="1"/>
+          <p:nvPr/>
+        </p:nvSpPr>
+        <p:spPr>
+          <a:xfrm>
+            <a:off x="6548354" y="16828245"/>
+            <a:ext cx="2396875" cy="769441"/>
+          </a:xfrm>
+          <a:prstGeom prst="rect">
+            <a:avLst/>
+          </a:prstGeom>
+          <a:noFill/>
+        </p:spPr>
+        <p:txBody>
+          <a:bodyPr wrap="none" rtlCol="0">
+            <a:spAutoFit/>
+          </a:bodyPr>
+          <a:lstStyle>
+            <a:defPPr>
+              <a:defRPr lang="en-US"/>
+            </a:defPPr>
+            <a:lvl1pPr marL="0" algn="l" defTabSz="457200" rtl="0" eaLnBrk="1" latinLnBrk="0" hangingPunct="1">
+              <a:defRPr sz="1800" kern="1200">
+                <a:solidFill>
+                  <a:schemeClr val="tx1"/>
+                </a:solidFill>
+                <a:latin typeface="+mn-lt"/>
+                <a:ea typeface="+mn-ea"/>
+                <a:cs typeface="+mn-cs"/>
+              </a:defRPr>
+            </a:lvl1pPr>
+            <a:lvl2pPr marL="457200" algn="l" defTabSz="457200" rtl="0" eaLnBrk="1" latinLnBrk="0" hangingPunct="1">
+              <a:defRPr sz="1800" kern="1200">
+                <a:solidFill>
+                  <a:schemeClr val="tx1"/>
+                </a:solidFill>
+                <a:latin typeface="+mn-lt"/>
+                <a:ea typeface="+mn-ea"/>
+                <a:cs typeface="+mn-cs"/>
+              </a:defRPr>
+            </a:lvl2pPr>
+            <a:lvl3pPr marL="914400" algn="l" defTabSz="457200" rtl="0" eaLnBrk="1" latinLnBrk="0" hangingPunct="1">
+              <a:defRPr sz="1800" kern="1200">
+                <a:solidFill>
+                  <a:schemeClr val="tx1"/>
+                </a:solidFill>
+                <a:latin typeface="+mn-lt"/>
+                <a:ea typeface="+mn-ea"/>
+                <a:cs typeface="+mn-cs"/>
+              </a:defRPr>
+            </a:lvl3pPr>
+            <a:lvl4pPr marL="1371600" algn="l" defTabSz="457200" rtl="0" eaLnBrk="1" latinLnBrk="0" hangingPunct="1">
+              <a:defRPr sz="1800" kern="1200">
+                <a:solidFill>
+                  <a:schemeClr val="tx1"/>
+                </a:solidFill>
+                <a:latin typeface="+mn-lt"/>
+                <a:ea typeface="+mn-ea"/>
+                <a:cs typeface="+mn-cs"/>
+              </a:defRPr>
+            </a:lvl4pPr>
+            <a:lvl5pPr marL="1828800" algn="l" defTabSz="457200" rtl="0" eaLnBrk="1" latinLnBrk="0" hangingPunct="1">
+              <a:defRPr sz="1800" kern="1200">
+                <a:solidFill>
+                  <a:schemeClr val="tx1"/>
+                </a:solidFill>
+                <a:latin typeface="+mn-lt"/>
+                <a:ea typeface="+mn-ea"/>
+                <a:cs typeface="+mn-cs"/>
+              </a:defRPr>
+            </a:lvl5pPr>
+            <a:lvl6pPr marL="2286000" algn="l" defTabSz="457200" rtl="0" eaLnBrk="1" latinLnBrk="0" hangingPunct="1">
+              <a:defRPr sz="1800" kern="1200">
+                <a:solidFill>
+                  <a:schemeClr val="tx1"/>
+                </a:solidFill>
+                <a:latin typeface="+mn-lt"/>
+                <a:ea typeface="+mn-ea"/>
+                <a:cs typeface="+mn-cs"/>
+              </a:defRPr>
+            </a:lvl6pPr>
+            <a:lvl7pPr marL="2743200" algn="l" defTabSz="457200" rtl="0" eaLnBrk="1" latinLnBrk="0" hangingPunct="1">
+              <a:defRPr sz="1800" kern="1200">
+                <a:solidFill>
+                  <a:schemeClr val="tx1"/>
+                </a:solidFill>
+                <a:latin typeface="+mn-lt"/>
+                <a:ea typeface="+mn-ea"/>
+                <a:cs typeface="+mn-cs"/>
+              </a:defRPr>
+            </a:lvl7pPr>
+            <a:lvl8pPr marL="3200400" algn="l" defTabSz="457200" rtl="0" eaLnBrk="1" latinLnBrk="0" hangingPunct="1">
+              <a:defRPr sz="1800" kern="1200">
+                <a:solidFill>
+                  <a:schemeClr val="tx1"/>
+                </a:solidFill>
+                <a:latin typeface="+mn-lt"/>
+                <a:ea typeface="+mn-ea"/>
+                <a:cs typeface="+mn-cs"/>
+              </a:defRPr>
+            </a:lvl8pPr>
+            <a:lvl9pPr marL="3657600" algn="l" defTabSz="457200" rtl="0" eaLnBrk="1" latinLnBrk="0" hangingPunct="1">
+              <a:defRPr sz="1800" kern="1200">
+                <a:solidFill>
+                  <a:schemeClr val="tx1"/>
+                </a:solidFill>
+                <a:latin typeface="+mn-lt"/>
+                <a:ea typeface="+mn-ea"/>
+                <a:cs typeface="+mn-cs"/>
+              </a:defRPr>
+            </a:lvl9pPr>
+          </a:lstStyle>
+          <a:p>
+            <a:r>
+              <a:rPr lang="en-US" sz="4400" b="1" dirty="0">
+                <a:solidFill>
+                  <a:schemeClr val="bg1"/>
+                </a:solidFill>
               </a:rPr>
-              <a:t>?</a:t>
-            </a:r>
-            <a:endParaRPr lang="en-US" sz="3600" b="1" kern="1200" dirty="0">
+              <a:t>Pathogen</a:t>
+            </a:r>
+          </a:p>
+        </p:txBody>
+      </p:sp>
+      <p:sp>
+        <p:nvSpPr>
+          <p:cNvPr id="49" name="Arrow: Curved Right 48">
+            <a:extLst>
+              <a:ext uri="{FF2B5EF4-FFF2-40B4-BE49-F238E27FC236}">
+                <a16:creationId xmlns:a16="http://schemas.microsoft.com/office/drawing/2014/main" id="{EFE21D2D-1F44-473E-AFC8-02DA6D5EDF3D}"/>
+              </a:ext>
+            </a:extLst>
+          </p:cNvPr>
+          <p:cNvSpPr/>
+          <p:nvPr/>
+        </p:nvSpPr>
+        <p:spPr>
+          <a:xfrm>
+            <a:off x="5054889" y="18094833"/>
+            <a:ext cx="1336744" cy="1937607"/>
+          </a:xfrm>
+          <a:prstGeom prst="curvedRightArrow">
+            <a:avLst>
+              <a:gd name="adj1" fmla="val 13767"/>
+              <a:gd name="adj2" fmla="val 61753"/>
+              <a:gd name="adj3" fmla="val 25000"/>
+            </a:avLst>
+          </a:prstGeom>
+          <a:solidFill>
+            <a:schemeClr val="bg1"/>
+          </a:solidFill>
+          <a:ln>
+            <a:solidFill>
+              <a:schemeClr val="bg1"/>
+            </a:solidFill>
+          </a:ln>
+          <a:effectLst/>
+        </p:spPr>
+        <p:style>
+          <a:lnRef idx="2">
+            <a:schemeClr val="accent1">
+              <a:shade val="50000"/>
+            </a:schemeClr>
+          </a:lnRef>
+          <a:fillRef idx="1">
+            <a:schemeClr val="accent1"/>
+          </a:fillRef>
+          <a:effectRef idx="0">
+            <a:schemeClr val="accent1"/>
+          </a:effectRef>
+          <a:fontRef idx="minor">
+            <a:schemeClr val="lt1"/>
+          </a:fontRef>
+        </p:style>
+        <p:txBody>
+          <a:bodyPr rtlCol="0" anchor="ctr"/>
+          <a:lstStyle>
+            <a:defPPr>
+              <a:defRPr lang="en-US"/>
+            </a:defPPr>
+            <a:lvl1pPr marL="0" algn="l" defTabSz="457200" rtl="0" eaLnBrk="1" latinLnBrk="0" hangingPunct="1">
+              <a:defRPr sz="1800" kern="1200">
+                <a:solidFill>
+                  <a:schemeClr val="lt1"/>
+                </a:solidFill>
+                <a:latin typeface="+mn-lt"/>
+                <a:ea typeface="+mn-ea"/>
+                <a:cs typeface="+mn-cs"/>
+              </a:defRPr>
+            </a:lvl1pPr>
+            <a:lvl2pPr marL="457200" algn="l" defTabSz="457200" rtl="0" eaLnBrk="1" latinLnBrk="0" hangingPunct="1">
+              <a:defRPr sz="1800" kern="1200">
+                <a:solidFill>
+                  <a:schemeClr val="lt1"/>
+                </a:solidFill>
+                <a:latin typeface="+mn-lt"/>
+                <a:ea typeface="+mn-ea"/>
+                <a:cs typeface="+mn-cs"/>
+              </a:defRPr>
+            </a:lvl2pPr>
+            <a:lvl3pPr marL="914400" algn="l" defTabSz="457200" rtl="0" eaLnBrk="1" latinLnBrk="0" hangingPunct="1">
+              <a:defRPr sz="1800" kern="1200">
+                <a:solidFill>
+                  <a:schemeClr val="lt1"/>
+                </a:solidFill>
+                <a:latin typeface="+mn-lt"/>
+                <a:ea typeface="+mn-ea"/>
+                <a:cs typeface="+mn-cs"/>
+              </a:defRPr>
+            </a:lvl3pPr>
+            <a:lvl4pPr marL="1371600" algn="l" defTabSz="457200" rtl="0" eaLnBrk="1" latinLnBrk="0" hangingPunct="1">
+              <a:defRPr sz="1800" kern="1200">
+                <a:solidFill>
+                  <a:schemeClr val="lt1"/>
+                </a:solidFill>
+                <a:latin typeface="+mn-lt"/>
+                <a:ea typeface="+mn-ea"/>
+                <a:cs typeface="+mn-cs"/>
+              </a:defRPr>
+            </a:lvl4pPr>
+            <a:lvl5pPr marL="1828800" algn="l" defTabSz="457200" rtl="0" eaLnBrk="1" latinLnBrk="0" hangingPunct="1">
+              <a:defRPr sz="1800" kern="1200">
+                <a:solidFill>
+                  <a:schemeClr val="lt1"/>
+                </a:solidFill>
+                <a:latin typeface="+mn-lt"/>
+                <a:ea typeface="+mn-ea"/>
+                <a:cs typeface="+mn-cs"/>
+              </a:defRPr>
+            </a:lvl5pPr>
+            <a:lvl6pPr marL="2286000" algn="l" defTabSz="457200" rtl="0" eaLnBrk="1" latinLnBrk="0" hangingPunct="1">
+              <a:defRPr sz="1800" kern="1200">
+                <a:solidFill>
+                  <a:schemeClr val="lt1"/>
+                </a:solidFill>
+                <a:latin typeface="+mn-lt"/>
+                <a:ea typeface="+mn-ea"/>
+                <a:cs typeface="+mn-cs"/>
+              </a:defRPr>
+            </a:lvl6pPr>
+            <a:lvl7pPr marL="2743200" algn="l" defTabSz="457200" rtl="0" eaLnBrk="1" latinLnBrk="0" hangingPunct="1">
+              <a:defRPr sz="1800" kern="1200">
+                <a:solidFill>
+                  <a:schemeClr val="lt1"/>
+                </a:solidFill>
+                <a:latin typeface="+mn-lt"/>
+                <a:ea typeface="+mn-ea"/>
+                <a:cs typeface="+mn-cs"/>
+              </a:defRPr>
+            </a:lvl7pPr>
+            <a:lvl8pPr marL="3200400" algn="l" defTabSz="457200" rtl="0" eaLnBrk="1" latinLnBrk="0" hangingPunct="1">
+              <a:defRPr sz="1800" kern="1200">
+                <a:solidFill>
+                  <a:schemeClr val="lt1"/>
+                </a:solidFill>
+                <a:latin typeface="+mn-lt"/>
+                <a:ea typeface="+mn-ea"/>
+                <a:cs typeface="+mn-cs"/>
+              </a:defRPr>
+            </a:lvl8pPr>
+            <a:lvl9pPr marL="3657600" algn="l" defTabSz="457200" rtl="0" eaLnBrk="1" latinLnBrk="0" hangingPunct="1">
+              <a:defRPr sz="1800" kern="1200">
+                <a:solidFill>
+                  <a:schemeClr val="lt1"/>
+                </a:solidFill>
+                <a:latin typeface="+mn-lt"/>
+                <a:ea typeface="+mn-ea"/>
+                <a:cs typeface="+mn-cs"/>
+              </a:defRPr>
+            </a:lvl9pPr>
+          </a:lstStyle>
+          <a:p>
+            <a:pPr algn="ctr"/>
+            <a:endParaRPr lang="en-US">
               <a:solidFill>
                 <a:schemeClr val="tx1"/>
               </a:solidFill>
-              <a:latin typeface="+mn-lt"/>
-              <a:ea typeface="+mn-ea"/>
-              <a:cs typeface="+mn-cs"/>
             </a:endParaRPr>
+          </a:p>
+        </p:txBody>
+      </p:sp>
+      <p:cxnSp>
+        <p:nvCxnSpPr>
+          <p:cNvPr id="51" name="Straight Arrow Connector 50">
+            <a:extLst>
+              <a:ext uri="{FF2B5EF4-FFF2-40B4-BE49-F238E27FC236}">
+                <a16:creationId xmlns:a16="http://schemas.microsoft.com/office/drawing/2014/main" id="{F012B41A-4C1F-4E3C-A1DA-C84E06B51968}"/>
+              </a:ext>
+            </a:extLst>
+          </p:cNvPr>
+          <p:cNvCxnSpPr>
+            <a:cxnSpLocks/>
+          </p:cNvCxnSpPr>
+          <p:nvPr/>
+        </p:nvCxnSpPr>
+        <p:spPr>
+          <a:xfrm>
+            <a:off x="7789108" y="20420167"/>
+            <a:ext cx="54330" cy="2131642"/>
+          </a:xfrm>
+          <a:prstGeom prst="straightConnector1">
+            <a:avLst/>
+          </a:prstGeom>
+          <a:ln w="381000">
+            <a:solidFill>
+              <a:schemeClr val="bg1"/>
+            </a:solidFill>
+            <a:tailEnd type="triangle"/>
+          </a:ln>
+        </p:spPr>
+        <p:style>
+          <a:lnRef idx="1">
+            <a:schemeClr val="accent1"/>
+          </a:lnRef>
+          <a:fillRef idx="0">
+            <a:schemeClr val="accent1"/>
+          </a:fillRef>
+          <a:effectRef idx="0">
+            <a:schemeClr val="accent1"/>
+          </a:effectRef>
+          <a:fontRef idx="minor">
+            <a:schemeClr val="tx1"/>
+          </a:fontRef>
+        </p:style>
+      </p:cxnSp>
+      <p:sp>
+        <p:nvSpPr>
+          <p:cNvPr id="52" name="TextBox 11">
+            <a:extLst>
+              <a:ext uri="{FF2B5EF4-FFF2-40B4-BE49-F238E27FC236}">
+                <a16:creationId xmlns:a16="http://schemas.microsoft.com/office/drawing/2014/main" id="{A4550C1F-2A65-48AA-9973-968155B26814}"/>
+              </a:ext>
+            </a:extLst>
+          </p:cNvPr>
+          <p:cNvSpPr txBox="1"/>
+          <p:nvPr/>
+        </p:nvSpPr>
+        <p:spPr>
+          <a:xfrm>
+            <a:off x="6788062" y="25393428"/>
+            <a:ext cx="2418996" cy="1446550"/>
+          </a:xfrm>
+          <a:prstGeom prst="rect">
+            <a:avLst/>
+          </a:prstGeom>
+          <a:noFill/>
+        </p:spPr>
+        <p:txBody>
+          <a:bodyPr wrap="none" rtlCol="0">
+            <a:spAutoFit/>
+          </a:bodyPr>
+          <a:lstStyle>
+            <a:defPPr>
+              <a:defRPr lang="en-US"/>
+            </a:defPPr>
+            <a:lvl1pPr marL="0" algn="l" defTabSz="457200" rtl="0" eaLnBrk="1" latinLnBrk="0" hangingPunct="1">
+              <a:defRPr sz="1800" kern="1200">
+                <a:solidFill>
+                  <a:schemeClr val="tx1"/>
+                </a:solidFill>
+                <a:latin typeface="+mn-lt"/>
+                <a:ea typeface="+mn-ea"/>
+                <a:cs typeface="+mn-cs"/>
+              </a:defRPr>
+            </a:lvl1pPr>
+            <a:lvl2pPr marL="457200" algn="l" defTabSz="457200" rtl="0" eaLnBrk="1" latinLnBrk="0" hangingPunct="1">
+              <a:defRPr sz="1800" kern="1200">
+                <a:solidFill>
+                  <a:schemeClr val="tx1"/>
+                </a:solidFill>
+                <a:latin typeface="+mn-lt"/>
+                <a:ea typeface="+mn-ea"/>
+                <a:cs typeface="+mn-cs"/>
+              </a:defRPr>
+            </a:lvl2pPr>
+            <a:lvl3pPr marL="914400" algn="l" defTabSz="457200" rtl="0" eaLnBrk="1" latinLnBrk="0" hangingPunct="1">
+              <a:defRPr sz="1800" kern="1200">
+                <a:solidFill>
+                  <a:schemeClr val="tx1"/>
+                </a:solidFill>
+                <a:latin typeface="+mn-lt"/>
+                <a:ea typeface="+mn-ea"/>
+                <a:cs typeface="+mn-cs"/>
+              </a:defRPr>
+            </a:lvl3pPr>
+            <a:lvl4pPr marL="1371600" algn="l" defTabSz="457200" rtl="0" eaLnBrk="1" latinLnBrk="0" hangingPunct="1">
+              <a:defRPr sz="1800" kern="1200">
+                <a:solidFill>
+                  <a:schemeClr val="tx1"/>
+                </a:solidFill>
+                <a:latin typeface="+mn-lt"/>
+                <a:ea typeface="+mn-ea"/>
+                <a:cs typeface="+mn-cs"/>
+              </a:defRPr>
+            </a:lvl4pPr>
+            <a:lvl5pPr marL="1828800" algn="l" defTabSz="457200" rtl="0" eaLnBrk="1" latinLnBrk="0" hangingPunct="1">
+              <a:defRPr sz="1800" kern="1200">
+                <a:solidFill>
+                  <a:schemeClr val="tx1"/>
+                </a:solidFill>
+                <a:latin typeface="+mn-lt"/>
+                <a:ea typeface="+mn-ea"/>
+                <a:cs typeface="+mn-cs"/>
+              </a:defRPr>
+            </a:lvl5pPr>
+            <a:lvl6pPr marL="2286000" algn="l" defTabSz="457200" rtl="0" eaLnBrk="1" latinLnBrk="0" hangingPunct="1">
+              <a:defRPr sz="1800" kern="1200">
+                <a:solidFill>
+                  <a:schemeClr val="tx1"/>
+                </a:solidFill>
+                <a:latin typeface="+mn-lt"/>
+                <a:ea typeface="+mn-ea"/>
+                <a:cs typeface="+mn-cs"/>
+              </a:defRPr>
+            </a:lvl6pPr>
+            <a:lvl7pPr marL="2743200" algn="l" defTabSz="457200" rtl="0" eaLnBrk="1" latinLnBrk="0" hangingPunct="1">
+              <a:defRPr sz="1800" kern="1200">
+                <a:solidFill>
+                  <a:schemeClr val="tx1"/>
+                </a:solidFill>
+                <a:latin typeface="+mn-lt"/>
+                <a:ea typeface="+mn-ea"/>
+                <a:cs typeface="+mn-cs"/>
+              </a:defRPr>
+            </a:lvl7pPr>
+            <a:lvl8pPr marL="3200400" algn="l" defTabSz="457200" rtl="0" eaLnBrk="1" latinLnBrk="0" hangingPunct="1">
+              <a:defRPr sz="1800" kern="1200">
+                <a:solidFill>
+                  <a:schemeClr val="tx1"/>
+                </a:solidFill>
+                <a:latin typeface="+mn-lt"/>
+                <a:ea typeface="+mn-ea"/>
+                <a:cs typeface="+mn-cs"/>
+              </a:defRPr>
+            </a:lvl8pPr>
+            <a:lvl9pPr marL="3657600" algn="l" defTabSz="457200" rtl="0" eaLnBrk="1" latinLnBrk="0" hangingPunct="1">
+              <a:defRPr sz="1800" kern="1200">
+                <a:solidFill>
+                  <a:schemeClr val="tx1"/>
+                </a:solidFill>
+                <a:latin typeface="+mn-lt"/>
+                <a:ea typeface="+mn-ea"/>
+                <a:cs typeface="+mn-cs"/>
+              </a:defRPr>
+            </a:lvl9pPr>
+          </a:lstStyle>
+          <a:p>
+            <a:r>
+              <a:rPr lang="en-US" sz="4400" b="1" dirty="0">
+                <a:solidFill>
+                  <a:schemeClr val="bg1"/>
+                </a:solidFill>
+              </a:rPr>
+              <a:t>Immune</a:t>
+            </a:r>
+          </a:p>
+          <a:p>
+            <a:r>
+              <a:rPr lang="en-US" sz="4400" b="1" dirty="0">
+                <a:solidFill>
+                  <a:schemeClr val="bg1"/>
+                </a:solidFill>
+              </a:rPr>
+              <a:t>Response</a:t>
+            </a:r>
+          </a:p>
+        </p:txBody>
+      </p:sp>
+      <p:sp>
+        <p:nvSpPr>
+          <p:cNvPr id="6" name="TextBox 5">
+            <a:extLst>
+              <a:ext uri="{FF2B5EF4-FFF2-40B4-BE49-F238E27FC236}">
+                <a16:creationId xmlns:a16="http://schemas.microsoft.com/office/drawing/2014/main" id="{53E5957E-D394-4C74-BDFA-B014FF7A8F47}"/>
+              </a:ext>
+            </a:extLst>
+          </p:cNvPr>
+          <p:cNvSpPr txBox="1"/>
+          <p:nvPr/>
+        </p:nvSpPr>
+        <p:spPr>
+          <a:xfrm>
+            <a:off x="2158757" y="21350252"/>
+            <a:ext cx="3883051" cy="1938992"/>
+          </a:xfrm>
+          <a:prstGeom prst="rect">
+            <a:avLst/>
+          </a:prstGeom>
+          <a:noFill/>
+        </p:spPr>
+        <p:txBody>
+          <a:bodyPr wrap="none" rtlCol="0">
+            <a:spAutoFit/>
+          </a:bodyPr>
+          <a:lstStyle/>
+          <a:p>
+            <a:pPr algn="ctr"/>
+            <a:r>
+              <a:rPr lang="en-US" sz="6000" b="1" dirty="0">
+                <a:solidFill>
+                  <a:schemeClr val="bg1"/>
+                </a:solidFill>
+              </a:rPr>
+              <a:t>Baseline</a:t>
+            </a:r>
+          </a:p>
+          <a:p>
+            <a:pPr algn="ctr"/>
+            <a:r>
+              <a:rPr lang="en-US" sz="6000" b="1" dirty="0">
+                <a:solidFill>
+                  <a:schemeClr val="bg1"/>
+                </a:solidFill>
+              </a:rPr>
+              <a:t>production </a:t>
+            </a:r>
+            <a:endParaRPr lang="en-US" sz="6000" b="1" dirty="0"/>
+          </a:p>
+        </p:txBody>
+      </p:sp>
+      <p:sp>
+        <p:nvSpPr>
+          <p:cNvPr id="8" name="TextBox 7">
+            <a:extLst>
+              <a:ext uri="{FF2B5EF4-FFF2-40B4-BE49-F238E27FC236}">
+                <a16:creationId xmlns:a16="http://schemas.microsoft.com/office/drawing/2014/main" id="{C5A2E019-63F3-4DA9-A3D4-1C13E6E35FD4}"/>
+              </a:ext>
+            </a:extLst>
+          </p:cNvPr>
+          <p:cNvSpPr txBox="1"/>
+          <p:nvPr/>
+        </p:nvSpPr>
+        <p:spPr>
+          <a:xfrm>
+            <a:off x="854163" y="8791502"/>
+            <a:ext cx="14767964" cy="7017306"/>
+          </a:xfrm>
+          <a:prstGeom prst="rect">
+            <a:avLst/>
+          </a:prstGeom>
+          <a:noFill/>
+        </p:spPr>
+        <p:txBody>
+          <a:bodyPr wrap="square" rtlCol="0">
+            <a:spAutoFit/>
+          </a:bodyPr>
+          <a:lstStyle/>
+          <a:p>
+            <a:r>
+              <a:rPr lang="en-US" sz="10000" dirty="0">
+                <a:solidFill>
+                  <a:schemeClr val="accent4"/>
+                </a:solidFill>
+              </a:rPr>
+              <a:t>Assumptions</a:t>
+            </a:r>
+          </a:p>
+          <a:p>
+            <a:pPr marL="1143000" indent="-1143000">
+              <a:buAutoNum type="arabicPeriod"/>
+            </a:pPr>
+            <a:r>
+              <a:rPr lang="en-US" sz="7000" dirty="0">
+                <a:solidFill>
+                  <a:schemeClr val="bg1"/>
+                </a:solidFill>
+              </a:rPr>
+              <a:t>Transmission potential is proportional to pathogen load</a:t>
+            </a:r>
+          </a:p>
+          <a:p>
+            <a:pPr marL="1143000" indent="-1143000">
+              <a:buAutoNum type="arabicPeriod"/>
+            </a:pPr>
+            <a:r>
+              <a:rPr lang="en-US" sz="7000" dirty="0">
+                <a:solidFill>
+                  <a:schemeClr val="bg1"/>
+                </a:solidFill>
+              </a:rPr>
+              <a:t>Symptoms are determined by immune response, which is increased by pathogen load</a:t>
+            </a:r>
           </a:p>
         </p:txBody>
       </p:sp>
       <p:pic>
         <p:nvPicPr>
-          <p:cNvPr id="25" name="Picture 24" descr="Icon&#10;&#10;Description automatically generated">
+          <p:cNvPr id="15" name="Picture 14" descr="Chart, bar chart&#10;&#10;Description automatically generated">
             <a:extLst>
               <a:ext uri="{FF2B5EF4-FFF2-40B4-BE49-F238E27FC236}">
-                <a16:creationId xmlns:a16="http://schemas.microsoft.com/office/drawing/2014/main" id="{E1C1D0FB-50CA-4B68-B2CA-8A037D3D4073}"/>
+                <a16:creationId xmlns:a16="http://schemas.microsoft.com/office/drawing/2014/main" id="{FFAF1425-3691-4937-8406-0C0058F56805}"/>
               </a:ext>
             </a:extLst>
           </p:cNvPr>
@@ -3785,7 +5354,7 @@
           <p:nvPr/>
         </p:nvPicPr>
         <p:blipFill>
-          <a:blip r:embed="rId5">
+          <a:blip r:embed="rId4">
             <a:extLst>
               <a:ext uri="{28A0092B-C50C-407E-A947-70E740481C1C}">
                 <a14:useLocalDpi xmlns:a14="http://schemas.microsoft.com/office/drawing/2010/main" val="0"/>
@@ -3798,8 +5367,8 @@
         </p:blipFill>
         <p:spPr>
           <a:xfrm>
-            <a:off x="1128476" y="2759560"/>
-            <a:ext cx="2259814" cy="2259814"/>
+            <a:off x="23860276" y="557215"/>
+            <a:ext cx="11365525" cy="10062139"/>
           </a:xfrm>
           <a:prstGeom prst="rect">
             <a:avLst/>
@@ -3822,7 +5391,7 @@
 <file path=ppt/theme/theme1.xml><?xml version="1.0" encoding="utf-8"?>
 <a:theme xmlns:a="http://schemas.openxmlformats.org/drawingml/2006/main" name="Office Theme">
   <a:themeElements>
-    <a:clrScheme name="Office">
+    <a:clrScheme name="Office Theme">
       <a:dk1>
         <a:sysClr val="windowText" lastClr="000000"/>
       </a:dk1>
@@ -3860,7 +5429,7 @@
         <a:srgbClr val="954F72"/>
       </a:folHlink>
     </a:clrScheme>
-    <a:fontScheme name="Office">
+    <a:fontScheme name="Office Theme">
       <a:majorFont>
         <a:latin typeface="Calibri Light" panose="020F0302020204030204"/>
         <a:ea typeface=""/>
@@ -3895,23 +5464,6 @@
         <a:font script="Viet" typeface="Times New Roman"/>
         <a:font script="Uigh" typeface="Microsoft Uighur"/>
         <a:font script="Geor" typeface="Sylfaen"/>
-        <a:font script="Armn" typeface="Arial"/>
-        <a:font script="Bugi" typeface="Leelawadee UI"/>
-        <a:font script="Bopo" typeface="Microsoft JhengHei"/>
-        <a:font script="Java" typeface="Javanese Text"/>
-        <a:font script="Lisu" typeface="Segoe UI"/>
-        <a:font script="Mymr" typeface="Myanmar Text"/>
-        <a:font script="Nkoo" typeface="Ebrima"/>
-        <a:font script="Olck" typeface="Nirmala UI"/>
-        <a:font script="Osma" typeface="Ebrima"/>
-        <a:font script="Phag" typeface="Phagspa"/>
-        <a:font script="Syrn" typeface="Estrangelo Edessa"/>
-        <a:font script="Syrj" typeface="Estrangelo Edessa"/>
-        <a:font script="Syre" typeface="Estrangelo Edessa"/>
-        <a:font script="Sora" typeface="Nirmala UI"/>
-        <a:font script="Tale" typeface="Microsoft Tai Le"/>
-        <a:font script="Talu" typeface="Microsoft New Tai Lue"/>
-        <a:font script="Tfng" typeface="Ebrima"/>
       </a:majorFont>
       <a:minorFont>
         <a:latin typeface="Calibri" panose="020F0502020204030204"/>
@@ -3947,26 +5499,9 @@
         <a:font script="Viet" typeface="Arial"/>
         <a:font script="Uigh" typeface="Microsoft Uighur"/>
         <a:font script="Geor" typeface="Sylfaen"/>
-        <a:font script="Armn" typeface="Arial"/>
-        <a:font script="Bugi" typeface="Leelawadee UI"/>
-        <a:font script="Bopo" typeface="Microsoft JhengHei"/>
-        <a:font script="Java" typeface="Javanese Text"/>
-        <a:font script="Lisu" typeface="Segoe UI"/>
-        <a:font script="Mymr" typeface="Myanmar Text"/>
-        <a:font script="Nkoo" typeface="Ebrima"/>
-        <a:font script="Olck" typeface="Nirmala UI"/>
-        <a:font script="Osma" typeface="Ebrima"/>
-        <a:font script="Phag" typeface="Phagspa"/>
-        <a:font script="Syrn" typeface="Estrangelo Edessa"/>
-        <a:font script="Syrj" typeface="Estrangelo Edessa"/>
-        <a:font script="Syre" typeface="Estrangelo Edessa"/>
-        <a:font script="Sora" typeface="Nirmala UI"/>
-        <a:font script="Tale" typeface="Microsoft Tai Le"/>
-        <a:font script="Talu" typeface="Microsoft New Tai Lue"/>
-        <a:font script="Tfng" typeface="Ebrima"/>
       </a:minorFont>
     </a:fontScheme>
-    <a:fmtScheme name="Office">
+    <a:fmtScheme name="Office Theme">
       <a:fillStyleLst>
         <a:solidFill>
           <a:schemeClr val="phClr"/>
